--- a/תרגול 1.pptx
+++ b/תרגול 1.pptx
@@ -5,10 +5,10 @@
     <p:sldMasterId id="2147483788" r:id="rId1"/>
   </p:sldMasterIdLst>
   <p:notesMasterIdLst>
-    <p:notesMasterId r:id="rId12"/>
+    <p:notesMasterId r:id="rId14"/>
   </p:notesMasterIdLst>
   <p:handoutMasterIdLst>
-    <p:handoutMasterId r:id="rId13"/>
+    <p:handoutMasterId r:id="rId15"/>
   </p:handoutMasterIdLst>
   <p:sldIdLst>
     <p:sldId id="257" r:id="rId2"/>
@@ -21,6 +21,8 @@
     <p:sldId id="268" r:id="rId9"/>
     <p:sldId id="269" r:id="rId10"/>
     <p:sldId id="270" r:id="rId11"/>
+    <p:sldId id="271" r:id="rId12"/>
+    <p:sldId id="272" r:id="rId13"/>
   </p:sldIdLst>
   <p:sldSz cx="12192000" cy="6858000"/>
   <p:notesSz cx="6858000" cy="9144000"/>
@@ -130,12 +132,3240 @@
 </p:presentation>
 </file>
 
-<file path=ppt/revisionInfo.xml><?xml version="1.0" encoding="utf-8"?>
-<p1510:revInfo xmlns:a="http://schemas.openxmlformats.org/drawingml/2006/main" xmlns:r="http://schemas.openxmlformats.org/officeDocument/2006/relationships" xmlns:p1510="http://schemas.microsoft.com/office/powerpoint/2015/10/main">
-  <p1510:revLst>
-    <p1510:client id="{432A2C57-3748-47B4-8840-307025F63762}" v="396" dt="2023-12-27T20:05:37.440"/>
-  </p1510:revLst>
-</p1510:revInfo>
+<file path=ppt/changesInfos/changesInfo1.xml><?xml version="1.0" encoding="utf-8"?>
+<pc:chgInfo xmlns:a="http://schemas.openxmlformats.org/drawingml/2006/main" xmlns:r="http://schemas.openxmlformats.org/officeDocument/2006/relationships" xmlns:ac="http://schemas.microsoft.com/office/drawing/2013/main/command" xmlns:pc="http://schemas.microsoft.com/office/powerpoint/2013/main/command">
+  <pc:docChgLst>
+    <pc:chgData name="משה עופר" userId="be54d6cb-761f-4aec-b214-5cfcb9fa6e02" providerId="ADAL" clId="{AB1C1D46-9623-49C2-A6BE-4CF2EAAE88BB}"/>
+    <pc:docChg chg="undo redo custSel addSld delSld modSld">
+      <pc:chgData name="משה עופר" userId="be54d6cb-761f-4aec-b214-5cfcb9fa6e02" providerId="ADAL" clId="{AB1C1D46-9623-49C2-A6BE-4CF2EAAE88BB}" dt="2024-03-12T14:40:20.525" v="85" actId="12"/>
+      <pc:docMkLst>
+        <pc:docMk/>
+      </pc:docMkLst>
+      <pc:sldChg chg="addSp delSp modSp new mod">
+        <pc:chgData name="משה עופר" userId="be54d6cb-761f-4aec-b214-5cfcb9fa6e02" providerId="ADAL" clId="{AB1C1D46-9623-49C2-A6BE-4CF2EAAE88BB}" dt="2024-03-12T14:40:20.525" v="85" actId="12"/>
+        <pc:sldMkLst>
+          <pc:docMk/>
+          <pc:sldMk cId="224983684" sldId="271"/>
+        </pc:sldMkLst>
+        <pc:spChg chg="mod">
+          <ac:chgData name="משה עופר" userId="be54d6cb-761f-4aec-b214-5cfcb9fa6e02" providerId="ADAL" clId="{AB1C1D46-9623-49C2-A6BE-4CF2EAAE88BB}" dt="2024-03-12T14:38:56.904" v="71"/>
+          <ac:spMkLst>
+            <pc:docMk/>
+            <pc:sldMk cId="224983684" sldId="271"/>
+            <ac:spMk id="2" creationId="{20EE5E09-E08E-F543-D014-932EF7267DA2}"/>
+          </ac:spMkLst>
+        </pc:spChg>
+        <pc:spChg chg="del mod">
+          <ac:chgData name="משה עופר" userId="be54d6cb-761f-4aec-b214-5cfcb9fa6e02" providerId="ADAL" clId="{AB1C1D46-9623-49C2-A6BE-4CF2EAAE88BB}" dt="2024-03-12T14:39:14.323" v="72" actId="26606"/>
+          <ac:spMkLst>
+            <pc:docMk/>
+            <pc:sldMk cId="224983684" sldId="271"/>
+            <ac:spMk id="3" creationId="{9066C954-7DF3-6984-AE3D-5AD25A03782A}"/>
+          </ac:spMkLst>
+        </pc:spChg>
+        <pc:spChg chg="mod">
+          <ac:chgData name="משה עופר" userId="be54d6cb-761f-4aec-b214-5cfcb9fa6e02" providerId="ADAL" clId="{AB1C1D46-9623-49C2-A6BE-4CF2EAAE88BB}" dt="2024-03-12T14:40:20.525" v="85" actId="12"/>
+          <ac:spMkLst>
+            <pc:docMk/>
+            <pc:sldMk cId="224983684" sldId="271"/>
+            <ac:spMk id="4" creationId="{79F6F5BA-B0FA-734E-925C-574BAA8800B8}"/>
+          </ac:spMkLst>
+        </pc:spChg>
+        <pc:graphicFrameChg chg="add">
+          <ac:chgData name="משה עופר" userId="be54d6cb-761f-4aec-b214-5cfcb9fa6e02" providerId="ADAL" clId="{AB1C1D46-9623-49C2-A6BE-4CF2EAAE88BB}" dt="2024-03-12T14:39:14.323" v="72" actId="26606"/>
+          <ac:graphicFrameMkLst>
+            <pc:docMk/>
+            <pc:sldMk cId="224983684" sldId="271"/>
+            <ac:graphicFrameMk id="7" creationId="{ED1AA047-2E83-E251-AE67-505C6D617702}"/>
+          </ac:graphicFrameMkLst>
+        </pc:graphicFrameChg>
+      </pc:sldChg>
+      <pc:sldChg chg="new del">
+        <pc:chgData name="משה עופר" userId="be54d6cb-761f-4aec-b214-5cfcb9fa6e02" providerId="ADAL" clId="{AB1C1D46-9623-49C2-A6BE-4CF2EAAE88BB}" dt="2024-03-12T14:33:56.925" v="1" actId="680"/>
+        <pc:sldMkLst>
+          <pc:docMk/>
+          <pc:sldMk cId="364382823" sldId="271"/>
+        </pc:sldMkLst>
+      </pc:sldChg>
+      <pc:sldChg chg="new del">
+        <pc:chgData name="משה עופר" userId="be54d6cb-761f-4aec-b214-5cfcb9fa6e02" providerId="ADAL" clId="{AB1C1D46-9623-49C2-A6BE-4CF2EAAE88BB}" dt="2024-03-12T14:33:59.405" v="3" actId="680"/>
+        <pc:sldMkLst>
+          <pc:docMk/>
+          <pc:sldMk cId="1986183156" sldId="271"/>
+        </pc:sldMkLst>
+      </pc:sldChg>
+      <pc:sldChg chg="modSp new del mod">
+        <pc:chgData name="משה עופר" userId="be54d6cb-761f-4aec-b214-5cfcb9fa6e02" providerId="ADAL" clId="{AB1C1D46-9623-49C2-A6BE-4CF2EAAE88BB}" dt="2024-03-12T14:34:28.676" v="22" actId="680"/>
+        <pc:sldMkLst>
+          <pc:docMk/>
+          <pc:sldMk cId="3783013300" sldId="271"/>
+        </pc:sldMkLst>
+        <pc:spChg chg="mod">
+          <ac:chgData name="משה עופר" userId="be54d6cb-761f-4aec-b214-5cfcb9fa6e02" providerId="ADAL" clId="{AB1C1D46-9623-49C2-A6BE-4CF2EAAE88BB}" dt="2024-03-12T14:34:28.235" v="21"/>
+          <ac:spMkLst>
+            <pc:docMk/>
+            <pc:sldMk cId="3783013300" sldId="271"/>
+            <ac:spMk id="2" creationId="{6448A295-751B-FF4E-A2A4-835E20A80540}"/>
+          </ac:spMkLst>
+        </pc:spChg>
+        <pc:spChg chg="mod">
+          <ac:chgData name="משה עופר" userId="be54d6cb-761f-4aec-b214-5cfcb9fa6e02" providerId="ADAL" clId="{AB1C1D46-9623-49C2-A6BE-4CF2EAAE88BB}" dt="2024-03-12T14:34:27.693" v="20" actId="948"/>
+          <ac:spMkLst>
+            <pc:docMk/>
+            <pc:sldMk cId="3783013300" sldId="271"/>
+            <ac:spMk id="3" creationId="{A4E0EFD5-684E-60B2-1454-4A84EA515C75}"/>
+          </ac:spMkLst>
+        </pc:spChg>
+      </pc:sldChg>
+      <pc:sldChg chg="modSp add mod">
+        <pc:chgData name="משה עופר" userId="be54d6cb-761f-4aec-b214-5cfcb9fa6e02" providerId="ADAL" clId="{AB1C1D46-9623-49C2-A6BE-4CF2EAAE88BB}" dt="2024-03-12T14:40:14.983" v="82" actId="12"/>
+        <pc:sldMkLst>
+          <pc:docMk/>
+          <pc:sldMk cId="1656270071" sldId="272"/>
+        </pc:sldMkLst>
+        <pc:spChg chg="mod">
+          <ac:chgData name="משה עופר" userId="be54d6cb-761f-4aec-b214-5cfcb9fa6e02" providerId="ADAL" clId="{AB1C1D46-9623-49C2-A6BE-4CF2EAAE88BB}" dt="2024-03-12T14:38:41.139" v="66" actId="20577"/>
+          <ac:spMkLst>
+            <pc:docMk/>
+            <pc:sldMk cId="1656270071" sldId="272"/>
+            <ac:spMk id="2" creationId="{20EE5E09-E08E-F543-D014-932EF7267DA2}"/>
+          </ac:spMkLst>
+        </pc:spChg>
+        <pc:spChg chg="mod">
+          <ac:chgData name="משה עופר" userId="be54d6cb-761f-4aec-b214-5cfcb9fa6e02" providerId="ADAL" clId="{AB1C1D46-9623-49C2-A6BE-4CF2EAAE88BB}" dt="2024-03-12T14:40:12.538" v="81" actId="12"/>
+          <ac:spMkLst>
+            <pc:docMk/>
+            <pc:sldMk cId="1656270071" sldId="272"/>
+            <ac:spMk id="3" creationId="{9066C954-7DF3-6984-AE3D-5AD25A03782A}"/>
+          </ac:spMkLst>
+        </pc:spChg>
+        <pc:spChg chg="mod">
+          <ac:chgData name="משה עופר" userId="be54d6cb-761f-4aec-b214-5cfcb9fa6e02" providerId="ADAL" clId="{AB1C1D46-9623-49C2-A6BE-4CF2EAAE88BB}" dt="2024-03-12T14:40:14.983" v="82" actId="12"/>
+          <ac:spMkLst>
+            <pc:docMk/>
+            <pc:sldMk cId="1656270071" sldId="272"/>
+            <ac:spMk id="4" creationId="{79F6F5BA-B0FA-734E-925C-574BAA8800B8}"/>
+          </ac:spMkLst>
+        </pc:spChg>
+      </pc:sldChg>
+    </pc:docChg>
+  </pc:docChgLst>
+</pc:chgInfo>
+</file>
+
+<file path=ppt/diagrams/colors1.xml><?xml version="1.0" encoding="utf-8"?>
+<dgm:colorsDef xmlns:dgm="http://schemas.openxmlformats.org/drawingml/2006/diagram" xmlns:a="http://schemas.openxmlformats.org/drawingml/2006/main" uniqueId="urn:microsoft.com/office/officeart/2005/8/colors/accent1_2">
+  <dgm:title val=""/>
+  <dgm:desc val=""/>
+  <dgm:catLst>
+    <dgm:cat type="accent1" pri="11200"/>
+  </dgm:catLst>
+  <dgm:styleLbl name="node0">
+    <dgm:fillClrLst meth="repeat">
+      <a:schemeClr val="accent1"/>
+    </dgm:fillClrLst>
+    <dgm:linClrLst meth="repeat">
+      <a:schemeClr val="lt1"/>
+    </dgm:linClrLst>
+    <dgm:effectClrLst/>
+    <dgm:txLinClrLst/>
+    <dgm:txFillClrLst/>
+    <dgm:txEffectClrLst/>
+  </dgm:styleLbl>
+  <dgm:styleLbl name="alignNode1">
+    <dgm:fillClrLst meth="repeat">
+      <a:schemeClr val="accent1"/>
+    </dgm:fillClrLst>
+    <dgm:linClrLst meth="repeat">
+      <a:schemeClr val="accent1"/>
+    </dgm:linClrLst>
+    <dgm:effectClrLst/>
+    <dgm:txLinClrLst/>
+    <dgm:txFillClrLst/>
+    <dgm:txEffectClrLst/>
+  </dgm:styleLbl>
+  <dgm:styleLbl name="node1">
+    <dgm:fillClrLst meth="repeat">
+      <a:schemeClr val="accent1"/>
+    </dgm:fillClrLst>
+    <dgm:linClrLst meth="repeat">
+      <a:schemeClr val="lt1"/>
+    </dgm:linClrLst>
+    <dgm:effectClrLst/>
+    <dgm:txLinClrLst/>
+    <dgm:txFillClrLst/>
+    <dgm:txEffectClrLst/>
+  </dgm:styleLbl>
+  <dgm:styleLbl name="lnNode1">
+    <dgm:fillClrLst meth="repeat">
+      <a:schemeClr val="accent1"/>
+    </dgm:fillClrLst>
+    <dgm:linClrLst meth="repeat">
+      <a:schemeClr val="lt1"/>
+    </dgm:linClrLst>
+    <dgm:effectClrLst/>
+    <dgm:txLinClrLst/>
+    <dgm:txFillClrLst/>
+    <dgm:txEffectClrLst/>
+  </dgm:styleLbl>
+  <dgm:styleLbl name="vennNode1">
+    <dgm:fillClrLst meth="repeat">
+      <a:schemeClr val="accent1">
+        <a:alpha val="50000"/>
+      </a:schemeClr>
+    </dgm:fillClrLst>
+    <dgm:linClrLst meth="repeat">
+      <a:schemeClr val="lt1"/>
+    </dgm:linClrLst>
+    <dgm:effectClrLst/>
+    <dgm:txLinClrLst/>
+    <dgm:txFillClrLst/>
+    <dgm:txEffectClrLst/>
+  </dgm:styleLbl>
+  <dgm:styleLbl name="node2">
+    <dgm:fillClrLst meth="repeat">
+      <a:schemeClr val="accent1"/>
+    </dgm:fillClrLst>
+    <dgm:linClrLst meth="repeat">
+      <a:schemeClr val="lt1"/>
+    </dgm:linClrLst>
+    <dgm:effectClrLst/>
+    <dgm:txLinClrLst/>
+    <dgm:txFillClrLst/>
+    <dgm:txEffectClrLst/>
+  </dgm:styleLbl>
+  <dgm:styleLbl name="node3">
+    <dgm:fillClrLst meth="repeat">
+      <a:schemeClr val="accent1"/>
+    </dgm:fillClrLst>
+    <dgm:linClrLst meth="repeat">
+      <a:schemeClr val="lt1"/>
+    </dgm:linClrLst>
+    <dgm:effectClrLst/>
+    <dgm:txLinClrLst/>
+    <dgm:txFillClrLst/>
+    <dgm:txEffectClrLst/>
+  </dgm:styleLbl>
+  <dgm:styleLbl name="node4">
+    <dgm:fillClrLst meth="repeat">
+      <a:schemeClr val="accent1"/>
+    </dgm:fillClrLst>
+    <dgm:linClrLst meth="repeat">
+      <a:schemeClr val="lt1"/>
+    </dgm:linClrLst>
+    <dgm:effectClrLst/>
+    <dgm:txLinClrLst/>
+    <dgm:txFillClrLst/>
+    <dgm:txEffectClrLst/>
+  </dgm:styleLbl>
+  <dgm:styleLbl name="fgImgPlace1">
+    <dgm:fillClrLst meth="repeat">
+      <a:schemeClr val="accent1">
+        <a:tint val="50000"/>
+      </a:schemeClr>
+    </dgm:fillClrLst>
+    <dgm:linClrLst meth="repeat">
+      <a:schemeClr val="lt1"/>
+    </dgm:linClrLst>
+    <dgm:effectClrLst/>
+    <dgm:txLinClrLst/>
+    <dgm:txFillClrLst meth="repeat">
+      <a:schemeClr val="lt1"/>
+    </dgm:txFillClrLst>
+    <dgm:txEffectClrLst/>
+  </dgm:styleLbl>
+  <dgm:styleLbl name="alignImgPlace1">
+    <dgm:fillClrLst meth="repeat">
+      <a:schemeClr val="accent1">
+        <a:tint val="50000"/>
+      </a:schemeClr>
+    </dgm:fillClrLst>
+    <dgm:linClrLst meth="repeat">
+      <a:schemeClr val="lt1"/>
+    </dgm:linClrLst>
+    <dgm:effectClrLst/>
+    <dgm:txLinClrLst/>
+    <dgm:txFillClrLst meth="repeat">
+      <a:schemeClr val="lt1"/>
+    </dgm:txFillClrLst>
+    <dgm:txEffectClrLst/>
+  </dgm:styleLbl>
+  <dgm:styleLbl name="bgImgPlace1">
+    <dgm:fillClrLst meth="repeat">
+      <a:schemeClr val="accent1">
+        <a:tint val="50000"/>
+      </a:schemeClr>
+    </dgm:fillClrLst>
+    <dgm:linClrLst meth="repeat">
+      <a:schemeClr val="lt1"/>
+    </dgm:linClrLst>
+    <dgm:effectClrLst/>
+    <dgm:txLinClrLst/>
+    <dgm:txFillClrLst meth="repeat">
+      <a:schemeClr val="lt1"/>
+    </dgm:txFillClrLst>
+    <dgm:txEffectClrLst/>
+  </dgm:styleLbl>
+  <dgm:styleLbl name="sibTrans2D1">
+    <dgm:fillClrLst meth="repeat">
+      <a:schemeClr val="accent1">
+        <a:tint val="60000"/>
+      </a:schemeClr>
+    </dgm:fillClrLst>
+    <dgm:linClrLst meth="repeat">
+      <a:schemeClr val="accent1">
+        <a:tint val="60000"/>
+      </a:schemeClr>
+    </dgm:linClrLst>
+    <dgm:effectClrLst/>
+    <dgm:txLinClrLst/>
+    <dgm:txFillClrLst/>
+    <dgm:txEffectClrLst/>
+  </dgm:styleLbl>
+  <dgm:styleLbl name="fgSibTrans2D1">
+    <dgm:fillClrLst meth="repeat">
+      <a:schemeClr val="accent1">
+        <a:tint val="60000"/>
+      </a:schemeClr>
+    </dgm:fillClrLst>
+    <dgm:linClrLst meth="repeat">
+      <a:schemeClr val="accent1">
+        <a:tint val="60000"/>
+      </a:schemeClr>
+    </dgm:linClrLst>
+    <dgm:effectClrLst/>
+    <dgm:txLinClrLst/>
+    <dgm:txFillClrLst/>
+    <dgm:txEffectClrLst/>
+  </dgm:styleLbl>
+  <dgm:styleLbl name="bgSibTrans2D1">
+    <dgm:fillClrLst meth="repeat">
+      <a:schemeClr val="accent1">
+        <a:tint val="60000"/>
+      </a:schemeClr>
+    </dgm:fillClrLst>
+    <dgm:linClrLst meth="repeat">
+      <a:schemeClr val="accent1">
+        <a:tint val="60000"/>
+      </a:schemeClr>
+    </dgm:linClrLst>
+    <dgm:effectClrLst/>
+    <dgm:txLinClrLst/>
+    <dgm:txFillClrLst/>
+    <dgm:txEffectClrLst/>
+  </dgm:styleLbl>
+  <dgm:styleLbl name="sibTrans1D1">
+    <dgm:fillClrLst meth="repeat">
+      <a:schemeClr val="accent1"/>
+    </dgm:fillClrLst>
+    <dgm:linClrLst meth="repeat">
+      <a:schemeClr val="accent1"/>
+    </dgm:linClrLst>
+    <dgm:effectClrLst/>
+    <dgm:txLinClrLst/>
+    <dgm:txFillClrLst meth="repeat">
+      <a:schemeClr val="tx1"/>
+    </dgm:txFillClrLst>
+    <dgm:txEffectClrLst/>
+  </dgm:styleLbl>
+  <dgm:styleLbl name="callout">
+    <dgm:fillClrLst meth="repeat">
+      <a:schemeClr val="accent1"/>
+    </dgm:fillClrLst>
+    <dgm:linClrLst meth="repeat">
+      <a:schemeClr val="accent1">
+        <a:tint val="50000"/>
+      </a:schemeClr>
+    </dgm:linClrLst>
+    <dgm:effectClrLst/>
+    <dgm:txLinClrLst/>
+    <dgm:txFillClrLst meth="repeat">
+      <a:schemeClr val="tx1"/>
+    </dgm:txFillClrLst>
+    <dgm:txEffectClrLst/>
+  </dgm:styleLbl>
+  <dgm:styleLbl name="asst0">
+    <dgm:fillClrLst meth="repeat">
+      <a:schemeClr val="accent1"/>
+    </dgm:fillClrLst>
+    <dgm:linClrLst meth="repeat">
+      <a:schemeClr val="lt1"/>
+    </dgm:linClrLst>
+    <dgm:effectClrLst/>
+    <dgm:txLinClrLst/>
+    <dgm:txFillClrLst/>
+    <dgm:txEffectClrLst/>
+  </dgm:styleLbl>
+  <dgm:styleLbl name="asst1">
+    <dgm:fillClrLst meth="repeat">
+      <a:schemeClr val="accent1"/>
+    </dgm:fillClrLst>
+    <dgm:linClrLst meth="repeat">
+      <a:schemeClr val="lt1"/>
+    </dgm:linClrLst>
+    <dgm:effectClrLst/>
+    <dgm:txLinClrLst/>
+    <dgm:txFillClrLst/>
+    <dgm:txEffectClrLst/>
+  </dgm:styleLbl>
+  <dgm:styleLbl name="asst2">
+    <dgm:fillClrLst meth="repeat">
+      <a:schemeClr val="accent1"/>
+    </dgm:fillClrLst>
+    <dgm:linClrLst meth="repeat">
+      <a:schemeClr val="lt1"/>
+    </dgm:linClrLst>
+    <dgm:effectClrLst/>
+    <dgm:txLinClrLst/>
+    <dgm:txFillClrLst/>
+    <dgm:txEffectClrLst/>
+  </dgm:styleLbl>
+  <dgm:styleLbl name="asst3">
+    <dgm:fillClrLst meth="repeat">
+      <a:schemeClr val="accent1"/>
+    </dgm:fillClrLst>
+    <dgm:linClrLst meth="repeat">
+      <a:schemeClr val="lt1"/>
+    </dgm:linClrLst>
+    <dgm:effectClrLst/>
+    <dgm:txLinClrLst/>
+    <dgm:txFillClrLst/>
+    <dgm:txEffectClrLst/>
+  </dgm:styleLbl>
+  <dgm:styleLbl name="asst4">
+    <dgm:fillClrLst meth="repeat">
+      <a:schemeClr val="accent1"/>
+    </dgm:fillClrLst>
+    <dgm:linClrLst meth="repeat">
+      <a:schemeClr val="lt1"/>
+    </dgm:linClrLst>
+    <dgm:effectClrLst/>
+    <dgm:txLinClrLst/>
+    <dgm:txFillClrLst/>
+    <dgm:txEffectClrLst/>
+  </dgm:styleLbl>
+  <dgm:styleLbl name="parChTrans2D1">
+    <dgm:fillClrLst meth="repeat">
+      <a:schemeClr val="accent1">
+        <a:tint val="60000"/>
+      </a:schemeClr>
+    </dgm:fillClrLst>
+    <dgm:linClrLst meth="repeat">
+      <a:schemeClr val="accent1">
+        <a:tint val="60000"/>
+      </a:schemeClr>
+    </dgm:linClrLst>
+    <dgm:effectClrLst/>
+    <dgm:txLinClrLst/>
+    <dgm:txFillClrLst meth="repeat">
+      <a:schemeClr val="lt1"/>
+    </dgm:txFillClrLst>
+    <dgm:txEffectClrLst/>
+  </dgm:styleLbl>
+  <dgm:styleLbl name="parChTrans2D2">
+    <dgm:fillClrLst meth="repeat">
+      <a:schemeClr val="accent1"/>
+    </dgm:fillClrLst>
+    <dgm:linClrLst meth="repeat">
+      <a:schemeClr val="accent1"/>
+    </dgm:linClrLst>
+    <dgm:effectClrLst/>
+    <dgm:txLinClrLst/>
+    <dgm:txFillClrLst meth="repeat">
+      <a:schemeClr val="lt1"/>
+    </dgm:txFillClrLst>
+    <dgm:txEffectClrLst/>
+  </dgm:styleLbl>
+  <dgm:styleLbl name="parChTrans2D3">
+    <dgm:fillClrLst meth="repeat">
+      <a:schemeClr val="accent1"/>
+    </dgm:fillClrLst>
+    <dgm:linClrLst meth="repeat">
+      <a:schemeClr val="accent1"/>
+    </dgm:linClrLst>
+    <dgm:effectClrLst/>
+    <dgm:txLinClrLst/>
+    <dgm:txFillClrLst meth="repeat">
+      <a:schemeClr val="lt1"/>
+    </dgm:txFillClrLst>
+    <dgm:txEffectClrLst/>
+  </dgm:styleLbl>
+  <dgm:styleLbl name="parChTrans2D4">
+    <dgm:fillClrLst meth="repeat">
+      <a:schemeClr val="accent1"/>
+    </dgm:fillClrLst>
+    <dgm:linClrLst meth="repeat">
+      <a:schemeClr val="accent1"/>
+    </dgm:linClrLst>
+    <dgm:effectClrLst/>
+    <dgm:txLinClrLst/>
+    <dgm:txFillClrLst meth="repeat">
+      <a:schemeClr val="lt1"/>
+    </dgm:txFillClrLst>
+    <dgm:txEffectClrLst/>
+  </dgm:styleLbl>
+  <dgm:styleLbl name="parChTrans1D1">
+    <dgm:fillClrLst meth="repeat">
+      <a:schemeClr val="accent1"/>
+    </dgm:fillClrLst>
+    <dgm:linClrLst meth="repeat">
+      <a:schemeClr val="accent1">
+        <a:shade val="60000"/>
+      </a:schemeClr>
+    </dgm:linClrLst>
+    <dgm:effectClrLst/>
+    <dgm:txLinClrLst/>
+    <dgm:txFillClrLst meth="repeat">
+      <a:schemeClr val="tx1"/>
+    </dgm:txFillClrLst>
+    <dgm:txEffectClrLst/>
+  </dgm:styleLbl>
+  <dgm:styleLbl name="parChTrans1D2">
+    <dgm:fillClrLst meth="repeat">
+      <a:schemeClr val="accent1"/>
+    </dgm:fillClrLst>
+    <dgm:linClrLst meth="repeat">
+      <a:schemeClr val="accent1">
+        <a:shade val="60000"/>
+      </a:schemeClr>
+    </dgm:linClrLst>
+    <dgm:effectClrLst/>
+    <dgm:txLinClrLst/>
+    <dgm:txFillClrLst meth="repeat">
+      <a:schemeClr val="tx1"/>
+    </dgm:txFillClrLst>
+    <dgm:txEffectClrLst/>
+  </dgm:styleLbl>
+  <dgm:styleLbl name="parChTrans1D3">
+    <dgm:fillClrLst meth="repeat">
+      <a:schemeClr val="accent1"/>
+    </dgm:fillClrLst>
+    <dgm:linClrLst meth="repeat">
+      <a:schemeClr val="accent1">
+        <a:shade val="80000"/>
+      </a:schemeClr>
+    </dgm:linClrLst>
+    <dgm:effectClrLst/>
+    <dgm:txLinClrLst/>
+    <dgm:txFillClrLst meth="repeat">
+      <a:schemeClr val="tx1"/>
+    </dgm:txFillClrLst>
+    <dgm:txEffectClrLst/>
+  </dgm:styleLbl>
+  <dgm:styleLbl name="parChTrans1D4">
+    <dgm:fillClrLst meth="repeat">
+      <a:schemeClr val="accent1"/>
+    </dgm:fillClrLst>
+    <dgm:linClrLst meth="repeat">
+      <a:schemeClr val="accent1">
+        <a:shade val="80000"/>
+      </a:schemeClr>
+    </dgm:linClrLst>
+    <dgm:effectClrLst/>
+    <dgm:txLinClrLst/>
+    <dgm:txFillClrLst meth="repeat">
+      <a:schemeClr val="tx1"/>
+    </dgm:txFillClrLst>
+    <dgm:txEffectClrLst/>
+  </dgm:styleLbl>
+  <dgm:styleLbl name="fgAcc1">
+    <dgm:fillClrLst meth="repeat">
+      <a:schemeClr val="lt1">
+        <a:alpha val="90000"/>
+      </a:schemeClr>
+    </dgm:fillClrLst>
+    <dgm:linClrLst meth="repeat">
+      <a:schemeClr val="accent1"/>
+    </dgm:linClrLst>
+    <dgm:effectClrLst/>
+    <dgm:txLinClrLst/>
+    <dgm:txFillClrLst meth="repeat">
+      <a:schemeClr val="dk1"/>
+    </dgm:txFillClrLst>
+    <dgm:txEffectClrLst/>
+  </dgm:styleLbl>
+  <dgm:styleLbl name="conFgAcc1">
+    <dgm:fillClrLst meth="repeat">
+      <a:schemeClr val="lt1">
+        <a:alpha val="90000"/>
+      </a:schemeClr>
+    </dgm:fillClrLst>
+    <dgm:linClrLst meth="repeat">
+      <a:schemeClr val="accent1"/>
+    </dgm:linClrLst>
+    <dgm:effectClrLst/>
+    <dgm:txLinClrLst/>
+    <dgm:txFillClrLst meth="repeat">
+      <a:schemeClr val="dk1"/>
+    </dgm:txFillClrLst>
+    <dgm:txEffectClrLst/>
+  </dgm:styleLbl>
+  <dgm:styleLbl name="alignAcc1">
+    <dgm:fillClrLst meth="repeat">
+      <a:schemeClr val="lt1">
+        <a:alpha val="90000"/>
+      </a:schemeClr>
+    </dgm:fillClrLst>
+    <dgm:linClrLst meth="repeat">
+      <a:schemeClr val="accent1"/>
+    </dgm:linClrLst>
+    <dgm:effectClrLst/>
+    <dgm:txLinClrLst/>
+    <dgm:txFillClrLst meth="repeat">
+      <a:schemeClr val="dk1"/>
+    </dgm:txFillClrLst>
+    <dgm:txEffectClrLst/>
+  </dgm:styleLbl>
+  <dgm:styleLbl name="trAlignAcc1">
+    <dgm:fillClrLst meth="repeat">
+      <a:schemeClr val="lt1">
+        <a:alpha val="40000"/>
+      </a:schemeClr>
+    </dgm:fillClrLst>
+    <dgm:linClrLst meth="repeat">
+      <a:schemeClr val="accent1"/>
+    </dgm:linClrLst>
+    <dgm:effectClrLst/>
+    <dgm:txLinClrLst/>
+    <dgm:txFillClrLst meth="repeat">
+      <a:schemeClr val="dk1"/>
+    </dgm:txFillClrLst>
+    <dgm:txEffectClrLst/>
+  </dgm:styleLbl>
+  <dgm:styleLbl name="bgAcc1">
+    <dgm:fillClrLst meth="repeat">
+      <a:schemeClr val="lt1">
+        <a:alpha val="90000"/>
+      </a:schemeClr>
+    </dgm:fillClrLst>
+    <dgm:linClrLst meth="repeat">
+      <a:schemeClr val="accent1"/>
+    </dgm:linClrLst>
+    <dgm:effectClrLst/>
+    <dgm:txLinClrLst/>
+    <dgm:txFillClrLst meth="repeat">
+      <a:schemeClr val="dk1"/>
+    </dgm:txFillClrLst>
+    <dgm:txEffectClrLst/>
+  </dgm:styleLbl>
+  <dgm:styleLbl name="solidFgAcc1">
+    <dgm:fillClrLst meth="repeat">
+      <a:schemeClr val="lt1"/>
+    </dgm:fillClrLst>
+    <dgm:linClrLst meth="repeat">
+      <a:schemeClr val="accent1"/>
+    </dgm:linClrLst>
+    <dgm:effectClrLst/>
+    <dgm:txLinClrLst/>
+    <dgm:txFillClrLst meth="repeat">
+      <a:schemeClr val="dk1"/>
+    </dgm:txFillClrLst>
+    <dgm:txEffectClrLst/>
+  </dgm:styleLbl>
+  <dgm:styleLbl name="solidAlignAcc1">
+    <dgm:fillClrLst meth="repeat">
+      <a:schemeClr val="lt1"/>
+    </dgm:fillClrLst>
+    <dgm:linClrLst meth="repeat">
+      <a:schemeClr val="accent1"/>
+    </dgm:linClrLst>
+    <dgm:effectClrLst/>
+    <dgm:txLinClrLst/>
+    <dgm:txFillClrLst meth="repeat">
+      <a:schemeClr val="dk1"/>
+    </dgm:txFillClrLst>
+    <dgm:txEffectClrLst/>
+  </dgm:styleLbl>
+  <dgm:styleLbl name="solidBgAcc1">
+    <dgm:fillClrLst meth="repeat">
+      <a:schemeClr val="lt1"/>
+    </dgm:fillClrLst>
+    <dgm:linClrLst meth="repeat">
+      <a:schemeClr val="accent1"/>
+    </dgm:linClrLst>
+    <dgm:effectClrLst/>
+    <dgm:txLinClrLst/>
+    <dgm:txFillClrLst meth="repeat">
+      <a:schemeClr val="dk1"/>
+    </dgm:txFillClrLst>
+    <dgm:txEffectClrLst/>
+  </dgm:styleLbl>
+  <dgm:styleLbl name="fgAccFollowNode1">
+    <dgm:fillClrLst meth="repeat">
+      <a:schemeClr val="accent1">
+        <a:alpha val="90000"/>
+        <a:tint val="40000"/>
+      </a:schemeClr>
+    </dgm:fillClrLst>
+    <dgm:linClrLst meth="repeat">
+      <a:schemeClr val="accent1">
+        <a:alpha val="90000"/>
+        <a:tint val="40000"/>
+      </a:schemeClr>
+    </dgm:linClrLst>
+    <dgm:effectClrLst/>
+    <dgm:txLinClrLst/>
+    <dgm:txFillClrLst meth="repeat">
+      <a:schemeClr val="dk1"/>
+    </dgm:txFillClrLst>
+    <dgm:txEffectClrLst/>
+  </dgm:styleLbl>
+  <dgm:styleLbl name="alignAccFollowNode1">
+    <dgm:fillClrLst meth="repeat">
+      <a:schemeClr val="accent1">
+        <a:alpha val="90000"/>
+        <a:tint val="40000"/>
+      </a:schemeClr>
+    </dgm:fillClrLst>
+    <dgm:linClrLst meth="repeat">
+      <a:schemeClr val="accent1">
+        <a:alpha val="90000"/>
+        <a:tint val="40000"/>
+      </a:schemeClr>
+    </dgm:linClrLst>
+    <dgm:effectClrLst/>
+    <dgm:txLinClrLst/>
+    <dgm:txFillClrLst meth="repeat">
+      <a:schemeClr val="dk1"/>
+    </dgm:txFillClrLst>
+    <dgm:txEffectClrLst/>
+  </dgm:styleLbl>
+  <dgm:styleLbl name="bgAccFollowNode1">
+    <dgm:fillClrLst meth="repeat">
+      <a:schemeClr val="accent1">
+        <a:alpha val="90000"/>
+        <a:tint val="40000"/>
+      </a:schemeClr>
+    </dgm:fillClrLst>
+    <dgm:linClrLst meth="repeat">
+      <a:schemeClr val="accent1">
+        <a:alpha val="90000"/>
+        <a:tint val="40000"/>
+      </a:schemeClr>
+    </dgm:linClrLst>
+    <dgm:effectClrLst/>
+    <dgm:txLinClrLst/>
+    <dgm:txFillClrLst meth="repeat">
+      <a:schemeClr val="dk1"/>
+    </dgm:txFillClrLst>
+    <dgm:txEffectClrLst/>
+  </dgm:styleLbl>
+  <dgm:styleLbl name="fgAcc0">
+    <dgm:fillClrLst meth="repeat">
+      <a:schemeClr val="lt1">
+        <a:alpha val="90000"/>
+      </a:schemeClr>
+    </dgm:fillClrLst>
+    <dgm:linClrLst meth="repeat">
+      <a:schemeClr val="accent1"/>
+    </dgm:linClrLst>
+    <dgm:effectClrLst/>
+    <dgm:txLinClrLst/>
+    <dgm:txFillClrLst meth="repeat">
+      <a:schemeClr val="dk1"/>
+    </dgm:txFillClrLst>
+    <dgm:txEffectClrLst/>
+  </dgm:styleLbl>
+  <dgm:styleLbl name="fgAcc2">
+    <dgm:fillClrLst meth="repeat">
+      <a:schemeClr val="lt1">
+        <a:alpha val="90000"/>
+      </a:schemeClr>
+    </dgm:fillClrLst>
+    <dgm:linClrLst meth="repeat">
+      <a:schemeClr val="accent1"/>
+    </dgm:linClrLst>
+    <dgm:effectClrLst/>
+    <dgm:txLinClrLst/>
+    <dgm:txFillClrLst meth="repeat">
+      <a:schemeClr val="dk1"/>
+    </dgm:txFillClrLst>
+    <dgm:txEffectClrLst/>
+  </dgm:styleLbl>
+  <dgm:styleLbl name="fgAcc3">
+    <dgm:fillClrLst meth="repeat">
+      <a:schemeClr val="lt1">
+        <a:alpha val="90000"/>
+      </a:schemeClr>
+    </dgm:fillClrLst>
+    <dgm:linClrLst meth="repeat">
+      <a:schemeClr val="accent1"/>
+    </dgm:linClrLst>
+    <dgm:effectClrLst/>
+    <dgm:txLinClrLst/>
+    <dgm:txFillClrLst meth="repeat">
+      <a:schemeClr val="dk1"/>
+    </dgm:txFillClrLst>
+    <dgm:txEffectClrLst/>
+  </dgm:styleLbl>
+  <dgm:styleLbl name="fgAcc4">
+    <dgm:fillClrLst meth="repeat">
+      <a:schemeClr val="lt1">
+        <a:alpha val="90000"/>
+      </a:schemeClr>
+    </dgm:fillClrLst>
+    <dgm:linClrLst meth="repeat">
+      <a:schemeClr val="accent1"/>
+    </dgm:linClrLst>
+    <dgm:effectClrLst/>
+    <dgm:txLinClrLst/>
+    <dgm:txFillClrLst meth="repeat">
+      <a:schemeClr val="dk1"/>
+    </dgm:txFillClrLst>
+    <dgm:txEffectClrLst/>
+  </dgm:styleLbl>
+  <dgm:styleLbl name="bgShp">
+    <dgm:fillClrLst meth="repeat">
+      <a:schemeClr val="accent1">
+        <a:tint val="40000"/>
+      </a:schemeClr>
+    </dgm:fillClrLst>
+    <dgm:linClrLst meth="repeat">
+      <a:schemeClr val="accent1"/>
+    </dgm:linClrLst>
+    <dgm:effectClrLst/>
+    <dgm:txLinClrLst/>
+    <dgm:txFillClrLst meth="repeat">
+      <a:schemeClr val="dk1"/>
+    </dgm:txFillClrLst>
+    <dgm:txEffectClrLst/>
+  </dgm:styleLbl>
+  <dgm:styleLbl name="dkBgShp">
+    <dgm:fillClrLst meth="repeat">
+      <a:schemeClr val="accent1">
+        <a:shade val="80000"/>
+      </a:schemeClr>
+    </dgm:fillClrLst>
+    <dgm:linClrLst meth="repeat">
+      <a:schemeClr val="accent1"/>
+    </dgm:linClrLst>
+    <dgm:effectClrLst/>
+    <dgm:txLinClrLst/>
+    <dgm:txFillClrLst meth="repeat">
+      <a:schemeClr val="lt1"/>
+    </dgm:txFillClrLst>
+    <dgm:txEffectClrLst/>
+  </dgm:styleLbl>
+  <dgm:styleLbl name="trBgShp">
+    <dgm:fillClrLst meth="repeat">
+      <a:schemeClr val="accent1">
+        <a:tint val="50000"/>
+        <a:alpha val="40000"/>
+      </a:schemeClr>
+    </dgm:fillClrLst>
+    <dgm:linClrLst meth="repeat">
+      <a:schemeClr val="accent1"/>
+    </dgm:linClrLst>
+    <dgm:effectClrLst/>
+    <dgm:txLinClrLst/>
+    <dgm:txFillClrLst meth="repeat">
+      <a:schemeClr val="lt1"/>
+    </dgm:txFillClrLst>
+    <dgm:txEffectClrLst/>
+  </dgm:styleLbl>
+  <dgm:styleLbl name="fgShp">
+    <dgm:fillClrLst meth="repeat">
+      <a:schemeClr val="accent1">
+        <a:tint val="60000"/>
+      </a:schemeClr>
+    </dgm:fillClrLst>
+    <dgm:linClrLst meth="repeat">
+      <a:schemeClr val="lt1"/>
+    </dgm:linClrLst>
+    <dgm:effectClrLst/>
+    <dgm:txLinClrLst/>
+    <dgm:txFillClrLst meth="repeat">
+      <a:schemeClr val="dk1"/>
+    </dgm:txFillClrLst>
+    <dgm:txEffectClrLst/>
+  </dgm:styleLbl>
+  <dgm:styleLbl name="revTx">
+    <dgm:fillClrLst meth="repeat">
+      <a:schemeClr val="lt1">
+        <a:alpha val="0"/>
+      </a:schemeClr>
+    </dgm:fillClrLst>
+    <dgm:linClrLst meth="repeat">
+      <a:schemeClr val="dk1">
+        <a:alpha val="0"/>
+      </a:schemeClr>
+    </dgm:linClrLst>
+    <dgm:effectClrLst/>
+    <dgm:txLinClrLst/>
+    <dgm:txFillClrLst meth="repeat">
+      <a:schemeClr val="tx1"/>
+    </dgm:txFillClrLst>
+    <dgm:txEffectClrLst/>
+  </dgm:styleLbl>
+</dgm:colorsDef>
+</file>
+
+<file path=ppt/diagrams/data1.xml><?xml version="1.0" encoding="utf-8"?>
+<dgm:dataModel xmlns:dgm="http://schemas.openxmlformats.org/drawingml/2006/diagram" xmlns:a="http://schemas.openxmlformats.org/drawingml/2006/main">
+  <dgm:ptLst>
+    <dgm:pt modelId="{B93D52CF-968D-4715-B8BC-0F4C1F955671}" type="doc">
+      <dgm:prSet loTypeId="urn:microsoft.com/office/officeart/2018/2/layout/IconLabelList" loCatId="icon" qsTypeId="urn:microsoft.com/office/officeart/2005/8/quickstyle/simple1" qsCatId="simple" csTypeId="urn:microsoft.com/office/officeart/2005/8/colors/accent1_2" csCatId="accent1" phldr="1"/>
+      <dgm:spPr/>
+      <dgm:t>
+        <a:bodyPr/>
+        <a:lstStyle/>
+        <a:p>
+          <a:endParaRPr lang="en-US"/>
+        </a:p>
+      </dgm:t>
+    </dgm:pt>
+    <dgm:pt modelId="{917C9D04-EB9A-4455-8780-D3AEB9C6CB69}">
+      <dgm:prSet/>
+      <dgm:spPr/>
+      <dgm:t>
+        <a:bodyPr/>
+        <a:lstStyle/>
+        <a:p>
+          <a:pPr>
+            <a:lnSpc>
+              <a:spcPct val="100000"/>
+            </a:lnSpc>
+          </a:pPr>
+          <a:r>
+            <a:rPr lang="en-US" b="1" i="0"/>
+            <a:t>Ctrl + Space</a:t>
+          </a:r>
+          <a:r>
+            <a:rPr lang="en-US" b="0" i="0"/>
+            <a:t>: Invoke code completion.</a:t>
+          </a:r>
+          <a:endParaRPr lang="en-US"/>
+        </a:p>
+      </dgm:t>
+    </dgm:pt>
+    <dgm:pt modelId="{37AB01D8-88F1-4B7C-81C9-4C7F60A815FC}" type="parTrans" cxnId="{8EF9F076-806B-4A03-8A3B-7A2C86CB7349}">
+      <dgm:prSet/>
+      <dgm:spPr/>
+      <dgm:t>
+        <a:bodyPr/>
+        <a:lstStyle/>
+        <a:p>
+          <a:endParaRPr lang="en-US"/>
+        </a:p>
+      </dgm:t>
+    </dgm:pt>
+    <dgm:pt modelId="{C44603B4-CDE6-4413-83E3-6DBBC7AF71D5}" type="sibTrans" cxnId="{8EF9F076-806B-4A03-8A3B-7A2C86CB7349}">
+      <dgm:prSet/>
+      <dgm:spPr/>
+      <dgm:t>
+        <a:bodyPr/>
+        <a:lstStyle/>
+        <a:p>
+          <a:endParaRPr lang="en-US"/>
+        </a:p>
+      </dgm:t>
+    </dgm:pt>
+    <dgm:pt modelId="{2FB58B2B-AA59-4DFA-9A7A-CC17A83F7AAA}">
+      <dgm:prSet/>
+      <dgm:spPr/>
+      <dgm:t>
+        <a:bodyPr/>
+        <a:lstStyle/>
+        <a:p>
+          <a:pPr>
+            <a:lnSpc>
+              <a:spcPct val="100000"/>
+            </a:lnSpc>
+          </a:pPr>
+          <a:r>
+            <a:rPr lang="en-US" b="1" i="0"/>
+            <a:t>Ctrl + Shift + Space</a:t>
+          </a:r>
+          <a:r>
+            <a:rPr lang="en-US" b="0" i="0"/>
+            <a:t>: Smart code completion, suggests relevant symbols.</a:t>
+          </a:r>
+          <a:endParaRPr lang="en-US"/>
+        </a:p>
+      </dgm:t>
+    </dgm:pt>
+    <dgm:pt modelId="{C7B05EEB-6896-40AB-871F-EC3EBF348DCA}" type="parTrans" cxnId="{A2A3D3D3-C847-4D31-AD31-DD44FDE3EA6A}">
+      <dgm:prSet/>
+      <dgm:spPr/>
+      <dgm:t>
+        <a:bodyPr/>
+        <a:lstStyle/>
+        <a:p>
+          <a:endParaRPr lang="en-US"/>
+        </a:p>
+      </dgm:t>
+    </dgm:pt>
+    <dgm:pt modelId="{EB092AE7-CFE0-43D0-BCF3-D04764960D0E}" type="sibTrans" cxnId="{A2A3D3D3-C847-4D31-AD31-DD44FDE3EA6A}">
+      <dgm:prSet/>
+      <dgm:spPr/>
+      <dgm:t>
+        <a:bodyPr/>
+        <a:lstStyle/>
+        <a:p>
+          <a:endParaRPr lang="en-US"/>
+        </a:p>
+      </dgm:t>
+    </dgm:pt>
+    <dgm:pt modelId="{61D2AD33-7C46-4950-8269-3ECE89EDC1B5}">
+      <dgm:prSet/>
+      <dgm:spPr/>
+      <dgm:t>
+        <a:bodyPr/>
+        <a:lstStyle/>
+        <a:p>
+          <a:pPr>
+            <a:lnSpc>
+              <a:spcPct val="100000"/>
+            </a:lnSpc>
+          </a:pPr>
+          <a:r>
+            <a:rPr lang="en-US" b="1" i="0"/>
+            <a:t>Ctrl + Alt + L</a:t>
+          </a:r>
+          <a:r>
+            <a:rPr lang="en-US" b="0" i="0"/>
+            <a:t>: Reformat code.</a:t>
+          </a:r>
+          <a:endParaRPr lang="en-US"/>
+        </a:p>
+      </dgm:t>
+    </dgm:pt>
+    <dgm:pt modelId="{CDB57A22-EB6E-4E55-9E5D-36D75231B80F}" type="parTrans" cxnId="{629E6D03-D97F-41DF-925F-DE1F2879AF7D}">
+      <dgm:prSet/>
+      <dgm:spPr/>
+      <dgm:t>
+        <a:bodyPr/>
+        <a:lstStyle/>
+        <a:p>
+          <a:endParaRPr lang="en-US"/>
+        </a:p>
+      </dgm:t>
+    </dgm:pt>
+    <dgm:pt modelId="{4920681E-7E59-447C-BDC2-AA8BD9753AAD}" type="sibTrans" cxnId="{629E6D03-D97F-41DF-925F-DE1F2879AF7D}">
+      <dgm:prSet/>
+      <dgm:spPr/>
+      <dgm:t>
+        <a:bodyPr/>
+        <a:lstStyle/>
+        <a:p>
+          <a:endParaRPr lang="en-US"/>
+        </a:p>
+      </dgm:t>
+    </dgm:pt>
+    <dgm:pt modelId="{09E97E64-3FF5-4EC5-95FF-F709979F0CBF}">
+      <dgm:prSet/>
+      <dgm:spPr/>
+      <dgm:t>
+        <a:bodyPr/>
+        <a:lstStyle/>
+        <a:p>
+          <a:pPr>
+            <a:lnSpc>
+              <a:spcPct val="100000"/>
+            </a:lnSpc>
+          </a:pPr>
+          <a:r>
+            <a:rPr lang="en-US" b="1" i="0"/>
+            <a:t>Ctrl + /</a:t>
+          </a:r>
+          <a:r>
+            <a:rPr lang="en-US" b="0" i="0"/>
+            <a:t>: Comment/uncomment with line comment.</a:t>
+          </a:r>
+          <a:endParaRPr lang="en-US"/>
+        </a:p>
+      </dgm:t>
+    </dgm:pt>
+    <dgm:pt modelId="{5258C727-7559-4EEC-8186-F856BDE05D06}" type="parTrans" cxnId="{77C7E510-D173-4F83-8360-D7004B8B5F0A}">
+      <dgm:prSet/>
+      <dgm:spPr/>
+      <dgm:t>
+        <a:bodyPr/>
+        <a:lstStyle/>
+        <a:p>
+          <a:endParaRPr lang="en-US"/>
+        </a:p>
+      </dgm:t>
+    </dgm:pt>
+    <dgm:pt modelId="{E44B78E6-D399-49FD-B646-8761803A8256}" type="sibTrans" cxnId="{77C7E510-D173-4F83-8360-D7004B8B5F0A}">
+      <dgm:prSet/>
+      <dgm:spPr/>
+      <dgm:t>
+        <a:bodyPr/>
+        <a:lstStyle/>
+        <a:p>
+          <a:endParaRPr lang="en-US"/>
+        </a:p>
+      </dgm:t>
+    </dgm:pt>
+    <dgm:pt modelId="{9A9D5052-A3BE-4541-AC84-D669E93466F1}">
+      <dgm:prSet/>
+      <dgm:spPr/>
+      <dgm:t>
+        <a:bodyPr/>
+        <a:lstStyle/>
+        <a:p>
+          <a:pPr>
+            <a:lnSpc>
+              <a:spcPct val="100000"/>
+            </a:lnSpc>
+          </a:pPr>
+          <a:r>
+            <a:rPr lang="en-US" b="1" i="0"/>
+            <a:t>Ctrl + Shift + /</a:t>
+          </a:r>
+          <a:r>
+            <a:rPr lang="en-US" b="0" i="0"/>
+            <a:t>: Comment/uncomment with block comment.</a:t>
+          </a:r>
+          <a:endParaRPr lang="en-US"/>
+        </a:p>
+      </dgm:t>
+    </dgm:pt>
+    <dgm:pt modelId="{960520F4-675F-41B3-811E-0FEB44CA6848}" type="parTrans" cxnId="{D6BF9A62-CAE7-42E1-9372-E706DBFB6EFC}">
+      <dgm:prSet/>
+      <dgm:spPr/>
+      <dgm:t>
+        <a:bodyPr/>
+        <a:lstStyle/>
+        <a:p>
+          <a:endParaRPr lang="en-US"/>
+        </a:p>
+      </dgm:t>
+    </dgm:pt>
+    <dgm:pt modelId="{C95082F1-3741-4468-8FA7-F6E9023A9312}" type="sibTrans" cxnId="{D6BF9A62-CAE7-42E1-9372-E706DBFB6EFC}">
+      <dgm:prSet/>
+      <dgm:spPr/>
+      <dgm:t>
+        <a:bodyPr/>
+        <a:lstStyle/>
+        <a:p>
+          <a:endParaRPr lang="en-US"/>
+        </a:p>
+      </dgm:t>
+    </dgm:pt>
+    <dgm:pt modelId="{640C25DC-8E8F-4046-A858-3A71974E4B1B}" type="pres">
+      <dgm:prSet presAssocID="{B93D52CF-968D-4715-B8BC-0F4C1F955671}" presName="root" presStyleCnt="0">
+        <dgm:presLayoutVars>
+          <dgm:dir/>
+          <dgm:resizeHandles val="exact"/>
+        </dgm:presLayoutVars>
+      </dgm:prSet>
+      <dgm:spPr/>
+    </dgm:pt>
+    <dgm:pt modelId="{E52249DF-D228-4911-88EC-388656ACB4D3}" type="pres">
+      <dgm:prSet presAssocID="{917C9D04-EB9A-4455-8780-D3AEB9C6CB69}" presName="compNode" presStyleCnt="0"/>
+      <dgm:spPr/>
+    </dgm:pt>
+    <dgm:pt modelId="{9DFA262F-C180-4E47-A0BA-9B71DA02F2A2}" type="pres">
+      <dgm:prSet presAssocID="{917C9D04-EB9A-4455-8780-D3AEB9C6CB69}" presName="iconRect" presStyleLbl="node1" presStyleIdx="0" presStyleCnt="5"/>
+      <dgm:spPr>
+        <a:blipFill>
+          <a:blip xmlns:r="http://schemas.openxmlformats.org/officeDocument/2006/relationships" r:embed="rId1">
+            <a:extLst>
+              <a:ext uri="{28A0092B-C50C-407E-A947-70E740481C1C}">
+                <a14:useLocalDpi xmlns:a14="http://schemas.microsoft.com/office/drawing/2010/main" val="0"/>
+              </a:ext>
+              <a:ext uri="{96DAC541-7B7A-43D3-8B79-37D633B846F1}">
+                <asvg:svgBlip xmlns:asvg="http://schemas.microsoft.com/office/drawing/2016/SVG/main" r:embed="rId2"/>
+              </a:ext>
+            </a:extLst>
+          </a:blip>
+          <a:stretch>
+            <a:fillRect/>
+          </a:stretch>
+        </a:blipFill>
+      </dgm:spPr>
+      <dgm:extLst>
+        <a:ext uri="{E40237B7-FDA0-4F09-8148-C483321AD2D9}">
+          <dgm14:cNvPr xmlns:dgm14="http://schemas.microsoft.com/office/drawing/2010/diagram" id="0" name="" descr="מכונת כתיבה"/>
+        </a:ext>
+      </dgm:extLst>
+    </dgm:pt>
+    <dgm:pt modelId="{F9095EA0-DFA3-4F77-9ACF-5BE4AB13132F}" type="pres">
+      <dgm:prSet presAssocID="{917C9D04-EB9A-4455-8780-D3AEB9C6CB69}" presName="spaceRect" presStyleCnt="0"/>
+      <dgm:spPr/>
+    </dgm:pt>
+    <dgm:pt modelId="{9440538B-E9FC-4486-B334-7C1527447A1D}" type="pres">
+      <dgm:prSet presAssocID="{917C9D04-EB9A-4455-8780-D3AEB9C6CB69}" presName="textRect" presStyleLbl="revTx" presStyleIdx="0" presStyleCnt="5">
+        <dgm:presLayoutVars>
+          <dgm:chMax val="1"/>
+          <dgm:chPref val="1"/>
+        </dgm:presLayoutVars>
+      </dgm:prSet>
+      <dgm:spPr/>
+    </dgm:pt>
+    <dgm:pt modelId="{4E3BE699-5629-4139-B576-4ED4B5CAE614}" type="pres">
+      <dgm:prSet presAssocID="{C44603B4-CDE6-4413-83E3-6DBBC7AF71D5}" presName="sibTrans" presStyleCnt="0"/>
+      <dgm:spPr/>
+    </dgm:pt>
+    <dgm:pt modelId="{A772851C-6265-45E3-AC9B-00642E04E411}" type="pres">
+      <dgm:prSet presAssocID="{2FB58B2B-AA59-4DFA-9A7A-CC17A83F7AAA}" presName="compNode" presStyleCnt="0"/>
+      <dgm:spPr/>
+    </dgm:pt>
+    <dgm:pt modelId="{BA3F5CD7-EBF7-4C87-87C1-BC9C4BED4425}" type="pres">
+      <dgm:prSet presAssocID="{2FB58B2B-AA59-4DFA-9A7A-CC17A83F7AAA}" presName="iconRect" presStyleLbl="node1" presStyleIdx="1" presStyleCnt="5"/>
+      <dgm:spPr>
+        <a:blipFill>
+          <a:blip xmlns:r="http://schemas.openxmlformats.org/officeDocument/2006/relationships" r:embed="rId3">
+            <a:extLst>
+              <a:ext uri="{28A0092B-C50C-407E-A947-70E740481C1C}">
+                <a14:useLocalDpi xmlns:a14="http://schemas.microsoft.com/office/drawing/2010/main" val="0"/>
+              </a:ext>
+              <a:ext uri="{96DAC541-7B7A-43D3-8B79-37D633B846F1}">
+                <asvg:svgBlip xmlns:asvg="http://schemas.microsoft.com/office/drawing/2016/SVG/main" r:embed="rId4"/>
+              </a:ext>
+            </a:extLst>
+          </a:blip>
+          <a:stretch>
+            <a:fillRect/>
+          </a:stretch>
+        </a:blipFill>
+      </dgm:spPr>
+      <dgm:extLst>
+        <a:ext uri="{E40237B7-FDA0-4F09-8148-C483321AD2D9}">
+          <dgm14:cNvPr xmlns:dgm14="http://schemas.microsoft.com/office/drawing/2010/diagram" id="0" name="" descr="Circular Flowchart"/>
+        </a:ext>
+      </dgm:extLst>
+    </dgm:pt>
+    <dgm:pt modelId="{CE9521DE-67F2-4314-BBA4-1713A7682C9F}" type="pres">
+      <dgm:prSet presAssocID="{2FB58B2B-AA59-4DFA-9A7A-CC17A83F7AAA}" presName="spaceRect" presStyleCnt="0"/>
+      <dgm:spPr/>
+    </dgm:pt>
+    <dgm:pt modelId="{427BC4D8-699E-4993-AC1E-0346B7ED36D3}" type="pres">
+      <dgm:prSet presAssocID="{2FB58B2B-AA59-4DFA-9A7A-CC17A83F7AAA}" presName="textRect" presStyleLbl="revTx" presStyleIdx="1" presStyleCnt="5">
+        <dgm:presLayoutVars>
+          <dgm:chMax val="1"/>
+          <dgm:chPref val="1"/>
+        </dgm:presLayoutVars>
+      </dgm:prSet>
+      <dgm:spPr/>
+    </dgm:pt>
+    <dgm:pt modelId="{9D45933F-58F3-4CBE-A19E-9672D0D82BD8}" type="pres">
+      <dgm:prSet presAssocID="{EB092AE7-CFE0-43D0-BCF3-D04764960D0E}" presName="sibTrans" presStyleCnt="0"/>
+      <dgm:spPr/>
+    </dgm:pt>
+    <dgm:pt modelId="{73B60668-7DCC-4795-B699-DAD7E2AF440A}" type="pres">
+      <dgm:prSet presAssocID="{61D2AD33-7C46-4950-8269-3ECE89EDC1B5}" presName="compNode" presStyleCnt="0"/>
+      <dgm:spPr/>
+    </dgm:pt>
+    <dgm:pt modelId="{2EC70834-CD6A-4939-88B4-2C855215C790}" type="pres">
+      <dgm:prSet presAssocID="{61D2AD33-7C46-4950-8269-3ECE89EDC1B5}" presName="iconRect" presStyleLbl="node1" presStyleIdx="2" presStyleCnt="5"/>
+      <dgm:spPr>
+        <a:blipFill>
+          <a:blip xmlns:r="http://schemas.openxmlformats.org/officeDocument/2006/relationships" r:embed="rId5">
+            <a:extLst>
+              <a:ext uri="{28A0092B-C50C-407E-A947-70E740481C1C}">
+                <a14:useLocalDpi xmlns:a14="http://schemas.microsoft.com/office/drawing/2010/main" val="0"/>
+              </a:ext>
+              <a:ext uri="{96DAC541-7B7A-43D3-8B79-37D633B846F1}">
+                <asvg:svgBlip xmlns:asvg="http://schemas.microsoft.com/office/drawing/2016/SVG/main" r:embed="rId6"/>
+              </a:ext>
+            </a:extLst>
+          </a:blip>
+          <a:stretch>
+            <a:fillRect/>
+          </a:stretch>
+        </a:blipFill>
+      </dgm:spPr>
+      <dgm:extLst>
+        <a:ext uri="{E40237B7-FDA0-4F09-8148-C483321AD2D9}">
+          <dgm14:cNvPr xmlns:dgm14="http://schemas.microsoft.com/office/drawing/2010/diagram" id="0" name="" descr="שולחן"/>
+        </a:ext>
+      </dgm:extLst>
+    </dgm:pt>
+    <dgm:pt modelId="{8FB7E2CF-B7BA-4627-9590-D08A1AE7DEA2}" type="pres">
+      <dgm:prSet presAssocID="{61D2AD33-7C46-4950-8269-3ECE89EDC1B5}" presName="spaceRect" presStyleCnt="0"/>
+      <dgm:spPr/>
+    </dgm:pt>
+    <dgm:pt modelId="{238BE443-A6AD-49AF-80F6-0E134F945A65}" type="pres">
+      <dgm:prSet presAssocID="{61D2AD33-7C46-4950-8269-3ECE89EDC1B5}" presName="textRect" presStyleLbl="revTx" presStyleIdx="2" presStyleCnt="5">
+        <dgm:presLayoutVars>
+          <dgm:chMax val="1"/>
+          <dgm:chPref val="1"/>
+        </dgm:presLayoutVars>
+      </dgm:prSet>
+      <dgm:spPr/>
+    </dgm:pt>
+    <dgm:pt modelId="{9630D976-5310-463B-A341-8B7CC29221E2}" type="pres">
+      <dgm:prSet presAssocID="{4920681E-7E59-447C-BDC2-AA8BD9753AAD}" presName="sibTrans" presStyleCnt="0"/>
+      <dgm:spPr/>
+    </dgm:pt>
+    <dgm:pt modelId="{50D9DFE6-3560-4E22-ACF6-091328083796}" type="pres">
+      <dgm:prSet presAssocID="{09E97E64-3FF5-4EC5-95FF-F709979F0CBF}" presName="compNode" presStyleCnt="0"/>
+      <dgm:spPr/>
+    </dgm:pt>
+    <dgm:pt modelId="{BD179713-E954-41B7-B412-455630201A69}" type="pres">
+      <dgm:prSet presAssocID="{09E97E64-3FF5-4EC5-95FF-F709979F0CBF}" presName="iconRect" presStyleLbl="node1" presStyleIdx="3" presStyleCnt="5"/>
+      <dgm:spPr>
+        <a:blipFill>
+          <a:blip xmlns:r="http://schemas.openxmlformats.org/officeDocument/2006/relationships" r:embed="rId7">
+            <a:extLst>
+              <a:ext uri="{28A0092B-C50C-407E-A947-70E740481C1C}">
+                <a14:useLocalDpi xmlns:a14="http://schemas.microsoft.com/office/drawing/2010/main" val="0"/>
+              </a:ext>
+              <a:ext uri="{96DAC541-7B7A-43D3-8B79-37D633B846F1}">
+                <asvg:svgBlip xmlns:asvg="http://schemas.microsoft.com/office/drawing/2016/SVG/main" r:embed="rId8"/>
+              </a:ext>
+            </a:extLst>
+          </a:blip>
+          <a:stretch>
+            <a:fillRect/>
+          </a:stretch>
+        </a:blipFill>
+      </dgm:spPr>
+      <dgm:extLst>
+        <a:ext uri="{E40237B7-FDA0-4F09-8148-C483321AD2D9}">
+          <dgm14:cNvPr xmlns:dgm14="http://schemas.microsoft.com/office/drawing/2010/diagram" id="0" name="" descr="מסמך"/>
+        </a:ext>
+      </dgm:extLst>
+    </dgm:pt>
+    <dgm:pt modelId="{D8FD9537-C254-4F8E-BE1D-CA67BF82A9F7}" type="pres">
+      <dgm:prSet presAssocID="{09E97E64-3FF5-4EC5-95FF-F709979F0CBF}" presName="spaceRect" presStyleCnt="0"/>
+      <dgm:spPr/>
+    </dgm:pt>
+    <dgm:pt modelId="{0EE07BE6-FABD-4F8B-9811-C6358E3D2D20}" type="pres">
+      <dgm:prSet presAssocID="{09E97E64-3FF5-4EC5-95FF-F709979F0CBF}" presName="textRect" presStyleLbl="revTx" presStyleIdx="3" presStyleCnt="5">
+        <dgm:presLayoutVars>
+          <dgm:chMax val="1"/>
+          <dgm:chPref val="1"/>
+        </dgm:presLayoutVars>
+      </dgm:prSet>
+      <dgm:spPr/>
+    </dgm:pt>
+    <dgm:pt modelId="{30341442-A4D0-496F-B2B4-ADA137ABBDC6}" type="pres">
+      <dgm:prSet presAssocID="{E44B78E6-D399-49FD-B646-8761803A8256}" presName="sibTrans" presStyleCnt="0"/>
+      <dgm:spPr/>
+    </dgm:pt>
+    <dgm:pt modelId="{583D73C7-4D86-4FAE-9E21-9DE4E147CE0A}" type="pres">
+      <dgm:prSet presAssocID="{9A9D5052-A3BE-4541-AC84-D669E93466F1}" presName="compNode" presStyleCnt="0"/>
+      <dgm:spPr/>
+    </dgm:pt>
+    <dgm:pt modelId="{443485C1-4029-43DC-AF05-1B6D08A966E1}" type="pres">
+      <dgm:prSet presAssocID="{9A9D5052-A3BE-4541-AC84-D669E93466F1}" presName="iconRect" presStyleLbl="node1" presStyleIdx="4" presStyleCnt="5"/>
+      <dgm:spPr>
+        <a:blipFill>
+          <a:blip xmlns:r="http://schemas.openxmlformats.org/officeDocument/2006/relationships" r:embed="rId9">
+            <a:extLst>
+              <a:ext uri="{28A0092B-C50C-407E-A947-70E740481C1C}">
+                <a14:useLocalDpi xmlns:a14="http://schemas.microsoft.com/office/drawing/2010/main" val="0"/>
+              </a:ext>
+              <a:ext uri="{96DAC541-7B7A-43D3-8B79-37D633B846F1}">
+                <asvg:svgBlip xmlns:asvg="http://schemas.microsoft.com/office/drawing/2016/SVG/main" r:embed="rId10"/>
+              </a:ext>
+            </a:extLst>
+          </a:blip>
+          <a:stretch>
+            <a:fillRect/>
+          </a:stretch>
+        </a:blipFill>
+      </dgm:spPr>
+      <dgm:extLst>
+        <a:ext uri="{E40237B7-FDA0-4F09-8148-C483321AD2D9}">
+          <dgm14:cNvPr xmlns:dgm14="http://schemas.microsoft.com/office/drawing/2010/diagram" id="0" name="" descr="כתוביות"/>
+        </a:ext>
+      </dgm:extLst>
+    </dgm:pt>
+    <dgm:pt modelId="{7BC41272-159B-4403-BAF5-E255C341BC46}" type="pres">
+      <dgm:prSet presAssocID="{9A9D5052-A3BE-4541-AC84-D669E93466F1}" presName="spaceRect" presStyleCnt="0"/>
+      <dgm:spPr/>
+    </dgm:pt>
+    <dgm:pt modelId="{315D3CB1-E0F3-417B-BA5B-CE29960434DF}" type="pres">
+      <dgm:prSet presAssocID="{9A9D5052-A3BE-4541-AC84-D669E93466F1}" presName="textRect" presStyleLbl="revTx" presStyleIdx="4" presStyleCnt="5">
+        <dgm:presLayoutVars>
+          <dgm:chMax val="1"/>
+          <dgm:chPref val="1"/>
+        </dgm:presLayoutVars>
+      </dgm:prSet>
+      <dgm:spPr/>
+    </dgm:pt>
+  </dgm:ptLst>
+  <dgm:cxnLst>
+    <dgm:cxn modelId="{629E6D03-D97F-41DF-925F-DE1F2879AF7D}" srcId="{B93D52CF-968D-4715-B8BC-0F4C1F955671}" destId="{61D2AD33-7C46-4950-8269-3ECE89EDC1B5}" srcOrd="2" destOrd="0" parTransId="{CDB57A22-EB6E-4E55-9E5D-36D75231B80F}" sibTransId="{4920681E-7E59-447C-BDC2-AA8BD9753AAD}"/>
+    <dgm:cxn modelId="{77C7E510-D173-4F83-8360-D7004B8B5F0A}" srcId="{B93D52CF-968D-4715-B8BC-0F4C1F955671}" destId="{09E97E64-3FF5-4EC5-95FF-F709979F0CBF}" srcOrd="3" destOrd="0" parTransId="{5258C727-7559-4EEC-8186-F856BDE05D06}" sibTransId="{E44B78E6-D399-49FD-B646-8761803A8256}"/>
+    <dgm:cxn modelId="{CEF81616-3BE4-4BA8-9783-F3C1EF2C3961}" type="presOf" srcId="{2FB58B2B-AA59-4DFA-9A7A-CC17A83F7AAA}" destId="{427BC4D8-699E-4993-AC1E-0346B7ED36D3}" srcOrd="0" destOrd="0" presId="urn:microsoft.com/office/officeart/2018/2/layout/IconLabelList"/>
+    <dgm:cxn modelId="{D6BF9A62-CAE7-42E1-9372-E706DBFB6EFC}" srcId="{B93D52CF-968D-4715-B8BC-0F4C1F955671}" destId="{9A9D5052-A3BE-4541-AC84-D669E93466F1}" srcOrd="4" destOrd="0" parTransId="{960520F4-675F-41B3-811E-0FEB44CA6848}" sibTransId="{C95082F1-3741-4468-8FA7-F6E9023A9312}"/>
+    <dgm:cxn modelId="{8EF9F076-806B-4A03-8A3B-7A2C86CB7349}" srcId="{B93D52CF-968D-4715-B8BC-0F4C1F955671}" destId="{917C9D04-EB9A-4455-8780-D3AEB9C6CB69}" srcOrd="0" destOrd="0" parTransId="{37AB01D8-88F1-4B7C-81C9-4C7F60A815FC}" sibTransId="{C44603B4-CDE6-4413-83E3-6DBBC7AF71D5}"/>
+    <dgm:cxn modelId="{F612189F-0468-4ED6-A08B-8128D51293DC}" type="presOf" srcId="{B93D52CF-968D-4715-B8BC-0F4C1F955671}" destId="{640C25DC-8E8F-4046-A858-3A71974E4B1B}" srcOrd="0" destOrd="0" presId="urn:microsoft.com/office/officeart/2018/2/layout/IconLabelList"/>
+    <dgm:cxn modelId="{52662DCF-4C5F-484A-BE6C-D35D90A96ADC}" type="presOf" srcId="{9A9D5052-A3BE-4541-AC84-D669E93466F1}" destId="{315D3CB1-E0F3-417B-BA5B-CE29960434DF}" srcOrd="0" destOrd="0" presId="urn:microsoft.com/office/officeart/2018/2/layout/IconLabelList"/>
+    <dgm:cxn modelId="{C336C1D0-BE0C-4C98-96C4-931A11949A59}" type="presOf" srcId="{61D2AD33-7C46-4950-8269-3ECE89EDC1B5}" destId="{238BE443-A6AD-49AF-80F6-0E134F945A65}" srcOrd="0" destOrd="0" presId="urn:microsoft.com/office/officeart/2018/2/layout/IconLabelList"/>
+    <dgm:cxn modelId="{A2A3D3D3-C847-4D31-AD31-DD44FDE3EA6A}" srcId="{B93D52CF-968D-4715-B8BC-0F4C1F955671}" destId="{2FB58B2B-AA59-4DFA-9A7A-CC17A83F7AAA}" srcOrd="1" destOrd="0" parTransId="{C7B05EEB-6896-40AB-871F-EC3EBF348DCA}" sibTransId="{EB092AE7-CFE0-43D0-BCF3-D04764960D0E}"/>
+    <dgm:cxn modelId="{0C5B51E4-4A9C-4408-8D9C-639E66A6800F}" type="presOf" srcId="{09E97E64-3FF5-4EC5-95FF-F709979F0CBF}" destId="{0EE07BE6-FABD-4F8B-9811-C6358E3D2D20}" srcOrd="0" destOrd="0" presId="urn:microsoft.com/office/officeart/2018/2/layout/IconLabelList"/>
+    <dgm:cxn modelId="{798401F8-F2D5-46FE-86CE-AAE80CB5FFD3}" type="presOf" srcId="{917C9D04-EB9A-4455-8780-D3AEB9C6CB69}" destId="{9440538B-E9FC-4486-B334-7C1527447A1D}" srcOrd="0" destOrd="0" presId="urn:microsoft.com/office/officeart/2018/2/layout/IconLabelList"/>
+    <dgm:cxn modelId="{DBD461E4-584E-489D-A3B9-C9E688A2DC3D}" type="presParOf" srcId="{640C25DC-8E8F-4046-A858-3A71974E4B1B}" destId="{E52249DF-D228-4911-88EC-388656ACB4D3}" srcOrd="0" destOrd="0" presId="urn:microsoft.com/office/officeart/2018/2/layout/IconLabelList"/>
+    <dgm:cxn modelId="{FE1342E5-394B-45FD-BBFC-B83F81ABADF6}" type="presParOf" srcId="{E52249DF-D228-4911-88EC-388656ACB4D3}" destId="{9DFA262F-C180-4E47-A0BA-9B71DA02F2A2}" srcOrd="0" destOrd="0" presId="urn:microsoft.com/office/officeart/2018/2/layout/IconLabelList"/>
+    <dgm:cxn modelId="{6CE50D91-4F21-4F9E-A9F5-48B46B987ABE}" type="presParOf" srcId="{E52249DF-D228-4911-88EC-388656ACB4D3}" destId="{F9095EA0-DFA3-4F77-9ACF-5BE4AB13132F}" srcOrd="1" destOrd="0" presId="urn:microsoft.com/office/officeart/2018/2/layout/IconLabelList"/>
+    <dgm:cxn modelId="{FBBC0BC3-4E11-4EF4-A4A1-42875C881D25}" type="presParOf" srcId="{E52249DF-D228-4911-88EC-388656ACB4D3}" destId="{9440538B-E9FC-4486-B334-7C1527447A1D}" srcOrd="2" destOrd="0" presId="urn:microsoft.com/office/officeart/2018/2/layout/IconLabelList"/>
+    <dgm:cxn modelId="{4678D08F-9408-4F85-A09B-750C41DD0DB1}" type="presParOf" srcId="{640C25DC-8E8F-4046-A858-3A71974E4B1B}" destId="{4E3BE699-5629-4139-B576-4ED4B5CAE614}" srcOrd="1" destOrd="0" presId="urn:microsoft.com/office/officeart/2018/2/layout/IconLabelList"/>
+    <dgm:cxn modelId="{43410BDB-B6B7-4A23-8292-8127DDBE8C49}" type="presParOf" srcId="{640C25DC-8E8F-4046-A858-3A71974E4B1B}" destId="{A772851C-6265-45E3-AC9B-00642E04E411}" srcOrd="2" destOrd="0" presId="urn:microsoft.com/office/officeart/2018/2/layout/IconLabelList"/>
+    <dgm:cxn modelId="{3B11BFB6-FF3A-4822-A79A-AA8DA86DF2AB}" type="presParOf" srcId="{A772851C-6265-45E3-AC9B-00642E04E411}" destId="{BA3F5CD7-EBF7-4C87-87C1-BC9C4BED4425}" srcOrd="0" destOrd="0" presId="urn:microsoft.com/office/officeart/2018/2/layout/IconLabelList"/>
+    <dgm:cxn modelId="{2AAB96B6-188A-491F-8F35-D47E17BE5B99}" type="presParOf" srcId="{A772851C-6265-45E3-AC9B-00642E04E411}" destId="{CE9521DE-67F2-4314-BBA4-1713A7682C9F}" srcOrd="1" destOrd="0" presId="urn:microsoft.com/office/officeart/2018/2/layout/IconLabelList"/>
+    <dgm:cxn modelId="{679A0F9D-E33B-4F70-A234-92A3944874E1}" type="presParOf" srcId="{A772851C-6265-45E3-AC9B-00642E04E411}" destId="{427BC4D8-699E-4993-AC1E-0346B7ED36D3}" srcOrd="2" destOrd="0" presId="urn:microsoft.com/office/officeart/2018/2/layout/IconLabelList"/>
+    <dgm:cxn modelId="{7A0A9C96-F377-4067-AC43-90DC2FC58523}" type="presParOf" srcId="{640C25DC-8E8F-4046-A858-3A71974E4B1B}" destId="{9D45933F-58F3-4CBE-A19E-9672D0D82BD8}" srcOrd="3" destOrd="0" presId="urn:microsoft.com/office/officeart/2018/2/layout/IconLabelList"/>
+    <dgm:cxn modelId="{D6F830B7-5264-4DEB-8404-29A18D852342}" type="presParOf" srcId="{640C25DC-8E8F-4046-A858-3A71974E4B1B}" destId="{73B60668-7DCC-4795-B699-DAD7E2AF440A}" srcOrd="4" destOrd="0" presId="urn:microsoft.com/office/officeart/2018/2/layout/IconLabelList"/>
+    <dgm:cxn modelId="{89C06818-9FC0-4134-9625-3C6EAF777F2D}" type="presParOf" srcId="{73B60668-7DCC-4795-B699-DAD7E2AF440A}" destId="{2EC70834-CD6A-4939-88B4-2C855215C790}" srcOrd="0" destOrd="0" presId="urn:microsoft.com/office/officeart/2018/2/layout/IconLabelList"/>
+    <dgm:cxn modelId="{01361EF9-6E13-41BB-8957-296D10796ECA}" type="presParOf" srcId="{73B60668-7DCC-4795-B699-DAD7E2AF440A}" destId="{8FB7E2CF-B7BA-4627-9590-D08A1AE7DEA2}" srcOrd="1" destOrd="0" presId="urn:microsoft.com/office/officeart/2018/2/layout/IconLabelList"/>
+    <dgm:cxn modelId="{AF3FDD75-DCE2-49E6-BBE4-BB968261983F}" type="presParOf" srcId="{73B60668-7DCC-4795-B699-DAD7E2AF440A}" destId="{238BE443-A6AD-49AF-80F6-0E134F945A65}" srcOrd="2" destOrd="0" presId="urn:microsoft.com/office/officeart/2018/2/layout/IconLabelList"/>
+    <dgm:cxn modelId="{59CE203C-84C6-416C-A1F6-799444E14438}" type="presParOf" srcId="{640C25DC-8E8F-4046-A858-3A71974E4B1B}" destId="{9630D976-5310-463B-A341-8B7CC29221E2}" srcOrd="5" destOrd="0" presId="urn:microsoft.com/office/officeart/2018/2/layout/IconLabelList"/>
+    <dgm:cxn modelId="{A77A15BC-B5A7-4A60-BFB3-191E71304B93}" type="presParOf" srcId="{640C25DC-8E8F-4046-A858-3A71974E4B1B}" destId="{50D9DFE6-3560-4E22-ACF6-091328083796}" srcOrd="6" destOrd="0" presId="urn:microsoft.com/office/officeart/2018/2/layout/IconLabelList"/>
+    <dgm:cxn modelId="{AF599623-D7C4-4C27-8775-C5BE22F0AE75}" type="presParOf" srcId="{50D9DFE6-3560-4E22-ACF6-091328083796}" destId="{BD179713-E954-41B7-B412-455630201A69}" srcOrd="0" destOrd="0" presId="urn:microsoft.com/office/officeart/2018/2/layout/IconLabelList"/>
+    <dgm:cxn modelId="{526C1AFA-D65C-4220-AB83-2064A1A6F9F6}" type="presParOf" srcId="{50D9DFE6-3560-4E22-ACF6-091328083796}" destId="{D8FD9537-C254-4F8E-BE1D-CA67BF82A9F7}" srcOrd="1" destOrd="0" presId="urn:microsoft.com/office/officeart/2018/2/layout/IconLabelList"/>
+    <dgm:cxn modelId="{D668355C-D299-4204-B688-579CD82E5321}" type="presParOf" srcId="{50D9DFE6-3560-4E22-ACF6-091328083796}" destId="{0EE07BE6-FABD-4F8B-9811-C6358E3D2D20}" srcOrd="2" destOrd="0" presId="urn:microsoft.com/office/officeart/2018/2/layout/IconLabelList"/>
+    <dgm:cxn modelId="{20DA44A7-19D3-43C2-AAEE-12F27258EB0E}" type="presParOf" srcId="{640C25DC-8E8F-4046-A858-3A71974E4B1B}" destId="{30341442-A4D0-496F-B2B4-ADA137ABBDC6}" srcOrd="7" destOrd="0" presId="urn:microsoft.com/office/officeart/2018/2/layout/IconLabelList"/>
+    <dgm:cxn modelId="{4A45F2AC-A090-4340-B9F5-FEEE6E7EC510}" type="presParOf" srcId="{640C25DC-8E8F-4046-A858-3A71974E4B1B}" destId="{583D73C7-4D86-4FAE-9E21-9DE4E147CE0A}" srcOrd="8" destOrd="0" presId="urn:microsoft.com/office/officeart/2018/2/layout/IconLabelList"/>
+    <dgm:cxn modelId="{283E3020-7074-4128-94C4-BCE7222719F1}" type="presParOf" srcId="{583D73C7-4D86-4FAE-9E21-9DE4E147CE0A}" destId="{443485C1-4029-43DC-AF05-1B6D08A966E1}" srcOrd="0" destOrd="0" presId="urn:microsoft.com/office/officeart/2018/2/layout/IconLabelList"/>
+    <dgm:cxn modelId="{2A95B8AF-FC9D-4093-B66E-8342AD7830F4}" type="presParOf" srcId="{583D73C7-4D86-4FAE-9E21-9DE4E147CE0A}" destId="{7BC41272-159B-4403-BAF5-E255C341BC46}" srcOrd="1" destOrd="0" presId="urn:microsoft.com/office/officeart/2018/2/layout/IconLabelList"/>
+    <dgm:cxn modelId="{43DB65E1-A3B4-4507-BCE0-A3D3ECE2E09B}" type="presParOf" srcId="{583D73C7-4D86-4FAE-9E21-9DE4E147CE0A}" destId="{315D3CB1-E0F3-417B-BA5B-CE29960434DF}" srcOrd="2" destOrd="0" presId="urn:microsoft.com/office/officeart/2018/2/layout/IconLabelList"/>
+  </dgm:cxnLst>
+  <dgm:bg/>
+  <dgm:whole/>
+  <dgm:extLst>
+    <a:ext uri="http://schemas.microsoft.com/office/drawing/2008/diagram">
+      <dsp:dataModelExt xmlns:dsp="http://schemas.microsoft.com/office/drawing/2008/diagram" relId="rId6" minVer="http://schemas.openxmlformats.org/drawingml/2006/diagram"/>
+    </a:ext>
+  </dgm:extLst>
+</dgm:dataModel>
+</file>
+
+<file path=ppt/diagrams/drawing1.xml><?xml version="1.0" encoding="utf-8"?>
+<dsp:drawing xmlns:dgm="http://schemas.openxmlformats.org/drawingml/2006/diagram" xmlns:dsp="http://schemas.microsoft.com/office/drawing/2008/diagram" xmlns:a="http://schemas.openxmlformats.org/drawingml/2006/main">
+  <dsp:spTree>
+    <dsp:nvGrpSpPr>
+      <dsp:cNvPr id="0" name=""/>
+      <dsp:cNvGrpSpPr/>
+    </dsp:nvGrpSpPr>
+    <dsp:grpSpPr/>
+    <dsp:sp modelId="{9DFA262F-C180-4E47-A0BA-9B71DA02F2A2}">
+      <dsp:nvSpPr>
+        <dsp:cNvPr id="0" name=""/>
+        <dsp:cNvSpPr/>
+      </dsp:nvSpPr>
+      <dsp:spPr>
+        <a:xfrm>
+          <a:off x="667934" y="193784"/>
+          <a:ext cx="605917" cy="605917"/>
+        </a:xfrm>
+        <a:prstGeom prst="rect">
+          <a:avLst/>
+        </a:prstGeom>
+        <a:blipFill>
+          <a:blip xmlns:r="http://schemas.openxmlformats.org/officeDocument/2006/relationships" r:embed="rId1">
+            <a:extLst>
+              <a:ext uri="{28A0092B-C50C-407E-A947-70E740481C1C}">
+                <a14:useLocalDpi xmlns:a14="http://schemas.microsoft.com/office/drawing/2010/main" val="0"/>
+              </a:ext>
+              <a:ext uri="{96DAC541-7B7A-43D3-8B79-37D633B846F1}">
+                <asvg:svgBlip xmlns:asvg="http://schemas.microsoft.com/office/drawing/2016/SVG/main" r:embed="rId2"/>
+              </a:ext>
+            </a:extLst>
+          </a:blip>
+          <a:stretch>
+            <a:fillRect/>
+          </a:stretch>
+        </a:blipFill>
+        <a:ln w="15875" cap="flat" cmpd="sng" algn="ctr">
+          <a:solidFill>
+            <a:schemeClr val="lt1">
+              <a:hueOff val="0"/>
+              <a:satOff val="0"/>
+              <a:lumOff val="0"/>
+              <a:alphaOff val="0"/>
+            </a:schemeClr>
+          </a:solidFill>
+          <a:prstDash val="solid"/>
+        </a:ln>
+        <a:effectLst/>
+      </dsp:spPr>
+      <dsp:style>
+        <a:lnRef idx="2">
+          <a:scrgbClr r="0" g="0" b="0"/>
+        </a:lnRef>
+        <a:fillRef idx="1">
+          <a:scrgbClr r="0" g="0" b="0"/>
+        </a:fillRef>
+        <a:effectRef idx="0">
+          <a:scrgbClr r="0" g="0" b="0"/>
+        </a:effectRef>
+        <a:fontRef idx="minor">
+          <a:schemeClr val="lt1"/>
+        </a:fontRef>
+      </dsp:style>
+    </dsp:sp>
+    <dsp:sp modelId="{9440538B-E9FC-4486-B334-7C1527447A1D}">
+      <dsp:nvSpPr>
+        <dsp:cNvPr id="0" name=""/>
+        <dsp:cNvSpPr/>
+      </dsp:nvSpPr>
+      <dsp:spPr>
+        <a:xfrm>
+          <a:off x="297651" y="1005149"/>
+          <a:ext cx="1346484" cy="538593"/>
+        </a:xfrm>
+        <a:prstGeom prst="rect">
+          <a:avLst/>
+        </a:prstGeom>
+        <a:noFill/>
+        <a:ln>
+          <a:noFill/>
+        </a:ln>
+        <a:effectLst/>
+      </dsp:spPr>
+      <dsp:style>
+        <a:lnRef idx="0">
+          <a:scrgbClr r="0" g="0" b="0"/>
+        </a:lnRef>
+        <a:fillRef idx="0">
+          <a:scrgbClr r="0" g="0" b="0"/>
+        </a:fillRef>
+        <a:effectRef idx="0">
+          <a:scrgbClr r="0" g="0" b="0"/>
+        </a:effectRef>
+        <a:fontRef idx="minor"/>
+      </dsp:style>
+      <dsp:txBody>
+        <a:bodyPr spcFirstLastPara="0" vert="horz" wrap="square" lIns="0" tIns="0" rIns="0" bIns="0" numCol="1" spcCol="1270" anchor="t" anchorCtr="0">
+          <a:noAutofit/>
+        </a:bodyPr>
+        <a:lstStyle/>
+        <a:p>
+          <a:pPr marL="0" lvl="0" indent="0" algn="ctr" defTabSz="488950">
+            <a:lnSpc>
+              <a:spcPct val="100000"/>
+            </a:lnSpc>
+            <a:spcBef>
+              <a:spcPct val="0"/>
+            </a:spcBef>
+            <a:spcAft>
+              <a:spcPct val="35000"/>
+            </a:spcAft>
+            <a:buNone/>
+          </a:pPr>
+          <a:r>
+            <a:rPr lang="en-US" sz="1100" b="1" i="0" kern="1200"/>
+            <a:t>Ctrl + Space</a:t>
+          </a:r>
+          <a:r>
+            <a:rPr lang="en-US" sz="1100" b="0" i="0" kern="1200"/>
+            <a:t>: Invoke code completion.</a:t>
+          </a:r>
+          <a:endParaRPr lang="en-US" sz="1100" kern="1200"/>
+        </a:p>
+      </dsp:txBody>
+      <dsp:txXfrm>
+        <a:off x="297651" y="1005149"/>
+        <a:ext cx="1346484" cy="538593"/>
+      </dsp:txXfrm>
+    </dsp:sp>
+    <dsp:sp modelId="{BA3F5CD7-EBF7-4C87-87C1-BC9C4BED4425}">
+      <dsp:nvSpPr>
+        <dsp:cNvPr id="0" name=""/>
+        <dsp:cNvSpPr/>
+      </dsp:nvSpPr>
+      <dsp:spPr>
+        <a:xfrm>
+          <a:off x="2250054" y="193784"/>
+          <a:ext cx="605917" cy="605917"/>
+        </a:xfrm>
+        <a:prstGeom prst="rect">
+          <a:avLst/>
+        </a:prstGeom>
+        <a:blipFill>
+          <a:blip xmlns:r="http://schemas.openxmlformats.org/officeDocument/2006/relationships" r:embed="rId3">
+            <a:extLst>
+              <a:ext uri="{28A0092B-C50C-407E-A947-70E740481C1C}">
+                <a14:useLocalDpi xmlns:a14="http://schemas.microsoft.com/office/drawing/2010/main" val="0"/>
+              </a:ext>
+              <a:ext uri="{96DAC541-7B7A-43D3-8B79-37D633B846F1}">
+                <asvg:svgBlip xmlns:asvg="http://schemas.microsoft.com/office/drawing/2016/SVG/main" r:embed="rId4"/>
+              </a:ext>
+            </a:extLst>
+          </a:blip>
+          <a:stretch>
+            <a:fillRect/>
+          </a:stretch>
+        </a:blipFill>
+        <a:ln w="15875" cap="flat" cmpd="sng" algn="ctr">
+          <a:solidFill>
+            <a:schemeClr val="lt1">
+              <a:hueOff val="0"/>
+              <a:satOff val="0"/>
+              <a:lumOff val="0"/>
+              <a:alphaOff val="0"/>
+            </a:schemeClr>
+          </a:solidFill>
+          <a:prstDash val="solid"/>
+        </a:ln>
+        <a:effectLst/>
+      </dsp:spPr>
+      <dsp:style>
+        <a:lnRef idx="2">
+          <a:scrgbClr r="0" g="0" b="0"/>
+        </a:lnRef>
+        <a:fillRef idx="1">
+          <a:scrgbClr r="0" g="0" b="0"/>
+        </a:fillRef>
+        <a:effectRef idx="0">
+          <a:scrgbClr r="0" g="0" b="0"/>
+        </a:effectRef>
+        <a:fontRef idx="minor">
+          <a:schemeClr val="lt1"/>
+        </a:fontRef>
+      </dsp:style>
+    </dsp:sp>
+    <dsp:sp modelId="{427BC4D8-699E-4993-AC1E-0346B7ED36D3}">
+      <dsp:nvSpPr>
+        <dsp:cNvPr id="0" name=""/>
+        <dsp:cNvSpPr/>
+      </dsp:nvSpPr>
+      <dsp:spPr>
+        <a:xfrm>
+          <a:off x="1879770" y="1005149"/>
+          <a:ext cx="1346484" cy="538593"/>
+        </a:xfrm>
+        <a:prstGeom prst="rect">
+          <a:avLst/>
+        </a:prstGeom>
+        <a:noFill/>
+        <a:ln>
+          <a:noFill/>
+        </a:ln>
+        <a:effectLst/>
+      </dsp:spPr>
+      <dsp:style>
+        <a:lnRef idx="0">
+          <a:scrgbClr r="0" g="0" b="0"/>
+        </a:lnRef>
+        <a:fillRef idx="0">
+          <a:scrgbClr r="0" g="0" b="0"/>
+        </a:fillRef>
+        <a:effectRef idx="0">
+          <a:scrgbClr r="0" g="0" b="0"/>
+        </a:effectRef>
+        <a:fontRef idx="minor"/>
+      </dsp:style>
+      <dsp:txBody>
+        <a:bodyPr spcFirstLastPara="0" vert="horz" wrap="square" lIns="0" tIns="0" rIns="0" bIns="0" numCol="1" spcCol="1270" anchor="t" anchorCtr="0">
+          <a:noAutofit/>
+        </a:bodyPr>
+        <a:lstStyle/>
+        <a:p>
+          <a:pPr marL="0" lvl="0" indent="0" algn="ctr" defTabSz="488950">
+            <a:lnSpc>
+              <a:spcPct val="100000"/>
+            </a:lnSpc>
+            <a:spcBef>
+              <a:spcPct val="0"/>
+            </a:spcBef>
+            <a:spcAft>
+              <a:spcPct val="35000"/>
+            </a:spcAft>
+            <a:buNone/>
+          </a:pPr>
+          <a:r>
+            <a:rPr lang="en-US" sz="1100" b="1" i="0" kern="1200"/>
+            <a:t>Ctrl + Shift + Space</a:t>
+          </a:r>
+          <a:r>
+            <a:rPr lang="en-US" sz="1100" b="0" i="0" kern="1200"/>
+            <a:t>: Smart code completion, suggests relevant symbols.</a:t>
+          </a:r>
+          <a:endParaRPr lang="en-US" sz="1100" kern="1200"/>
+        </a:p>
+      </dsp:txBody>
+      <dsp:txXfrm>
+        <a:off x="1879770" y="1005149"/>
+        <a:ext cx="1346484" cy="538593"/>
+      </dsp:txXfrm>
+    </dsp:sp>
+    <dsp:sp modelId="{2EC70834-CD6A-4939-88B4-2C855215C790}">
+      <dsp:nvSpPr>
+        <dsp:cNvPr id="0" name=""/>
+        <dsp:cNvSpPr/>
+      </dsp:nvSpPr>
+      <dsp:spPr>
+        <a:xfrm>
+          <a:off x="3832173" y="193784"/>
+          <a:ext cx="605917" cy="605917"/>
+        </a:xfrm>
+        <a:prstGeom prst="rect">
+          <a:avLst/>
+        </a:prstGeom>
+        <a:blipFill>
+          <a:blip xmlns:r="http://schemas.openxmlformats.org/officeDocument/2006/relationships" r:embed="rId5">
+            <a:extLst>
+              <a:ext uri="{28A0092B-C50C-407E-A947-70E740481C1C}">
+                <a14:useLocalDpi xmlns:a14="http://schemas.microsoft.com/office/drawing/2010/main" val="0"/>
+              </a:ext>
+              <a:ext uri="{96DAC541-7B7A-43D3-8B79-37D633B846F1}">
+                <asvg:svgBlip xmlns:asvg="http://schemas.microsoft.com/office/drawing/2016/SVG/main" r:embed="rId6"/>
+              </a:ext>
+            </a:extLst>
+          </a:blip>
+          <a:stretch>
+            <a:fillRect/>
+          </a:stretch>
+        </a:blipFill>
+        <a:ln w="15875" cap="flat" cmpd="sng" algn="ctr">
+          <a:solidFill>
+            <a:schemeClr val="lt1">
+              <a:hueOff val="0"/>
+              <a:satOff val="0"/>
+              <a:lumOff val="0"/>
+              <a:alphaOff val="0"/>
+            </a:schemeClr>
+          </a:solidFill>
+          <a:prstDash val="solid"/>
+        </a:ln>
+        <a:effectLst/>
+      </dsp:spPr>
+      <dsp:style>
+        <a:lnRef idx="2">
+          <a:scrgbClr r="0" g="0" b="0"/>
+        </a:lnRef>
+        <a:fillRef idx="1">
+          <a:scrgbClr r="0" g="0" b="0"/>
+        </a:fillRef>
+        <a:effectRef idx="0">
+          <a:scrgbClr r="0" g="0" b="0"/>
+        </a:effectRef>
+        <a:fontRef idx="minor">
+          <a:schemeClr val="lt1"/>
+        </a:fontRef>
+      </dsp:style>
+    </dsp:sp>
+    <dsp:sp modelId="{238BE443-A6AD-49AF-80F6-0E134F945A65}">
+      <dsp:nvSpPr>
+        <dsp:cNvPr id="0" name=""/>
+        <dsp:cNvSpPr/>
+      </dsp:nvSpPr>
+      <dsp:spPr>
+        <a:xfrm>
+          <a:off x="3461889" y="1005149"/>
+          <a:ext cx="1346484" cy="538593"/>
+        </a:xfrm>
+        <a:prstGeom prst="rect">
+          <a:avLst/>
+        </a:prstGeom>
+        <a:noFill/>
+        <a:ln>
+          <a:noFill/>
+        </a:ln>
+        <a:effectLst/>
+      </dsp:spPr>
+      <dsp:style>
+        <a:lnRef idx="0">
+          <a:scrgbClr r="0" g="0" b="0"/>
+        </a:lnRef>
+        <a:fillRef idx="0">
+          <a:scrgbClr r="0" g="0" b="0"/>
+        </a:fillRef>
+        <a:effectRef idx="0">
+          <a:scrgbClr r="0" g="0" b="0"/>
+        </a:effectRef>
+        <a:fontRef idx="minor"/>
+      </dsp:style>
+      <dsp:txBody>
+        <a:bodyPr spcFirstLastPara="0" vert="horz" wrap="square" lIns="0" tIns="0" rIns="0" bIns="0" numCol="1" spcCol="1270" anchor="t" anchorCtr="0">
+          <a:noAutofit/>
+        </a:bodyPr>
+        <a:lstStyle/>
+        <a:p>
+          <a:pPr marL="0" lvl="0" indent="0" algn="ctr" defTabSz="488950">
+            <a:lnSpc>
+              <a:spcPct val="100000"/>
+            </a:lnSpc>
+            <a:spcBef>
+              <a:spcPct val="0"/>
+            </a:spcBef>
+            <a:spcAft>
+              <a:spcPct val="35000"/>
+            </a:spcAft>
+            <a:buNone/>
+          </a:pPr>
+          <a:r>
+            <a:rPr lang="en-US" sz="1100" b="1" i="0" kern="1200"/>
+            <a:t>Ctrl + Alt + L</a:t>
+          </a:r>
+          <a:r>
+            <a:rPr lang="en-US" sz="1100" b="0" i="0" kern="1200"/>
+            <a:t>: Reformat code.</a:t>
+          </a:r>
+          <a:endParaRPr lang="en-US" sz="1100" kern="1200"/>
+        </a:p>
+      </dsp:txBody>
+      <dsp:txXfrm>
+        <a:off x="3461889" y="1005149"/>
+        <a:ext cx="1346484" cy="538593"/>
+      </dsp:txXfrm>
+    </dsp:sp>
+    <dsp:sp modelId="{BD179713-E954-41B7-B412-455630201A69}">
+      <dsp:nvSpPr>
+        <dsp:cNvPr id="0" name=""/>
+        <dsp:cNvSpPr/>
+      </dsp:nvSpPr>
+      <dsp:spPr>
+        <a:xfrm>
+          <a:off x="1458994" y="1880364"/>
+          <a:ext cx="605917" cy="605917"/>
+        </a:xfrm>
+        <a:prstGeom prst="rect">
+          <a:avLst/>
+        </a:prstGeom>
+        <a:blipFill>
+          <a:blip xmlns:r="http://schemas.openxmlformats.org/officeDocument/2006/relationships" r:embed="rId7">
+            <a:extLst>
+              <a:ext uri="{28A0092B-C50C-407E-A947-70E740481C1C}">
+                <a14:useLocalDpi xmlns:a14="http://schemas.microsoft.com/office/drawing/2010/main" val="0"/>
+              </a:ext>
+              <a:ext uri="{96DAC541-7B7A-43D3-8B79-37D633B846F1}">
+                <asvg:svgBlip xmlns:asvg="http://schemas.microsoft.com/office/drawing/2016/SVG/main" r:embed="rId8"/>
+              </a:ext>
+            </a:extLst>
+          </a:blip>
+          <a:stretch>
+            <a:fillRect/>
+          </a:stretch>
+        </a:blipFill>
+        <a:ln w="15875" cap="flat" cmpd="sng" algn="ctr">
+          <a:solidFill>
+            <a:schemeClr val="lt1">
+              <a:hueOff val="0"/>
+              <a:satOff val="0"/>
+              <a:lumOff val="0"/>
+              <a:alphaOff val="0"/>
+            </a:schemeClr>
+          </a:solidFill>
+          <a:prstDash val="solid"/>
+        </a:ln>
+        <a:effectLst/>
+      </dsp:spPr>
+      <dsp:style>
+        <a:lnRef idx="2">
+          <a:scrgbClr r="0" g="0" b="0"/>
+        </a:lnRef>
+        <a:fillRef idx="1">
+          <a:scrgbClr r="0" g="0" b="0"/>
+        </a:fillRef>
+        <a:effectRef idx="0">
+          <a:scrgbClr r="0" g="0" b="0"/>
+        </a:effectRef>
+        <a:fontRef idx="minor">
+          <a:schemeClr val="lt1"/>
+        </a:fontRef>
+      </dsp:style>
+    </dsp:sp>
+    <dsp:sp modelId="{0EE07BE6-FABD-4F8B-9811-C6358E3D2D20}">
+      <dsp:nvSpPr>
+        <dsp:cNvPr id="0" name=""/>
+        <dsp:cNvSpPr/>
+      </dsp:nvSpPr>
+      <dsp:spPr>
+        <a:xfrm>
+          <a:off x="1088711" y="2691728"/>
+          <a:ext cx="1346484" cy="538593"/>
+        </a:xfrm>
+        <a:prstGeom prst="rect">
+          <a:avLst/>
+        </a:prstGeom>
+        <a:noFill/>
+        <a:ln>
+          <a:noFill/>
+        </a:ln>
+        <a:effectLst/>
+      </dsp:spPr>
+      <dsp:style>
+        <a:lnRef idx="0">
+          <a:scrgbClr r="0" g="0" b="0"/>
+        </a:lnRef>
+        <a:fillRef idx="0">
+          <a:scrgbClr r="0" g="0" b="0"/>
+        </a:fillRef>
+        <a:effectRef idx="0">
+          <a:scrgbClr r="0" g="0" b="0"/>
+        </a:effectRef>
+        <a:fontRef idx="minor"/>
+      </dsp:style>
+      <dsp:txBody>
+        <a:bodyPr spcFirstLastPara="0" vert="horz" wrap="square" lIns="0" tIns="0" rIns="0" bIns="0" numCol="1" spcCol="1270" anchor="t" anchorCtr="0">
+          <a:noAutofit/>
+        </a:bodyPr>
+        <a:lstStyle/>
+        <a:p>
+          <a:pPr marL="0" lvl="0" indent="0" algn="ctr" defTabSz="488950">
+            <a:lnSpc>
+              <a:spcPct val="100000"/>
+            </a:lnSpc>
+            <a:spcBef>
+              <a:spcPct val="0"/>
+            </a:spcBef>
+            <a:spcAft>
+              <a:spcPct val="35000"/>
+            </a:spcAft>
+            <a:buNone/>
+          </a:pPr>
+          <a:r>
+            <a:rPr lang="en-US" sz="1100" b="1" i="0" kern="1200"/>
+            <a:t>Ctrl + /</a:t>
+          </a:r>
+          <a:r>
+            <a:rPr lang="en-US" sz="1100" b="0" i="0" kern="1200"/>
+            <a:t>: Comment/uncomment with line comment.</a:t>
+          </a:r>
+          <a:endParaRPr lang="en-US" sz="1100" kern="1200"/>
+        </a:p>
+      </dsp:txBody>
+      <dsp:txXfrm>
+        <a:off x="1088711" y="2691728"/>
+        <a:ext cx="1346484" cy="538593"/>
+      </dsp:txXfrm>
+    </dsp:sp>
+    <dsp:sp modelId="{443485C1-4029-43DC-AF05-1B6D08A966E1}">
+      <dsp:nvSpPr>
+        <dsp:cNvPr id="0" name=""/>
+        <dsp:cNvSpPr/>
+      </dsp:nvSpPr>
+      <dsp:spPr>
+        <a:xfrm>
+          <a:off x="3041113" y="1880364"/>
+          <a:ext cx="605917" cy="605917"/>
+        </a:xfrm>
+        <a:prstGeom prst="rect">
+          <a:avLst/>
+        </a:prstGeom>
+        <a:blipFill>
+          <a:blip xmlns:r="http://schemas.openxmlformats.org/officeDocument/2006/relationships" r:embed="rId9">
+            <a:extLst>
+              <a:ext uri="{28A0092B-C50C-407E-A947-70E740481C1C}">
+                <a14:useLocalDpi xmlns:a14="http://schemas.microsoft.com/office/drawing/2010/main" val="0"/>
+              </a:ext>
+              <a:ext uri="{96DAC541-7B7A-43D3-8B79-37D633B846F1}">
+                <asvg:svgBlip xmlns:asvg="http://schemas.microsoft.com/office/drawing/2016/SVG/main" r:embed="rId10"/>
+              </a:ext>
+            </a:extLst>
+          </a:blip>
+          <a:stretch>
+            <a:fillRect/>
+          </a:stretch>
+        </a:blipFill>
+        <a:ln w="15875" cap="flat" cmpd="sng" algn="ctr">
+          <a:solidFill>
+            <a:schemeClr val="lt1">
+              <a:hueOff val="0"/>
+              <a:satOff val="0"/>
+              <a:lumOff val="0"/>
+              <a:alphaOff val="0"/>
+            </a:schemeClr>
+          </a:solidFill>
+          <a:prstDash val="solid"/>
+        </a:ln>
+        <a:effectLst/>
+      </dsp:spPr>
+      <dsp:style>
+        <a:lnRef idx="2">
+          <a:scrgbClr r="0" g="0" b="0"/>
+        </a:lnRef>
+        <a:fillRef idx="1">
+          <a:scrgbClr r="0" g="0" b="0"/>
+        </a:fillRef>
+        <a:effectRef idx="0">
+          <a:scrgbClr r="0" g="0" b="0"/>
+        </a:effectRef>
+        <a:fontRef idx="minor">
+          <a:schemeClr val="lt1"/>
+        </a:fontRef>
+      </dsp:style>
+    </dsp:sp>
+    <dsp:sp modelId="{315D3CB1-E0F3-417B-BA5B-CE29960434DF}">
+      <dsp:nvSpPr>
+        <dsp:cNvPr id="0" name=""/>
+        <dsp:cNvSpPr/>
+      </dsp:nvSpPr>
+      <dsp:spPr>
+        <a:xfrm>
+          <a:off x="2670830" y="2691728"/>
+          <a:ext cx="1346484" cy="538593"/>
+        </a:xfrm>
+        <a:prstGeom prst="rect">
+          <a:avLst/>
+        </a:prstGeom>
+        <a:noFill/>
+        <a:ln>
+          <a:noFill/>
+        </a:ln>
+        <a:effectLst/>
+      </dsp:spPr>
+      <dsp:style>
+        <a:lnRef idx="0">
+          <a:scrgbClr r="0" g="0" b="0"/>
+        </a:lnRef>
+        <a:fillRef idx="0">
+          <a:scrgbClr r="0" g="0" b="0"/>
+        </a:fillRef>
+        <a:effectRef idx="0">
+          <a:scrgbClr r="0" g="0" b="0"/>
+        </a:effectRef>
+        <a:fontRef idx="minor"/>
+      </dsp:style>
+      <dsp:txBody>
+        <a:bodyPr spcFirstLastPara="0" vert="horz" wrap="square" lIns="0" tIns="0" rIns="0" bIns="0" numCol="1" spcCol="1270" anchor="t" anchorCtr="0">
+          <a:noAutofit/>
+        </a:bodyPr>
+        <a:lstStyle/>
+        <a:p>
+          <a:pPr marL="0" lvl="0" indent="0" algn="ctr" defTabSz="488950">
+            <a:lnSpc>
+              <a:spcPct val="100000"/>
+            </a:lnSpc>
+            <a:spcBef>
+              <a:spcPct val="0"/>
+            </a:spcBef>
+            <a:spcAft>
+              <a:spcPct val="35000"/>
+            </a:spcAft>
+            <a:buNone/>
+          </a:pPr>
+          <a:r>
+            <a:rPr lang="en-US" sz="1100" b="1" i="0" kern="1200"/>
+            <a:t>Ctrl + Shift + /</a:t>
+          </a:r>
+          <a:r>
+            <a:rPr lang="en-US" sz="1100" b="0" i="0" kern="1200"/>
+            <a:t>: Comment/uncomment with block comment.</a:t>
+          </a:r>
+          <a:endParaRPr lang="en-US" sz="1100" kern="1200"/>
+        </a:p>
+      </dsp:txBody>
+      <dsp:txXfrm>
+        <a:off x="2670830" y="2691728"/>
+        <a:ext cx="1346484" cy="538593"/>
+      </dsp:txXfrm>
+    </dsp:sp>
+  </dsp:spTree>
+</dsp:drawing>
+</file>
+
+<file path=ppt/diagrams/layout1.xml><?xml version="1.0" encoding="utf-8"?>
+<dgm:layoutDef xmlns:dgm="http://schemas.openxmlformats.org/drawingml/2006/diagram" xmlns:a="http://schemas.openxmlformats.org/drawingml/2006/main" uniqueId="urn:microsoft.com/office/officeart/2018/2/layout/IconLabelList">
+  <dgm:title val="Icon Label List"/>
+  <dgm:desc val="Use to show non-sequential or grouped chunks of information accompanied by a related visuals. Works best with icons or small pictures with short text captions."/>
+  <dgm:catLst>
+    <dgm:cat type="icon" pri="500"/>
+  </dgm:catLst>
+  <dgm:sampData useDef="1">
+    <dgm:dataModel>
+      <dgm:ptLst/>
+      <dgm:bg/>
+      <dgm:whole/>
+    </dgm:dataModel>
+  </dgm:sampData>
+  <dgm:styleData useDef="1">
+    <dgm:dataModel>
+      <dgm:ptLst/>
+      <dgm:bg/>
+      <dgm:whole/>
+    </dgm:dataModel>
+  </dgm:styleData>
+  <dgm:clrData useDef="1">
+    <dgm:dataModel>
+      <dgm:ptLst/>
+      <dgm:bg/>
+      <dgm:whole/>
+    </dgm:dataModel>
+  </dgm:clrData>
+  <dgm:layoutNode name="root">
+    <dgm:varLst>
+      <dgm:dir/>
+      <dgm:resizeHandles val="exact"/>
+    </dgm:varLst>
+    <dgm:choose name="Name0">
+      <dgm:if name="Name1" axis="self" func="var" arg="dir" op="equ" val="norm">
+        <dgm:alg type="snake">
+          <dgm:param type="grDir" val="tL"/>
+          <dgm:param type="flowDir" val="row"/>
+          <dgm:param type="contDir" val="sameDir"/>
+          <dgm:param type="off" val="ctr"/>
+          <dgm:param type="vertAlign" val="mid"/>
+          <dgm:param type="horzAlign" val="ctr"/>
+        </dgm:alg>
+      </dgm:if>
+      <dgm:else name="Name2">
+        <dgm:alg type="snake">
+          <dgm:param type="grDir" val="tR"/>
+          <dgm:param type="flowDir" val="row"/>
+          <dgm:param type="contDir" val="sameDir"/>
+          <dgm:param type="off" val="ctr"/>
+          <dgm:param type="vertAlign" val="mid"/>
+          <dgm:param type="horzAlign" val="ctr"/>
+        </dgm:alg>
+      </dgm:else>
+    </dgm:choose>
+    <dgm:shape xmlns:r="http://schemas.openxmlformats.org/officeDocument/2006/relationships" r:blip="">
+      <dgm:adjLst/>
+    </dgm:shape>
+    <dgm:presOf/>
+    <dgm:choose name="Name3">
+      <dgm:if name="Name4" axis="ch" ptType="node" func="cnt" op="lte" val="2">
+        <dgm:constrLst>
+          <dgm:constr type="h" for="ch" forName="compNode" refType="h" fact="0.4"/>
+          <dgm:constr type="w" for="ch" forName="compNode" val="120"/>
+          <dgm:constr type="w" for="ch" forName="sibTrans" refType="w" refFor="ch" refForName="compNode" fact="0.175"/>
+          <dgm:constr type="sp" refType="w" refFor="ch" refForName="compNode" op="equ" fact="0.25"/>
+          <dgm:constr type="primFontSz" for="des" ptType="node" op="equ" val="50"/>
+          <dgm:constr type="h" for="des" forName="compNode" op="equ"/>
+          <dgm:constr type="h" for="des" forName="textRect" op="equ"/>
+        </dgm:constrLst>
+      </dgm:if>
+      <dgm:if name="Name5" axis="ch" ptType="node" func="cnt" op="lte" val="4">
+        <dgm:constrLst>
+          <dgm:constr type="h" for="ch" forName="compNode" refType="h" fact="0.4"/>
+          <dgm:constr type="w" for="ch" forName="compNode" refType="w"/>
+          <dgm:constr type="w" for="ch" forName="sibTrans" refType="w" refFor="ch" refForName="compNode" fact="0.175"/>
+          <dgm:constr type="sp" refType="w" refFor="ch" refForName="compNode" op="equ" fact="0.25"/>
+          <dgm:constr type="primFontSz" for="des" ptType="node" op="equ" val="36"/>
+          <dgm:constr type="h" for="des" forName="compNode" op="equ"/>
+          <dgm:constr type="h" for="des" forName="textRect" op="equ"/>
+        </dgm:constrLst>
+      </dgm:if>
+      <dgm:else name="Name6">
+        <dgm:constrLst>
+          <dgm:constr type="h" for="ch" forName="compNode" refType="h" fact="0.4"/>
+          <dgm:constr type="w" for="ch" forName="compNode" refType="w"/>
+          <dgm:constr type="w" for="ch" forName="sibTrans" refType="w" refFor="ch" refForName="compNode" fact="0.175"/>
+          <dgm:constr type="sp" refType="w" refFor="ch" refForName="compNode" op="equ" fact="0.25"/>
+          <dgm:constr type="primFontSz" for="des" ptType="node" op="equ" val="24"/>
+          <dgm:constr type="h" for="des" forName="compNode" op="equ"/>
+          <dgm:constr type="h" for="des" forName="textRect" op="equ"/>
+        </dgm:constrLst>
+      </dgm:else>
+    </dgm:choose>
+    <dgm:ruleLst>
+      <dgm:rule type="w" for="ch" forName="compNode" val="50" fact="NaN" max="NaN"/>
+    </dgm:ruleLst>
+    <dgm:forEach name="Name7" axis="ch" ptType="node">
+      <dgm:layoutNode name="compNode">
+        <dgm:alg type="composite"/>
+        <dgm:shape xmlns:r="http://schemas.openxmlformats.org/officeDocument/2006/relationships" r:blip="">
+          <dgm:adjLst/>
+        </dgm:shape>
+        <dgm:presOf axis="self"/>
+        <dgm:constrLst>
+          <dgm:constr type="w" for="ch" forName="iconRect" refType="w" fact="0.45"/>
+          <dgm:constr type="h" for="ch" forName="iconRect" refType="w" refFor="ch" refForName="iconRect"/>
+          <dgm:constr type="ctrX" for="ch" forName="iconRect" refType="w" fact="0.5"/>
+          <dgm:constr type="t" for="ch" forName="iconRect"/>
+          <dgm:constr type="h" for="ch" forName="spaceRect" refType="h" fact="0.15"/>
+          <dgm:constr type="w" for="ch" forName="spaceRect" refType="w"/>
+          <dgm:constr type="l" for="ch" forName="spaceRect"/>
+          <dgm:constr type="t" for="ch" forName="spaceRect" refType="b" refFor="ch" refForName="iconRect"/>
+          <dgm:constr type="h" for="ch" forName="textRect" val="20"/>
+          <dgm:constr type="w" for="ch" forName="textRect" refType="w"/>
+          <dgm:constr type="l" for="ch" forName="textRect"/>
+          <dgm:constr type="t" for="ch" forName="textRect" refType="b" refFor="ch" refForName="spaceRect"/>
+        </dgm:constrLst>
+        <dgm:ruleLst>
+          <dgm:rule type="h" val="INF" fact="NaN" max="NaN"/>
+        </dgm:ruleLst>
+        <dgm:layoutNode name="iconRect" styleLbl="node1">
+          <dgm:alg type="sp"/>
+          <dgm:shape xmlns:r="http://schemas.openxmlformats.org/officeDocument/2006/relationships" type="rect" r:blip="" blipPhldr="1">
+            <dgm:adjLst/>
+          </dgm:shape>
+          <dgm:presOf/>
+          <dgm:constrLst/>
+          <dgm:ruleLst/>
+        </dgm:layoutNode>
+        <dgm:layoutNode name="spaceRect">
+          <dgm:alg type="sp"/>
+          <dgm:shape xmlns:r="http://schemas.openxmlformats.org/officeDocument/2006/relationships" r:blip="">
+            <dgm:adjLst/>
+          </dgm:shape>
+          <dgm:presOf/>
+          <dgm:constrLst/>
+          <dgm:ruleLst/>
+        </dgm:layoutNode>
+        <dgm:layoutNode name="textRect" styleLbl="revTx">
+          <dgm:varLst>
+            <dgm:chMax val="1"/>
+            <dgm:chPref val="1"/>
+          </dgm:varLst>
+          <dgm:alg type="tx">
+            <dgm:param type="txAnchorVert" val="t"/>
+          </dgm:alg>
+          <dgm:shape xmlns:r="http://schemas.openxmlformats.org/officeDocument/2006/relationships" type="rect" r:blip="">
+            <dgm:adjLst/>
+          </dgm:shape>
+          <dgm:presOf axis="self" ptType="node"/>
+          <dgm:constrLst>
+            <dgm:constr type="lMarg"/>
+            <dgm:constr type="rMarg"/>
+            <dgm:constr type="tMarg"/>
+            <dgm:constr type="bMarg"/>
+          </dgm:constrLst>
+          <dgm:ruleLst>
+            <dgm:rule type="primFontSz" val="11" fact="NaN" max="NaN"/>
+            <dgm:rule type="h" val="INF" fact="NaN" max="NaN"/>
+          </dgm:ruleLst>
+        </dgm:layoutNode>
+      </dgm:layoutNode>
+      <dgm:forEach name="Name8" axis="followSib" ptType="sibTrans" cnt="1">
+        <dgm:layoutNode name="sibTrans">
+          <dgm:alg type="sp"/>
+          <dgm:shape xmlns:r="http://schemas.openxmlformats.org/officeDocument/2006/relationships" r:blip="">
+            <dgm:adjLst/>
+          </dgm:shape>
+          <dgm:presOf axis="self"/>
+          <dgm:constrLst/>
+          <dgm:ruleLst/>
+        </dgm:layoutNode>
+      </dgm:forEach>
+    </dgm:forEach>
+  </dgm:layoutNode>
+  <dgm:extLst>
+    <a:ext uri="{68A01E43-0DF5-4B5B-8FA6-DAF915123BFB}">
+      <dgm1612:lstStyle xmlns:dgm1612="http://schemas.microsoft.com/office/drawing/2016/12/diagram">
+        <a:lvl1pPr>
+          <a:lnSpc>
+            <a:spcPct val="100000"/>
+          </a:lnSpc>
+        </a:lvl1pPr>
+      </dgm1612:lstStyle>
+    </a:ext>
+  </dgm:extLst>
+</dgm:layoutDef>
+</file>
+
+<file path=ppt/diagrams/quickStyle1.xml><?xml version="1.0" encoding="utf-8"?>
+<dgm:styleDef xmlns:dgm="http://schemas.openxmlformats.org/drawingml/2006/diagram" xmlns:a="http://schemas.openxmlformats.org/drawingml/2006/main" uniqueId="urn:microsoft.com/office/officeart/2005/8/quickstyle/simple1">
+  <dgm:title val=""/>
+  <dgm:desc val=""/>
+  <dgm:catLst>
+    <dgm:cat type="simple" pri="10100"/>
+  </dgm:catLst>
+  <dgm:scene3d>
+    <a:camera prst="orthographicFront"/>
+    <a:lightRig rig="threePt" dir="t"/>
+  </dgm:scene3d>
+  <dgm:styleLbl name="node0">
+    <dgm:scene3d>
+      <a:camera prst="orthographicFront"/>
+      <a:lightRig rig="threePt" dir="t"/>
+    </dgm:scene3d>
+    <dgm:sp3d/>
+    <dgm:txPr/>
+    <dgm:style>
+      <a:lnRef idx="2">
+        <a:scrgbClr r="0" g="0" b="0"/>
+      </a:lnRef>
+      <a:fillRef idx="1">
+        <a:scrgbClr r="0" g="0" b="0"/>
+      </a:fillRef>
+      <a:effectRef idx="0">
+        <a:scrgbClr r="0" g="0" b="0"/>
+      </a:effectRef>
+      <a:fontRef idx="minor">
+        <a:schemeClr val="lt1"/>
+      </a:fontRef>
+    </dgm:style>
+  </dgm:styleLbl>
+  <dgm:styleLbl name="lnNode1">
+    <dgm:scene3d>
+      <a:camera prst="orthographicFront"/>
+      <a:lightRig rig="threePt" dir="t"/>
+    </dgm:scene3d>
+    <dgm:sp3d/>
+    <dgm:txPr/>
+    <dgm:style>
+      <a:lnRef idx="2">
+        <a:scrgbClr r="0" g="0" b="0"/>
+      </a:lnRef>
+      <a:fillRef idx="1">
+        <a:scrgbClr r="0" g="0" b="0"/>
+      </a:fillRef>
+      <a:effectRef idx="0">
+        <a:scrgbClr r="0" g="0" b="0"/>
+      </a:effectRef>
+      <a:fontRef idx="minor">
+        <a:schemeClr val="lt1"/>
+      </a:fontRef>
+    </dgm:style>
+  </dgm:styleLbl>
+  <dgm:styleLbl name="vennNode1">
+    <dgm:scene3d>
+      <a:camera prst="orthographicFront"/>
+      <a:lightRig rig="threePt" dir="t"/>
+    </dgm:scene3d>
+    <dgm:sp3d/>
+    <dgm:txPr/>
+    <dgm:style>
+      <a:lnRef idx="2">
+        <a:scrgbClr r="0" g="0" b="0"/>
+      </a:lnRef>
+      <a:fillRef idx="1">
+        <a:scrgbClr r="0" g="0" b="0"/>
+      </a:fillRef>
+      <a:effectRef idx="0">
+        <a:scrgbClr r="0" g="0" b="0"/>
+      </a:effectRef>
+      <a:fontRef idx="minor">
+        <a:schemeClr val="tx1"/>
+      </a:fontRef>
+    </dgm:style>
+  </dgm:styleLbl>
+  <dgm:styleLbl name="alignNode1">
+    <dgm:scene3d>
+      <a:camera prst="orthographicFront"/>
+      <a:lightRig rig="threePt" dir="t"/>
+    </dgm:scene3d>
+    <dgm:sp3d/>
+    <dgm:txPr/>
+    <dgm:style>
+      <a:lnRef idx="2">
+        <a:scrgbClr r="0" g="0" b="0"/>
+      </a:lnRef>
+      <a:fillRef idx="1">
+        <a:scrgbClr r="0" g="0" b="0"/>
+      </a:fillRef>
+      <a:effectRef idx="0">
+        <a:scrgbClr r="0" g="0" b="0"/>
+      </a:effectRef>
+      <a:fontRef idx="minor">
+        <a:schemeClr val="lt1"/>
+      </a:fontRef>
+    </dgm:style>
+  </dgm:styleLbl>
+  <dgm:styleLbl name="node1">
+    <dgm:scene3d>
+      <a:camera prst="orthographicFront"/>
+      <a:lightRig rig="threePt" dir="t"/>
+    </dgm:scene3d>
+    <dgm:sp3d/>
+    <dgm:txPr/>
+    <dgm:style>
+      <a:lnRef idx="2">
+        <a:scrgbClr r="0" g="0" b="0"/>
+      </a:lnRef>
+      <a:fillRef idx="1">
+        <a:scrgbClr r="0" g="0" b="0"/>
+      </a:fillRef>
+      <a:effectRef idx="0">
+        <a:scrgbClr r="0" g="0" b="0"/>
+      </a:effectRef>
+      <a:fontRef idx="minor">
+        <a:schemeClr val="lt1"/>
+      </a:fontRef>
+    </dgm:style>
+  </dgm:styleLbl>
+  <dgm:styleLbl name="node2">
+    <dgm:scene3d>
+      <a:camera prst="orthographicFront"/>
+      <a:lightRig rig="threePt" dir="t"/>
+    </dgm:scene3d>
+    <dgm:sp3d/>
+    <dgm:txPr/>
+    <dgm:style>
+      <a:lnRef idx="2">
+        <a:scrgbClr r="0" g="0" b="0"/>
+      </a:lnRef>
+      <a:fillRef idx="1">
+        <a:scrgbClr r="0" g="0" b="0"/>
+      </a:fillRef>
+      <a:effectRef idx="0">
+        <a:scrgbClr r="0" g="0" b="0"/>
+      </a:effectRef>
+      <a:fontRef idx="minor">
+        <a:schemeClr val="lt1"/>
+      </a:fontRef>
+    </dgm:style>
+  </dgm:styleLbl>
+  <dgm:styleLbl name="node3">
+    <dgm:scene3d>
+      <a:camera prst="orthographicFront"/>
+      <a:lightRig rig="threePt" dir="t"/>
+    </dgm:scene3d>
+    <dgm:sp3d/>
+    <dgm:txPr/>
+    <dgm:style>
+      <a:lnRef idx="2">
+        <a:scrgbClr r="0" g="0" b="0"/>
+      </a:lnRef>
+      <a:fillRef idx="1">
+        <a:scrgbClr r="0" g="0" b="0"/>
+      </a:fillRef>
+      <a:effectRef idx="0">
+        <a:scrgbClr r="0" g="0" b="0"/>
+      </a:effectRef>
+      <a:fontRef idx="minor">
+        <a:schemeClr val="lt1"/>
+      </a:fontRef>
+    </dgm:style>
+  </dgm:styleLbl>
+  <dgm:styleLbl name="node4">
+    <dgm:scene3d>
+      <a:camera prst="orthographicFront"/>
+      <a:lightRig rig="threePt" dir="t"/>
+    </dgm:scene3d>
+    <dgm:sp3d/>
+    <dgm:txPr/>
+    <dgm:style>
+      <a:lnRef idx="2">
+        <a:scrgbClr r="0" g="0" b="0"/>
+      </a:lnRef>
+      <a:fillRef idx="1">
+        <a:scrgbClr r="0" g="0" b="0"/>
+      </a:fillRef>
+      <a:effectRef idx="0">
+        <a:scrgbClr r="0" g="0" b="0"/>
+      </a:effectRef>
+      <a:fontRef idx="minor">
+        <a:schemeClr val="lt1"/>
+      </a:fontRef>
+    </dgm:style>
+  </dgm:styleLbl>
+  <dgm:styleLbl name="fgImgPlace1">
+    <dgm:scene3d>
+      <a:camera prst="orthographicFront"/>
+      <a:lightRig rig="threePt" dir="t"/>
+    </dgm:scene3d>
+    <dgm:sp3d/>
+    <dgm:txPr/>
+    <dgm:style>
+      <a:lnRef idx="2">
+        <a:scrgbClr r="0" g="0" b="0"/>
+      </a:lnRef>
+      <a:fillRef idx="1">
+        <a:scrgbClr r="0" g="0" b="0"/>
+      </a:fillRef>
+      <a:effectRef idx="0">
+        <a:scrgbClr r="0" g="0" b="0"/>
+      </a:effectRef>
+      <a:fontRef idx="minor"/>
+    </dgm:style>
+  </dgm:styleLbl>
+  <dgm:styleLbl name="alignImgPlace1">
+    <dgm:scene3d>
+      <a:camera prst="orthographicFront"/>
+      <a:lightRig rig="threePt" dir="t"/>
+    </dgm:scene3d>
+    <dgm:sp3d/>
+    <dgm:txPr/>
+    <dgm:style>
+      <a:lnRef idx="2">
+        <a:scrgbClr r="0" g="0" b="0"/>
+      </a:lnRef>
+      <a:fillRef idx="1">
+        <a:scrgbClr r="0" g="0" b="0"/>
+      </a:fillRef>
+      <a:effectRef idx="0">
+        <a:scrgbClr r="0" g="0" b="0"/>
+      </a:effectRef>
+      <a:fontRef idx="minor"/>
+    </dgm:style>
+  </dgm:styleLbl>
+  <dgm:styleLbl name="bgImgPlace1">
+    <dgm:scene3d>
+      <a:camera prst="orthographicFront"/>
+      <a:lightRig rig="threePt" dir="t"/>
+    </dgm:scene3d>
+    <dgm:sp3d/>
+    <dgm:txPr/>
+    <dgm:style>
+      <a:lnRef idx="2">
+        <a:scrgbClr r="0" g="0" b="0"/>
+      </a:lnRef>
+      <a:fillRef idx="1">
+        <a:scrgbClr r="0" g="0" b="0"/>
+      </a:fillRef>
+      <a:effectRef idx="0">
+        <a:scrgbClr r="0" g="0" b="0"/>
+      </a:effectRef>
+      <a:fontRef idx="minor"/>
+    </dgm:style>
+  </dgm:styleLbl>
+  <dgm:styleLbl name="sibTrans2D1">
+    <dgm:scene3d>
+      <a:camera prst="orthographicFront"/>
+      <a:lightRig rig="threePt" dir="t"/>
+    </dgm:scene3d>
+    <dgm:sp3d/>
+    <dgm:txPr/>
+    <dgm:style>
+      <a:lnRef idx="0">
+        <a:scrgbClr r="0" g="0" b="0"/>
+      </a:lnRef>
+      <a:fillRef idx="1">
+        <a:scrgbClr r="0" g="0" b="0"/>
+      </a:fillRef>
+      <a:effectRef idx="0">
+        <a:scrgbClr r="0" g="0" b="0"/>
+      </a:effectRef>
+      <a:fontRef idx="minor">
+        <a:schemeClr val="lt1"/>
+      </a:fontRef>
+    </dgm:style>
+  </dgm:styleLbl>
+  <dgm:styleLbl name="fgSibTrans2D1">
+    <dgm:scene3d>
+      <a:camera prst="orthographicFront"/>
+      <a:lightRig rig="threePt" dir="t"/>
+    </dgm:scene3d>
+    <dgm:sp3d/>
+    <dgm:txPr/>
+    <dgm:style>
+      <a:lnRef idx="0">
+        <a:scrgbClr r="0" g="0" b="0"/>
+      </a:lnRef>
+      <a:fillRef idx="1">
+        <a:scrgbClr r="0" g="0" b="0"/>
+      </a:fillRef>
+      <a:effectRef idx="0">
+        <a:scrgbClr r="0" g="0" b="0"/>
+      </a:effectRef>
+      <a:fontRef idx="minor">
+        <a:schemeClr val="lt1"/>
+      </a:fontRef>
+    </dgm:style>
+  </dgm:styleLbl>
+  <dgm:styleLbl name="bgSibTrans2D1">
+    <dgm:scene3d>
+      <a:camera prst="orthographicFront"/>
+      <a:lightRig rig="threePt" dir="t"/>
+    </dgm:scene3d>
+    <dgm:sp3d/>
+    <dgm:txPr/>
+    <dgm:style>
+      <a:lnRef idx="0">
+        <a:scrgbClr r="0" g="0" b="0"/>
+      </a:lnRef>
+      <a:fillRef idx="1">
+        <a:scrgbClr r="0" g="0" b="0"/>
+      </a:fillRef>
+      <a:effectRef idx="0">
+        <a:scrgbClr r="0" g="0" b="0"/>
+      </a:effectRef>
+      <a:fontRef idx="minor">
+        <a:schemeClr val="lt1"/>
+      </a:fontRef>
+    </dgm:style>
+  </dgm:styleLbl>
+  <dgm:styleLbl name="sibTrans1D1">
+    <dgm:scene3d>
+      <a:camera prst="orthographicFront"/>
+      <a:lightRig rig="threePt" dir="t"/>
+    </dgm:scene3d>
+    <dgm:sp3d/>
+    <dgm:txPr/>
+    <dgm:style>
+      <a:lnRef idx="1">
+        <a:scrgbClr r="0" g="0" b="0"/>
+      </a:lnRef>
+      <a:fillRef idx="0">
+        <a:scrgbClr r="0" g="0" b="0"/>
+      </a:fillRef>
+      <a:effectRef idx="0">
+        <a:scrgbClr r="0" g="0" b="0"/>
+      </a:effectRef>
+      <a:fontRef idx="minor"/>
+    </dgm:style>
+  </dgm:styleLbl>
+  <dgm:styleLbl name="callout">
+    <dgm:scene3d>
+      <a:camera prst="orthographicFront"/>
+      <a:lightRig rig="threePt" dir="t"/>
+    </dgm:scene3d>
+    <dgm:sp3d/>
+    <dgm:txPr/>
+    <dgm:style>
+      <a:lnRef idx="2">
+        <a:scrgbClr r="0" g="0" b="0"/>
+      </a:lnRef>
+      <a:fillRef idx="1">
+        <a:scrgbClr r="0" g="0" b="0"/>
+      </a:fillRef>
+      <a:effectRef idx="0">
+        <a:scrgbClr r="0" g="0" b="0"/>
+      </a:effectRef>
+      <a:fontRef idx="minor"/>
+    </dgm:style>
+  </dgm:styleLbl>
+  <dgm:styleLbl name="asst0">
+    <dgm:scene3d>
+      <a:camera prst="orthographicFront"/>
+      <a:lightRig rig="threePt" dir="t"/>
+    </dgm:scene3d>
+    <dgm:sp3d/>
+    <dgm:txPr/>
+    <dgm:style>
+      <a:lnRef idx="2">
+        <a:scrgbClr r="0" g="0" b="0"/>
+      </a:lnRef>
+      <a:fillRef idx="1">
+        <a:scrgbClr r="0" g="0" b="0"/>
+      </a:fillRef>
+      <a:effectRef idx="0">
+        <a:scrgbClr r="0" g="0" b="0"/>
+      </a:effectRef>
+      <a:fontRef idx="minor">
+        <a:schemeClr val="lt1"/>
+      </a:fontRef>
+    </dgm:style>
+  </dgm:styleLbl>
+  <dgm:styleLbl name="asst1">
+    <dgm:scene3d>
+      <a:camera prst="orthographicFront"/>
+      <a:lightRig rig="threePt" dir="t"/>
+    </dgm:scene3d>
+    <dgm:sp3d/>
+    <dgm:txPr/>
+    <dgm:style>
+      <a:lnRef idx="2">
+        <a:scrgbClr r="0" g="0" b="0"/>
+      </a:lnRef>
+      <a:fillRef idx="1">
+        <a:scrgbClr r="0" g="0" b="0"/>
+      </a:fillRef>
+      <a:effectRef idx="0">
+        <a:scrgbClr r="0" g="0" b="0"/>
+      </a:effectRef>
+      <a:fontRef idx="minor">
+        <a:schemeClr val="lt1"/>
+      </a:fontRef>
+    </dgm:style>
+  </dgm:styleLbl>
+  <dgm:styleLbl name="asst2">
+    <dgm:scene3d>
+      <a:camera prst="orthographicFront"/>
+      <a:lightRig rig="threePt" dir="t"/>
+    </dgm:scene3d>
+    <dgm:sp3d/>
+    <dgm:txPr/>
+    <dgm:style>
+      <a:lnRef idx="2">
+        <a:scrgbClr r="0" g="0" b="0"/>
+      </a:lnRef>
+      <a:fillRef idx="1">
+        <a:scrgbClr r="0" g="0" b="0"/>
+      </a:fillRef>
+      <a:effectRef idx="0">
+        <a:scrgbClr r="0" g="0" b="0"/>
+      </a:effectRef>
+      <a:fontRef idx="minor">
+        <a:schemeClr val="lt1"/>
+      </a:fontRef>
+    </dgm:style>
+  </dgm:styleLbl>
+  <dgm:styleLbl name="asst3">
+    <dgm:scene3d>
+      <a:camera prst="orthographicFront"/>
+      <a:lightRig rig="threePt" dir="t"/>
+    </dgm:scene3d>
+    <dgm:sp3d/>
+    <dgm:txPr/>
+    <dgm:style>
+      <a:lnRef idx="2">
+        <a:scrgbClr r="0" g="0" b="0"/>
+      </a:lnRef>
+      <a:fillRef idx="1">
+        <a:scrgbClr r="0" g="0" b="0"/>
+      </a:fillRef>
+      <a:effectRef idx="0">
+        <a:scrgbClr r="0" g="0" b="0"/>
+      </a:effectRef>
+      <a:fontRef idx="minor">
+        <a:schemeClr val="lt1"/>
+      </a:fontRef>
+    </dgm:style>
+  </dgm:styleLbl>
+  <dgm:styleLbl name="asst4">
+    <dgm:scene3d>
+      <a:camera prst="orthographicFront"/>
+      <a:lightRig rig="threePt" dir="t"/>
+    </dgm:scene3d>
+    <dgm:sp3d/>
+    <dgm:txPr/>
+    <dgm:style>
+      <a:lnRef idx="2">
+        <a:scrgbClr r="0" g="0" b="0"/>
+      </a:lnRef>
+      <a:fillRef idx="1">
+        <a:scrgbClr r="0" g="0" b="0"/>
+      </a:fillRef>
+      <a:effectRef idx="0">
+        <a:scrgbClr r="0" g="0" b="0"/>
+      </a:effectRef>
+      <a:fontRef idx="minor">
+        <a:schemeClr val="lt1"/>
+      </a:fontRef>
+    </dgm:style>
+  </dgm:styleLbl>
+  <dgm:styleLbl name="parChTrans2D1">
+    <dgm:scene3d>
+      <a:camera prst="orthographicFront"/>
+      <a:lightRig rig="threePt" dir="t"/>
+    </dgm:scene3d>
+    <dgm:sp3d/>
+    <dgm:txPr/>
+    <dgm:style>
+      <a:lnRef idx="2">
+        <a:scrgbClr r="0" g="0" b="0"/>
+      </a:lnRef>
+      <a:fillRef idx="1">
+        <a:scrgbClr r="0" g="0" b="0"/>
+      </a:fillRef>
+      <a:effectRef idx="0">
+        <a:scrgbClr r="0" g="0" b="0"/>
+      </a:effectRef>
+      <a:fontRef idx="minor">
+        <a:schemeClr val="lt1"/>
+      </a:fontRef>
+    </dgm:style>
+  </dgm:styleLbl>
+  <dgm:styleLbl name="parChTrans2D2">
+    <dgm:scene3d>
+      <a:camera prst="orthographicFront"/>
+      <a:lightRig rig="threePt" dir="t"/>
+    </dgm:scene3d>
+    <dgm:sp3d/>
+    <dgm:txPr/>
+    <dgm:style>
+      <a:lnRef idx="2">
+        <a:scrgbClr r="0" g="0" b="0"/>
+      </a:lnRef>
+      <a:fillRef idx="1">
+        <a:scrgbClr r="0" g="0" b="0"/>
+      </a:fillRef>
+      <a:effectRef idx="0">
+        <a:scrgbClr r="0" g="0" b="0"/>
+      </a:effectRef>
+      <a:fontRef idx="minor">
+        <a:schemeClr val="lt1"/>
+      </a:fontRef>
+    </dgm:style>
+  </dgm:styleLbl>
+  <dgm:styleLbl name="parChTrans2D3">
+    <dgm:scene3d>
+      <a:camera prst="orthographicFront"/>
+      <a:lightRig rig="threePt" dir="t"/>
+    </dgm:scene3d>
+    <dgm:sp3d/>
+    <dgm:txPr/>
+    <dgm:style>
+      <a:lnRef idx="2">
+        <a:scrgbClr r="0" g="0" b="0"/>
+      </a:lnRef>
+      <a:fillRef idx="1">
+        <a:scrgbClr r="0" g="0" b="0"/>
+      </a:fillRef>
+      <a:effectRef idx="0">
+        <a:scrgbClr r="0" g="0" b="0"/>
+      </a:effectRef>
+      <a:fontRef idx="minor">
+        <a:schemeClr val="lt1"/>
+      </a:fontRef>
+    </dgm:style>
+  </dgm:styleLbl>
+  <dgm:styleLbl name="parChTrans2D4">
+    <dgm:scene3d>
+      <a:camera prst="orthographicFront"/>
+      <a:lightRig rig="threePt" dir="t"/>
+    </dgm:scene3d>
+    <dgm:sp3d/>
+    <dgm:txPr/>
+    <dgm:style>
+      <a:lnRef idx="2">
+        <a:scrgbClr r="0" g="0" b="0"/>
+      </a:lnRef>
+      <a:fillRef idx="1">
+        <a:scrgbClr r="0" g="0" b="0"/>
+      </a:fillRef>
+      <a:effectRef idx="0">
+        <a:scrgbClr r="0" g="0" b="0"/>
+      </a:effectRef>
+      <a:fontRef idx="minor">
+        <a:schemeClr val="lt1"/>
+      </a:fontRef>
+    </dgm:style>
+  </dgm:styleLbl>
+  <dgm:styleLbl name="parChTrans1D1">
+    <dgm:scene3d>
+      <a:camera prst="orthographicFront"/>
+      <a:lightRig rig="threePt" dir="t"/>
+    </dgm:scene3d>
+    <dgm:sp3d/>
+    <dgm:txPr/>
+    <dgm:style>
+      <a:lnRef idx="2">
+        <a:scrgbClr r="0" g="0" b="0"/>
+      </a:lnRef>
+      <a:fillRef idx="0">
+        <a:scrgbClr r="0" g="0" b="0"/>
+      </a:fillRef>
+      <a:effectRef idx="0">
+        <a:scrgbClr r="0" g="0" b="0"/>
+      </a:effectRef>
+      <a:fontRef idx="minor"/>
+    </dgm:style>
+  </dgm:styleLbl>
+  <dgm:styleLbl name="parChTrans1D2">
+    <dgm:scene3d>
+      <a:camera prst="orthographicFront"/>
+      <a:lightRig rig="threePt" dir="t"/>
+    </dgm:scene3d>
+    <dgm:sp3d/>
+    <dgm:txPr/>
+    <dgm:style>
+      <a:lnRef idx="2">
+        <a:scrgbClr r="0" g="0" b="0"/>
+      </a:lnRef>
+      <a:fillRef idx="0">
+        <a:scrgbClr r="0" g="0" b="0"/>
+      </a:fillRef>
+      <a:effectRef idx="0">
+        <a:scrgbClr r="0" g="0" b="0"/>
+      </a:effectRef>
+      <a:fontRef idx="minor"/>
+    </dgm:style>
+  </dgm:styleLbl>
+  <dgm:styleLbl name="parChTrans1D3">
+    <dgm:scene3d>
+      <a:camera prst="orthographicFront"/>
+      <a:lightRig rig="threePt" dir="t"/>
+    </dgm:scene3d>
+    <dgm:sp3d/>
+    <dgm:txPr/>
+    <dgm:style>
+      <a:lnRef idx="2">
+        <a:scrgbClr r="0" g="0" b="0"/>
+      </a:lnRef>
+      <a:fillRef idx="0">
+        <a:scrgbClr r="0" g="0" b="0"/>
+      </a:fillRef>
+      <a:effectRef idx="0">
+        <a:scrgbClr r="0" g="0" b="0"/>
+      </a:effectRef>
+      <a:fontRef idx="minor"/>
+    </dgm:style>
+  </dgm:styleLbl>
+  <dgm:styleLbl name="parChTrans1D4">
+    <dgm:scene3d>
+      <a:camera prst="orthographicFront"/>
+      <a:lightRig rig="threePt" dir="t"/>
+    </dgm:scene3d>
+    <dgm:sp3d/>
+    <dgm:txPr/>
+    <dgm:style>
+      <a:lnRef idx="2">
+        <a:scrgbClr r="0" g="0" b="0"/>
+      </a:lnRef>
+      <a:fillRef idx="0">
+        <a:scrgbClr r="0" g="0" b="0"/>
+      </a:fillRef>
+      <a:effectRef idx="0">
+        <a:scrgbClr r="0" g="0" b="0"/>
+      </a:effectRef>
+      <a:fontRef idx="minor"/>
+    </dgm:style>
+  </dgm:styleLbl>
+  <dgm:styleLbl name="fgAcc1">
+    <dgm:scene3d>
+      <a:camera prst="orthographicFront"/>
+      <a:lightRig rig="threePt" dir="t"/>
+    </dgm:scene3d>
+    <dgm:sp3d/>
+    <dgm:txPr/>
+    <dgm:style>
+      <a:lnRef idx="2">
+        <a:scrgbClr r="0" g="0" b="0"/>
+      </a:lnRef>
+      <a:fillRef idx="1">
+        <a:scrgbClr r="0" g="0" b="0"/>
+      </a:fillRef>
+      <a:effectRef idx="0">
+        <a:scrgbClr r="0" g="0" b="0"/>
+      </a:effectRef>
+      <a:fontRef idx="minor"/>
+    </dgm:style>
+  </dgm:styleLbl>
+  <dgm:styleLbl name="conFgAcc1">
+    <dgm:scene3d>
+      <a:camera prst="orthographicFront"/>
+      <a:lightRig rig="threePt" dir="t"/>
+    </dgm:scene3d>
+    <dgm:sp3d/>
+    <dgm:txPr/>
+    <dgm:style>
+      <a:lnRef idx="2">
+        <a:scrgbClr r="0" g="0" b="0"/>
+      </a:lnRef>
+      <a:fillRef idx="1">
+        <a:scrgbClr r="0" g="0" b="0"/>
+      </a:fillRef>
+      <a:effectRef idx="0">
+        <a:scrgbClr r="0" g="0" b="0"/>
+      </a:effectRef>
+      <a:fontRef idx="minor"/>
+    </dgm:style>
+  </dgm:styleLbl>
+  <dgm:styleLbl name="alignAcc1">
+    <dgm:scene3d>
+      <a:camera prst="orthographicFront"/>
+      <a:lightRig rig="threePt" dir="t"/>
+    </dgm:scene3d>
+    <dgm:sp3d/>
+    <dgm:txPr/>
+    <dgm:style>
+      <a:lnRef idx="2">
+        <a:scrgbClr r="0" g="0" b="0"/>
+      </a:lnRef>
+      <a:fillRef idx="1">
+        <a:scrgbClr r="0" g="0" b="0"/>
+      </a:fillRef>
+      <a:effectRef idx="0">
+        <a:scrgbClr r="0" g="0" b="0"/>
+      </a:effectRef>
+      <a:fontRef idx="minor"/>
+    </dgm:style>
+  </dgm:styleLbl>
+  <dgm:styleLbl name="trAlignAcc1">
+    <dgm:scene3d>
+      <a:camera prst="orthographicFront"/>
+      <a:lightRig rig="threePt" dir="t"/>
+    </dgm:scene3d>
+    <dgm:sp3d/>
+    <dgm:txPr/>
+    <dgm:style>
+      <a:lnRef idx="1">
+        <a:scrgbClr r="0" g="0" b="0"/>
+      </a:lnRef>
+      <a:fillRef idx="1">
+        <a:scrgbClr r="0" g="0" b="0"/>
+      </a:fillRef>
+      <a:effectRef idx="0">
+        <a:scrgbClr r="0" g="0" b="0"/>
+      </a:effectRef>
+      <a:fontRef idx="minor"/>
+    </dgm:style>
+  </dgm:styleLbl>
+  <dgm:styleLbl name="bgAcc1">
+    <dgm:scene3d>
+      <a:camera prst="orthographicFront"/>
+      <a:lightRig rig="threePt" dir="t"/>
+    </dgm:scene3d>
+    <dgm:sp3d/>
+    <dgm:txPr/>
+    <dgm:style>
+      <a:lnRef idx="2">
+        <a:scrgbClr r="0" g="0" b="0"/>
+      </a:lnRef>
+      <a:fillRef idx="1">
+        <a:scrgbClr r="0" g="0" b="0"/>
+      </a:fillRef>
+      <a:effectRef idx="0">
+        <a:scrgbClr r="0" g="0" b="0"/>
+      </a:effectRef>
+      <a:fontRef idx="minor"/>
+    </dgm:style>
+  </dgm:styleLbl>
+  <dgm:styleLbl name="solidFgAcc1">
+    <dgm:scene3d>
+      <a:camera prst="orthographicFront"/>
+      <a:lightRig rig="threePt" dir="t"/>
+    </dgm:scene3d>
+    <dgm:sp3d/>
+    <dgm:txPr/>
+    <dgm:style>
+      <a:lnRef idx="2">
+        <a:scrgbClr r="0" g="0" b="0"/>
+      </a:lnRef>
+      <a:fillRef idx="1">
+        <a:scrgbClr r="0" g="0" b="0"/>
+      </a:fillRef>
+      <a:effectRef idx="0">
+        <a:scrgbClr r="0" g="0" b="0"/>
+      </a:effectRef>
+      <a:fontRef idx="minor"/>
+    </dgm:style>
+  </dgm:styleLbl>
+  <dgm:styleLbl name="solidAlignAcc1">
+    <dgm:scene3d>
+      <a:camera prst="orthographicFront"/>
+      <a:lightRig rig="threePt" dir="t"/>
+    </dgm:scene3d>
+    <dgm:sp3d/>
+    <dgm:txPr/>
+    <dgm:style>
+      <a:lnRef idx="2">
+        <a:scrgbClr r="0" g="0" b="0"/>
+      </a:lnRef>
+      <a:fillRef idx="1">
+        <a:scrgbClr r="0" g="0" b="0"/>
+      </a:fillRef>
+      <a:effectRef idx="0">
+        <a:scrgbClr r="0" g="0" b="0"/>
+      </a:effectRef>
+      <a:fontRef idx="minor"/>
+    </dgm:style>
+  </dgm:styleLbl>
+  <dgm:styleLbl name="solidBgAcc1">
+    <dgm:scene3d>
+      <a:camera prst="orthographicFront"/>
+      <a:lightRig rig="threePt" dir="t"/>
+    </dgm:scene3d>
+    <dgm:sp3d/>
+    <dgm:txPr/>
+    <dgm:style>
+      <a:lnRef idx="2">
+        <a:scrgbClr r="0" g="0" b="0"/>
+      </a:lnRef>
+      <a:fillRef idx="1">
+        <a:scrgbClr r="0" g="0" b="0"/>
+      </a:fillRef>
+      <a:effectRef idx="0">
+        <a:scrgbClr r="0" g="0" b="0"/>
+      </a:effectRef>
+      <a:fontRef idx="minor"/>
+    </dgm:style>
+  </dgm:styleLbl>
+  <dgm:styleLbl name="fgAccFollowNode1">
+    <dgm:scene3d>
+      <a:camera prst="orthographicFront"/>
+      <a:lightRig rig="threePt" dir="t"/>
+    </dgm:scene3d>
+    <dgm:sp3d/>
+    <dgm:txPr/>
+    <dgm:style>
+      <a:lnRef idx="2">
+        <a:scrgbClr r="0" g="0" b="0"/>
+      </a:lnRef>
+      <a:fillRef idx="1">
+        <a:scrgbClr r="0" g="0" b="0"/>
+      </a:fillRef>
+      <a:effectRef idx="0">
+        <a:scrgbClr r="0" g="0" b="0"/>
+      </a:effectRef>
+      <a:fontRef idx="minor"/>
+    </dgm:style>
+  </dgm:styleLbl>
+  <dgm:styleLbl name="alignAccFollowNode1">
+    <dgm:scene3d>
+      <a:camera prst="orthographicFront"/>
+      <a:lightRig rig="threePt" dir="t"/>
+    </dgm:scene3d>
+    <dgm:sp3d/>
+    <dgm:txPr/>
+    <dgm:style>
+      <a:lnRef idx="2">
+        <a:scrgbClr r="0" g="0" b="0"/>
+      </a:lnRef>
+      <a:fillRef idx="1">
+        <a:scrgbClr r="0" g="0" b="0"/>
+      </a:fillRef>
+      <a:effectRef idx="0">
+        <a:scrgbClr r="0" g="0" b="0"/>
+      </a:effectRef>
+      <a:fontRef idx="minor"/>
+    </dgm:style>
+  </dgm:styleLbl>
+  <dgm:styleLbl name="bgAccFollowNode1">
+    <dgm:scene3d>
+      <a:camera prst="orthographicFront"/>
+      <a:lightRig rig="threePt" dir="t"/>
+    </dgm:scene3d>
+    <dgm:sp3d/>
+    <dgm:txPr/>
+    <dgm:style>
+      <a:lnRef idx="2">
+        <a:scrgbClr r="0" g="0" b="0"/>
+      </a:lnRef>
+      <a:fillRef idx="1">
+        <a:scrgbClr r="0" g="0" b="0"/>
+      </a:fillRef>
+      <a:effectRef idx="0">
+        <a:scrgbClr r="0" g="0" b="0"/>
+      </a:effectRef>
+      <a:fontRef idx="minor"/>
+    </dgm:style>
+  </dgm:styleLbl>
+  <dgm:styleLbl name="fgAcc0">
+    <dgm:scene3d>
+      <a:camera prst="orthographicFront"/>
+      <a:lightRig rig="threePt" dir="t"/>
+    </dgm:scene3d>
+    <dgm:sp3d/>
+    <dgm:txPr/>
+    <dgm:style>
+      <a:lnRef idx="2">
+        <a:scrgbClr r="0" g="0" b="0"/>
+      </a:lnRef>
+      <a:fillRef idx="1">
+        <a:scrgbClr r="0" g="0" b="0"/>
+      </a:fillRef>
+      <a:effectRef idx="0">
+        <a:scrgbClr r="0" g="0" b="0"/>
+      </a:effectRef>
+      <a:fontRef idx="minor"/>
+    </dgm:style>
+  </dgm:styleLbl>
+  <dgm:styleLbl name="fgAcc2">
+    <dgm:scene3d>
+      <a:camera prst="orthographicFront"/>
+      <a:lightRig rig="threePt" dir="t"/>
+    </dgm:scene3d>
+    <dgm:sp3d/>
+    <dgm:txPr/>
+    <dgm:style>
+      <a:lnRef idx="2">
+        <a:scrgbClr r="0" g="0" b="0"/>
+      </a:lnRef>
+      <a:fillRef idx="1">
+        <a:scrgbClr r="0" g="0" b="0"/>
+      </a:fillRef>
+      <a:effectRef idx="0">
+        <a:scrgbClr r="0" g="0" b="0"/>
+      </a:effectRef>
+      <a:fontRef idx="minor"/>
+    </dgm:style>
+  </dgm:styleLbl>
+  <dgm:styleLbl name="fgAcc3">
+    <dgm:scene3d>
+      <a:camera prst="orthographicFront"/>
+      <a:lightRig rig="threePt" dir="t"/>
+    </dgm:scene3d>
+    <dgm:sp3d/>
+    <dgm:txPr/>
+    <dgm:style>
+      <a:lnRef idx="2">
+        <a:scrgbClr r="0" g="0" b="0"/>
+      </a:lnRef>
+      <a:fillRef idx="1">
+        <a:scrgbClr r="0" g="0" b="0"/>
+      </a:fillRef>
+      <a:effectRef idx="0">
+        <a:scrgbClr r="0" g="0" b="0"/>
+      </a:effectRef>
+      <a:fontRef idx="minor"/>
+    </dgm:style>
+  </dgm:styleLbl>
+  <dgm:styleLbl name="fgAcc4">
+    <dgm:scene3d>
+      <a:camera prst="orthographicFront"/>
+      <a:lightRig rig="threePt" dir="t"/>
+    </dgm:scene3d>
+    <dgm:sp3d/>
+    <dgm:txPr/>
+    <dgm:style>
+      <a:lnRef idx="2">
+        <a:scrgbClr r="0" g="0" b="0"/>
+      </a:lnRef>
+      <a:fillRef idx="1">
+        <a:scrgbClr r="0" g="0" b="0"/>
+      </a:fillRef>
+      <a:effectRef idx="0">
+        <a:scrgbClr r="0" g="0" b="0"/>
+      </a:effectRef>
+      <a:fontRef idx="minor"/>
+    </dgm:style>
+  </dgm:styleLbl>
+  <dgm:styleLbl name="bgShp">
+    <dgm:scene3d>
+      <a:camera prst="orthographicFront"/>
+      <a:lightRig rig="threePt" dir="t"/>
+    </dgm:scene3d>
+    <dgm:sp3d/>
+    <dgm:txPr/>
+    <dgm:style>
+      <a:lnRef idx="0">
+        <a:scrgbClr r="0" g="0" b="0"/>
+      </a:lnRef>
+      <a:fillRef idx="1">
+        <a:scrgbClr r="0" g="0" b="0"/>
+      </a:fillRef>
+      <a:effectRef idx="0">
+        <a:scrgbClr r="0" g="0" b="0"/>
+      </a:effectRef>
+      <a:fontRef idx="minor"/>
+    </dgm:style>
+  </dgm:styleLbl>
+  <dgm:styleLbl name="dkBgShp">
+    <dgm:scene3d>
+      <a:camera prst="orthographicFront"/>
+      <a:lightRig rig="threePt" dir="t"/>
+    </dgm:scene3d>
+    <dgm:sp3d/>
+    <dgm:txPr/>
+    <dgm:style>
+      <a:lnRef idx="0">
+        <a:scrgbClr r="0" g="0" b="0"/>
+      </a:lnRef>
+      <a:fillRef idx="1">
+        <a:scrgbClr r="0" g="0" b="0"/>
+      </a:fillRef>
+      <a:effectRef idx="0">
+        <a:scrgbClr r="0" g="0" b="0"/>
+      </a:effectRef>
+      <a:fontRef idx="minor"/>
+    </dgm:style>
+  </dgm:styleLbl>
+  <dgm:styleLbl name="trBgShp">
+    <dgm:scene3d>
+      <a:camera prst="orthographicFront"/>
+      <a:lightRig rig="threePt" dir="t"/>
+    </dgm:scene3d>
+    <dgm:sp3d/>
+    <dgm:txPr/>
+    <dgm:style>
+      <a:lnRef idx="0">
+        <a:scrgbClr r="0" g="0" b="0"/>
+      </a:lnRef>
+      <a:fillRef idx="1">
+        <a:scrgbClr r="0" g="0" b="0"/>
+      </a:fillRef>
+      <a:effectRef idx="0">
+        <a:scrgbClr r="0" g="0" b="0"/>
+      </a:effectRef>
+      <a:fontRef idx="minor"/>
+    </dgm:style>
+  </dgm:styleLbl>
+  <dgm:styleLbl name="fgShp">
+    <dgm:scene3d>
+      <a:camera prst="orthographicFront"/>
+      <a:lightRig rig="threePt" dir="t"/>
+    </dgm:scene3d>
+    <dgm:sp3d/>
+    <dgm:txPr/>
+    <dgm:style>
+      <a:lnRef idx="2">
+        <a:scrgbClr r="0" g="0" b="0"/>
+      </a:lnRef>
+      <a:fillRef idx="1">
+        <a:scrgbClr r="0" g="0" b="0"/>
+      </a:fillRef>
+      <a:effectRef idx="0">
+        <a:scrgbClr r="0" g="0" b="0"/>
+      </a:effectRef>
+      <a:fontRef idx="minor"/>
+    </dgm:style>
+  </dgm:styleLbl>
+  <dgm:styleLbl name="revTx">
+    <dgm:scene3d>
+      <a:camera prst="orthographicFront"/>
+      <a:lightRig rig="threePt" dir="t"/>
+    </dgm:scene3d>
+    <dgm:sp3d/>
+    <dgm:txPr/>
+    <dgm:style>
+      <a:lnRef idx="0">
+        <a:scrgbClr r="0" g="0" b="0"/>
+      </a:lnRef>
+      <a:fillRef idx="0">
+        <a:scrgbClr r="0" g="0" b="0"/>
+      </a:fillRef>
+      <a:effectRef idx="0">
+        <a:scrgbClr r="0" g="0" b="0"/>
+      </a:effectRef>
+      <a:fontRef idx="minor"/>
+    </dgm:style>
+  </dgm:styleLbl>
+</dgm:styleDef>
 </file>
 
 <file path=ppt/handoutMasters/handoutMaster1.xml><?xml version="1.0" encoding="utf-8"?>
@@ -226,7 +3456,7 @@
             <a:pPr algn="l" rtl="1"/>
             <a:fld id="{A19057D7-29C8-4098-AA5A-D5B5080A0273}" type="datetime1">
               <a:rPr lang="he-IL" smtClean="0"/>
-              <a:t>א'/אדר ב/תשפ"ד</a:t>
+              <a:t>ב'/אדר ב/תשפ"ד</a:t>
             </a:fld>
             <a:endParaRPr lang="en-US" dirty="0"/>
           </a:p>
@@ -401,7 +3631,7 @@
             <a:pPr rtl="1"/>
             <a:fld id="{487BAAEE-F7BD-4A16-8518-0FD93306B6A0}" type="datetime1">
               <a:rPr lang="he-IL" smtClean="0"/>
-              <a:t>א'/אדר ב/תשפ"ד</a:t>
+              <a:t>ב'/אדר ב/תשפ"ד</a:t>
             </a:fld>
             <a:endParaRPr lang="en-US"/>
           </a:p>
@@ -7992,6 +11222,698 @@
     <p:extLst>
       <p:ext uri="{BB962C8B-B14F-4D97-AF65-F5344CB8AC3E}">
         <p14:creationId xmlns:p14="http://schemas.microsoft.com/office/powerpoint/2010/main" val="3350070873"/>
+      </p:ext>
+    </p:extLst>
+  </p:cSld>
+  <p:clrMapOvr>
+    <a:masterClrMapping/>
+  </p:clrMapOvr>
+</p:sld>
+</file>
+
+<file path=ppt/slides/slide11.xml><?xml version="1.0" encoding="utf-8"?>
+<p:sld xmlns:a="http://schemas.openxmlformats.org/drawingml/2006/main" xmlns:r="http://schemas.openxmlformats.org/officeDocument/2006/relationships" xmlns:p="http://schemas.openxmlformats.org/presentationml/2006/main">
+  <p:cSld>
+    <p:spTree>
+      <p:nvGrpSpPr>
+        <p:cNvPr id="1" name=""/>
+        <p:cNvGrpSpPr/>
+        <p:nvPr/>
+      </p:nvGrpSpPr>
+      <p:grpSpPr>
+        <a:xfrm>
+          <a:off x="0" y="0"/>
+          <a:ext cx="0" cy="0"/>
+          <a:chOff x="0" y="0"/>
+          <a:chExt cx="0" cy="0"/>
+        </a:xfrm>
+      </p:grpSpPr>
+      <p:sp>
+        <p:nvSpPr>
+          <p:cNvPr id="2" name="כותרת 1">
+            <a:extLst>
+              <a:ext uri="{FF2B5EF4-FFF2-40B4-BE49-F238E27FC236}">
+                <a16:creationId xmlns:a16="http://schemas.microsoft.com/office/drawing/2014/main" id="{20EE5E09-E08E-F543-D014-932EF7267DA2}"/>
+              </a:ext>
+            </a:extLst>
+          </p:cNvPr>
+          <p:cNvSpPr>
+            <a:spLocks noGrp="1"/>
+          </p:cNvSpPr>
+          <p:nvPr>
+            <p:ph type="title"/>
+          </p:nvPr>
+        </p:nvSpPr>
+        <p:spPr/>
+        <p:txBody>
+          <a:bodyPr/>
+          <a:lstStyle/>
+          <a:p>
+            <a:r>
+              <a:rPr lang="en-US" dirty="0"/>
+              <a:t>Handy IntelliJ Shortcuts for Efficient Coding</a:t>
+            </a:r>
+          </a:p>
+        </p:txBody>
+      </p:sp>
+      <p:graphicFrame>
+        <p:nvGraphicFramePr>
+          <p:cNvPr id="7" name="מציין מיקום תוכן 2">
+            <a:extLst>
+              <a:ext uri="{FF2B5EF4-FFF2-40B4-BE49-F238E27FC236}">
+                <a16:creationId xmlns:a16="http://schemas.microsoft.com/office/drawing/2014/main" id="{ED1AA047-2E83-E251-AE67-505C6D617702}"/>
+              </a:ext>
+            </a:extLst>
+          </p:cNvPr>
+          <p:cNvGraphicFramePr>
+            <a:graphicFrameLocks noGrp="1"/>
+          </p:cNvGraphicFramePr>
+          <p:nvPr>
+            <p:ph sz="quarter" idx="13"/>
+          </p:nvPr>
+        </p:nvGraphicFramePr>
+        <p:xfrm>
+          <a:off x="913774" y="2367092"/>
+          <a:ext cx="5106026" cy="3424107"/>
+        </p:xfrm>
+        <a:graphic>
+          <a:graphicData uri="http://schemas.openxmlformats.org/drawingml/2006/diagram">
+            <dgm:relIds xmlns:dgm="http://schemas.openxmlformats.org/drawingml/2006/diagram" xmlns:r="http://schemas.openxmlformats.org/officeDocument/2006/relationships" r:dm="rId2" r:lo="rId3" r:qs="rId4" r:cs="rId5"/>
+          </a:graphicData>
+        </a:graphic>
+      </p:graphicFrame>
+      <p:sp>
+        <p:nvSpPr>
+          <p:cNvPr id="4" name="מציין מיקום תוכן 3">
+            <a:extLst>
+              <a:ext uri="{FF2B5EF4-FFF2-40B4-BE49-F238E27FC236}">
+                <a16:creationId xmlns:a16="http://schemas.microsoft.com/office/drawing/2014/main" id="{79F6F5BA-B0FA-734E-925C-574BAA8800B8}"/>
+              </a:ext>
+            </a:extLst>
+          </p:cNvPr>
+          <p:cNvSpPr>
+            <a:spLocks noGrp="1"/>
+          </p:cNvSpPr>
+          <p:nvPr>
+            <p:ph sz="quarter" idx="14"/>
+          </p:nvPr>
+        </p:nvSpPr>
+        <p:spPr/>
+        <p:txBody>
+          <a:bodyPr>
+            <a:normAutofit fontScale="85000" lnSpcReduction="10000"/>
+          </a:bodyPr>
+          <a:lstStyle/>
+          <a:p>
+            <a:pPr algn="l" rtl="0"/>
+            <a:r>
+              <a:rPr lang="en-US" b="1" i="0" dirty="0">
+                <a:solidFill>
+                  <a:srgbClr val="0D0D0D"/>
+                </a:solidFill>
+                <a:effectLst/>
+                <a:latin typeface="Söhne"/>
+              </a:rPr>
+              <a:t>Ctrl + Shift + Up/Down</a:t>
+            </a:r>
+            <a:r>
+              <a:rPr lang="en-US" b="0" i="0" dirty="0">
+                <a:solidFill>
+                  <a:srgbClr val="0D0D0D"/>
+                </a:solidFill>
+                <a:effectLst/>
+                <a:latin typeface="Söhne"/>
+              </a:rPr>
+              <a:t>: Move line(s) up/down.</a:t>
+            </a:r>
+          </a:p>
+          <a:p>
+            <a:pPr algn="l" rtl="0"/>
+            <a:r>
+              <a:rPr lang="en-US" b="1" i="0" dirty="0">
+                <a:solidFill>
+                  <a:srgbClr val="0D0D0D"/>
+                </a:solidFill>
+                <a:effectLst/>
+                <a:latin typeface="Söhne"/>
+              </a:rPr>
+              <a:t>Ctrl + D</a:t>
+            </a:r>
+            <a:r>
+              <a:rPr lang="en-US" b="0" i="0" dirty="0">
+                <a:solidFill>
+                  <a:srgbClr val="0D0D0D"/>
+                </a:solidFill>
+                <a:effectLst/>
+                <a:latin typeface="Söhne"/>
+              </a:rPr>
+              <a:t>: Duplicate current line or selection.</a:t>
+            </a:r>
+          </a:p>
+          <a:p>
+            <a:pPr algn="l" rtl="0"/>
+            <a:r>
+              <a:rPr lang="en-US" b="1" i="0" dirty="0">
+                <a:solidFill>
+                  <a:srgbClr val="0D0D0D"/>
+                </a:solidFill>
+                <a:effectLst/>
+                <a:latin typeface="Söhne"/>
+              </a:rPr>
+              <a:t>Alt + Enter</a:t>
+            </a:r>
+            <a:r>
+              <a:rPr lang="en-US" b="0" i="0" dirty="0">
+                <a:solidFill>
+                  <a:srgbClr val="0D0D0D"/>
+                </a:solidFill>
+                <a:effectLst/>
+                <a:latin typeface="Söhne"/>
+              </a:rPr>
+              <a:t>: Show intention actions, quick fixes.</a:t>
+            </a:r>
+          </a:p>
+          <a:p>
+            <a:pPr algn="l" rtl="0"/>
+            <a:r>
+              <a:rPr lang="en-US" b="1" i="0" dirty="0">
+                <a:solidFill>
+                  <a:srgbClr val="0D0D0D"/>
+                </a:solidFill>
+                <a:effectLst/>
+                <a:latin typeface="Söhne"/>
+              </a:rPr>
+              <a:t>Ctrl + Alt + O</a:t>
+            </a:r>
+            <a:r>
+              <a:rPr lang="en-US" b="0" i="0" dirty="0">
+                <a:solidFill>
+                  <a:srgbClr val="0D0D0D"/>
+                </a:solidFill>
+                <a:effectLst/>
+                <a:latin typeface="Söhne"/>
+              </a:rPr>
+              <a:t>: Optimize imports.</a:t>
+            </a:r>
+          </a:p>
+          <a:p>
+            <a:pPr algn="l" rtl="0"/>
+            <a:r>
+              <a:rPr lang="en-US" b="1" i="0" dirty="0">
+                <a:solidFill>
+                  <a:srgbClr val="0D0D0D"/>
+                </a:solidFill>
+                <a:effectLst/>
+                <a:latin typeface="Söhne"/>
+              </a:rPr>
+              <a:t>Ctrl + Shift + F7</a:t>
+            </a:r>
+            <a:r>
+              <a:rPr lang="en-US" b="0" i="0" dirty="0">
+                <a:solidFill>
+                  <a:srgbClr val="0D0D0D"/>
+                </a:solidFill>
+                <a:effectLst/>
+                <a:latin typeface="Söhne"/>
+              </a:rPr>
+              <a:t>: Highlight occurrences of the selected word.</a:t>
+            </a:r>
+          </a:p>
+          <a:p>
+            <a:pPr algn="l" rtl="0"/>
+            <a:r>
+              <a:rPr lang="en-US" b="1" i="0" dirty="0">
+                <a:solidFill>
+                  <a:srgbClr val="0D0D0D"/>
+                </a:solidFill>
+                <a:effectLst/>
+                <a:latin typeface="Söhne"/>
+              </a:rPr>
+              <a:t>Ctrl + Q</a:t>
+            </a:r>
+            <a:r>
+              <a:rPr lang="en-US" b="0" i="0" dirty="0">
+                <a:solidFill>
+                  <a:srgbClr val="0D0D0D"/>
+                </a:solidFill>
+                <a:effectLst/>
+                <a:latin typeface="Söhne"/>
+              </a:rPr>
+              <a:t>: Quick documentation lookup.</a:t>
+            </a:r>
+          </a:p>
+          <a:p>
+            <a:pPr algn="l" rtl="0"/>
+            <a:r>
+              <a:rPr lang="en-US" b="1" i="0" dirty="0">
+                <a:solidFill>
+                  <a:srgbClr val="0D0D0D"/>
+                </a:solidFill>
+                <a:effectLst/>
+                <a:latin typeface="Söhne"/>
+              </a:rPr>
+              <a:t>Ctrl + F12</a:t>
+            </a:r>
+            <a:r>
+              <a:rPr lang="en-US" b="0" i="0" dirty="0">
+                <a:solidFill>
+                  <a:srgbClr val="0D0D0D"/>
+                </a:solidFill>
+                <a:effectLst/>
+                <a:latin typeface="Söhne"/>
+              </a:rPr>
+              <a:t>: Show file structure.</a:t>
+            </a:r>
+          </a:p>
+          <a:p>
+            <a:pPr algn="l" rtl="0"/>
+            <a:endParaRPr lang="en-US" dirty="0"/>
+          </a:p>
+        </p:txBody>
+      </p:sp>
+      <p:sp>
+        <p:nvSpPr>
+          <p:cNvPr id="5" name="מציין מיקום של מספר שקופית 4">
+            <a:extLst>
+              <a:ext uri="{FF2B5EF4-FFF2-40B4-BE49-F238E27FC236}">
+                <a16:creationId xmlns:a16="http://schemas.microsoft.com/office/drawing/2014/main" id="{9BD51456-4ED6-804C-0E37-528DE649B332}"/>
+              </a:ext>
+            </a:extLst>
+          </p:cNvPr>
+          <p:cNvSpPr>
+            <a:spLocks noGrp="1"/>
+          </p:cNvSpPr>
+          <p:nvPr>
+            <p:ph type="sldNum" sz="quarter" idx="12"/>
+          </p:nvPr>
+        </p:nvSpPr>
+        <p:spPr/>
+        <p:txBody>
+          <a:bodyPr/>
+          <a:lstStyle/>
+          <a:p>
+            <a:fld id="{34B7E4EF-A1BD-40F4-AB7B-04F084DD991D}" type="slidenum">
+              <a:rPr lang="en-US" smtClean="0"/>
+              <a:pPr/>
+              <a:t>11</a:t>
+            </a:fld>
+            <a:endParaRPr lang="en-US"/>
+          </a:p>
+        </p:txBody>
+      </p:sp>
+    </p:spTree>
+    <p:extLst>
+      <p:ext uri="{BB962C8B-B14F-4D97-AF65-F5344CB8AC3E}">
+        <p14:creationId xmlns:p14="http://schemas.microsoft.com/office/powerpoint/2010/main" val="224983684"/>
+      </p:ext>
+    </p:extLst>
+  </p:cSld>
+  <p:clrMapOvr>
+    <a:masterClrMapping/>
+  </p:clrMapOvr>
+</p:sld>
+</file>
+
+<file path=ppt/slides/slide12.xml><?xml version="1.0" encoding="utf-8"?>
+<p:sld xmlns:a="http://schemas.openxmlformats.org/drawingml/2006/main" xmlns:r="http://schemas.openxmlformats.org/officeDocument/2006/relationships" xmlns:p="http://schemas.openxmlformats.org/presentationml/2006/main">
+  <p:cSld>
+    <p:spTree>
+      <p:nvGrpSpPr>
+        <p:cNvPr id="1" name=""/>
+        <p:cNvGrpSpPr/>
+        <p:nvPr/>
+      </p:nvGrpSpPr>
+      <p:grpSpPr>
+        <a:xfrm>
+          <a:off x="0" y="0"/>
+          <a:ext cx="0" cy="0"/>
+          <a:chOff x="0" y="0"/>
+          <a:chExt cx="0" cy="0"/>
+        </a:xfrm>
+      </p:grpSpPr>
+      <p:sp>
+        <p:nvSpPr>
+          <p:cNvPr id="2" name="כותרת 1">
+            <a:extLst>
+              <a:ext uri="{FF2B5EF4-FFF2-40B4-BE49-F238E27FC236}">
+                <a16:creationId xmlns:a16="http://schemas.microsoft.com/office/drawing/2014/main" id="{20EE5E09-E08E-F543-D014-932EF7267DA2}"/>
+              </a:ext>
+            </a:extLst>
+          </p:cNvPr>
+          <p:cNvSpPr>
+            <a:spLocks noGrp="1"/>
+          </p:cNvSpPr>
+          <p:nvPr>
+            <p:ph type="title"/>
+          </p:nvPr>
+        </p:nvSpPr>
+        <p:spPr/>
+        <p:txBody>
+          <a:bodyPr/>
+          <a:lstStyle/>
+          <a:p>
+            <a:r>
+              <a:rPr lang="en-US" dirty="0"/>
+              <a:t>More…</a:t>
+            </a:r>
+          </a:p>
+        </p:txBody>
+      </p:sp>
+      <p:sp>
+        <p:nvSpPr>
+          <p:cNvPr id="3" name="מציין מיקום תוכן 2">
+            <a:extLst>
+              <a:ext uri="{FF2B5EF4-FFF2-40B4-BE49-F238E27FC236}">
+                <a16:creationId xmlns:a16="http://schemas.microsoft.com/office/drawing/2014/main" id="{9066C954-7DF3-6984-AE3D-5AD25A03782A}"/>
+              </a:ext>
+            </a:extLst>
+          </p:cNvPr>
+          <p:cNvSpPr>
+            <a:spLocks noGrp="1"/>
+          </p:cNvSpPr>
+          <p:nvPr>
+            <p:ph sz="quarter" idx="13"/>
+          </p:nvPr>
+        </p:nvSpPr>
+        <p:spPr/>
+        <p:txBody>
+          <a:bodyPr>
+            <a:normAutofit fontScale="85000" lnSpcReduction="10000"/>
+          </a:bodyPr>
+          <a:lstStyle/>
+          <a:p>
+            <a:pPr algn="l" rtl="0"/>
+            <a:r>
+              <a:rPr lang="en-US" b="1" i="0" dirty="0">
+                <a:solidFill>
+                  <a:srgbClr val="0D0D0D"/>
+                </a:solidFill>
+                <a:effectLst/>
+                <a:latin typeface="Söhne"/>
+              </a:rPr>
+              <a:t>Ctrl + Shift + F</a:t>
+            </a:r>
+            <a:r>
+              <a:rPr lang="en-US" b="0" i="0" dirty="0">
+                <a:solidFill>
+                  <a:srgbClr val="0D0D0D"/>
+                </a:solidFill>
+                <a:effectLst/>
+                <a:latin typeface="Söhne"/>
+              </a:rPr>
+              <a:t>: Search everywhere (files, symbols, actions, etc.).</a:t>
+            </a:r>
+          </a:p>
+          <a:p>
+            <a:pPr algn="l" rtl="0"/>
+            <a:r>
+              <a:rPr lang="en-US" b="1" i="0" dirty="0">
+                <a:solidFill>
+                  <a:srgbClr val="0D0D0D"/>
+                </a:solidFill>
+                <a:effectLst/>
+                <a:latin typeface="Söhne"/>
+              </a:rPr>
+              <a:t>Alt + Insert</a:t>
+            </a:r>
+            <a:r>
+              <a:rPr lang="en-US" b="0" i="0" dirty="0">
+                <a:solidFill>
+                  <a:srgbClr val="0D0D0D"/>
+                </a:solidFill>
+                <a:effectLst/>
+                <a:latin typeface="Söhne"/>
+              </a:rPr>
+              <a:t>: Generate code (constructor, getter/setter, etc.).</a:t>
+            </a:r>
+          </a:p>
+          <a:p>
+            <a:pPr algn="l" rtl="0"/>
+            <a:r>
+              <a:rPr lang="en-US" b="1" i="0" dirty="0">
+                <a:solidFill>
+                  <a:srgbClr val="0D0D0D"/>
+                </a:solidFill>
+                <a:effectLst/>
+                <a:latin typeface="Söhne"/>
+              </a:rPr>
+              <a:t>Ctrl + Alt + T</a:t>
+            </a:r>
+            <a:r>
+              <a:rPr lang="en-US" b="0" i="0" dirty="0">
+                <a:solidFill>
+                  <a:srgbClr val="0D0D0D"/>
+                </a:solidFill>
+                <a:effectLst/>
+                <a:latin typeface="Söhne"/>
+              </a:rPr>
+              <a:t>: Surround with (if statement, try/catch, etc.).</a:t>
+            </a:r>
+          </a:p>
+          <a:p>
+            <a:pPr algn="l" rtl="0"/>
+            <a:r>
+              <a:rPr lang="en-US" b="1" i="0" dirty="0">
+                <a:solidFill>
+                  <a:srgbClr val="0D0D0D"/>
+                </a:solidFill>
+                <a:effectLst/>
+                <a:latin typeface="Söhne"/>
+              </a:rPr>
+              <a:t>Alt + F7</a:t>
+            </a:r>
+            <a:r>
+              <a:rPr lang="en-US" b="0" i="0" dirty="0">
+                <a:solidFill>
+                  <a:srgbClr val="0D0D0D"/>
+                </a:solidFill>
+                <a:effectLst/>
+                <a:latin typeface="Söhne"/>
+              </a:rPr>
+              <a:t>: Find usages (of a selected symbol).</a:t>
+            </a:r>
+          </a:p>
+          <a:p>
+            <a:pPr algn="l" rtl="0"/>
+            <a:r>
+              <a:rPr lang="en-US" b="1" i="0" dirty="0">
+                <a:solidFill>
+                  <a:srgbClr val="0D0D0D"/>
+                </a:solidFill>
+                <a:effectLst/>
+                <a:latin typeface="Söhne"/>
+              </a:rPr>
+              <a:t>Ctrl + Shift + Alt + T</a:t>
+            </a:r>
+            <a:r>
+              <a:rPr lang="en-US" b="0" i="0" dirty="0">
+                <a:solidFill>
+                  <a:srgbClr val="0D0D0D"/>
+                </a:solidFill>
+                <a:effectLst/>
+                <a:latin typeface="Söhne"/>
+              </a:rPr>
+              <a:t>: Refactor this (rename, extract method, etc.).</a:t>
+            </a:r>
+          </a:p>
+        </p:txBody>
+      </p:sp>
+      <p:sp>
+        <p:nvSpPr>
+          <p:cNvPr id="4" name="מציין מיקום תוכן 3">
+            <a:extLst>
+              <a:ext uri="{FF2B5EF4-FFF2-40B4-BE49-F238E27FC236}">
+                <a16:creationId xmlns:a16="http://schemas.microsoft.com/office/drawing/2014/main" id="{79F6F5BA-B0FA-734E-925C-574BAA8800B8}"/>
+              </a:ext>
+            </a:extLst>
+          </p:cNvPr>
+          <p:cNvSpPr>
+            <a:spLocks noGrp="1"/>
+          </p:cNvSpPr>
+          <p:nvPr>
+            <p:ph sz="quarter" idx="14"/>
+          </p:nvPr>
+        </p:nvSpPr>
+        <p:spPr/>
+        <p:txBody>
+          <a:bodyPr>
+            <a:normAutofit fontScale="92500" lnSpcReduction="10000"/>
+          </a:bodyPr>
+          <a:lstStyle/>
+          <a:p>
+            <a:pPr algn="l" rtl="0"/>
+            <a:r>
+              <a:rPr lang="en-US" b="1" i="0" dirty="0">
+                <a:solidFill>
+                  <a:srgbClr val="0D0D0D"/>
+                </a:solidFill>
+                <a:effectLst/>
+                <a:latin typeface="Söhne"/>
+              </a:rPr>
+              <a:t>Ctrl + Shift + E</a:t>
+            </a:r>
+            <a:r>
+              <a:rPr lang="en-US" b="0" i="0" dirty="0">
+                <a:solidFill>
+                  <a:srgbClr val="0D0D0D"/>
+                </a:solidFill>
+                <a:effectLst/>
+                <a:latin typeface="Söhne"/>
+              </a:rPr>
+              <a:t>: Recently edited files.</a:t>
+            </a:r>
+          </a:p>
+          <a:p>
+            <a:pPr algn="l" rtl="0"/>
+            <a:r>
+              <a:rPr lang="en-US" b="1" i="0" dirty="0">
+                <a:solidFill>
+                  <a:srgbClr val="0D0D0D"/>
+                </a:solidFill>
+                <a:effectLst/>
+                <a:latin typeface="Söhne"/>
+              </a:rPr>
+              <a:t>Ctrl + Shift + A</a:t>
+            </a:r>
+            <a:r>
+              <a:rPr lang="en-US" b="0" i="0" dirty="0">
+                <a:solidFill>
+                  <a:srgbClr val="0D0D0D"/>
+                </a:solidFill>
+                <a:effectLst/>
+                <a:latin typeface="Söhne"/>
+              </a:rPr>
+              <a:t>: Find action (search for any action/command).</a:t>
+            </a:r>
+          </a:p>
+          <a:p>
+            <a:pPr algn="l" rtl="0"/>
+            <a:r>
+              <a:rPr lang="en-US" b="1" i="0" dirty="0">
+                <a:solidFill>
+                  <a:srgbClr val="0D0D0D"/>
+                </a:solidFill>
+                <a:effectLst/>
+                <a:latin typeface="Söhne"/>
+              </a:rPr>
+              <a:t>Ctrl + Shift + F6</a:t>
+            </a:r>
+            <a:r>
+              <a:rPr lang="en-US" b="0" i="0" dirty="0">
+                <a:solidFill>
+                  <a:srgbClr val="0D0D0D"/>
+                </a:solidFill>
+                <a:effectLst/>
+                <a:latin typeface="Söhne"/>
+              </a:rPr>
+              <a:t>: Rename symbol (variable, method, class, etc.).</a:t>
+            </a:r>
+          </a:p>
+          <a:p>
+            <a:pPr algn="l" rtl="0"/>
+            <a:r>
+              <a:rPr lang="en-US" b="1" i="0" dirty="0">
+                <a:solidFill>
+                  <a:srgbClr val="0D0D0D"/>
+                </a:solidFill>
+                <a:effectLst/>
+                <a:latin typeface="Söhne"/>
+              </a:rPr>
+              <a:t>Ctrl + Alt + V</a:t>
+            </a:r>
+            <a:r>
+              <a:rPr lang="en-US" b="0" i="0" dirty="0">
+                <a:solidFill>
+                  <a:srgbClr val="0D0D0D"/>
+                </a:solidFill>
+                <a:effectLst/>
+                <a:latin typeface="Söhne"/>
+              </a:rPr>
+              <a:t>: Extract variable.</a:t>
+            </a:r>
+          </a:p>
+          <a:p>
+            <a:pPr algn="l" rtl="0"/>
+            <a:r>
+              <a:rPr lang="en-US" b="1" i="0" dirty="0">
+                <a:solidFill>
+                  <a:srgbClr val="0D0D0D"/>
+                </a:solidFill>
+                <a:effectLst/>
+                <a:latin typeface="Söhne"/>
+              </a:rPr>
+              <a:t>Ctrl + Alt + M</a:t>
+            </a:r>
+            <a:r>
+              <a:rPr lang="en-US" b="0" i="0" dirty="0">
+                <a:solidFill>
+                  <a:srgbClr val="0D0D0D"/>
+                </a:solidFill>
+                <a:effectLst/>
+                <a:latin typeface="Söhne"/>
+              </a:rPr>
+              <a:t>: Extract method.</a:t>
+            </a:r>
+          </a:p>
+          <a:p>
+            <a:pPr algn="l" rtl="0"/>
+            <a:r>
+              <a:rPr lang="en-US" b="1" i="0" dirty="0">
+                <a:solidFill>
+                  <a:srgbClr val="0D0D0D"/>
+                </a:solidFill>
+                <a:effectLst/>
+                <a:latin typeface="Söhne"/>
+              </a:rPr>
+              <a:t>Ctrl + Alt + P</a:t>
+            </a:r>
+            <a:r>
+              <a:rPr lang="en-US" b="0" i="0" dirty="0">
+                <a:solidFill>
+                  <a:srgbClr val="0D0D0D"/>
+                </a:solidFill>
+                <a:effectLst/>
+                <a:latin typeface="Söhne"/>
+              </a:rPr>
+              <a:t>: Extract parameter.</a:t>
+            </a:r>
+          </a:p>
+        </p:txBody>
+      </p:sp>
+      <p:sp>
+        <p:nvSpPr>
+          <p:cNvPr id="5" name="מציין מיקום של מספר שקופית 4">
+            <a:extLst>
+              <a:ext uri="{FF2B5EF4-FFF2-40B4-BE49-F238E27FC236}">
+                <a16:creationId xmlns:a16="http://schemas.microsoft.com/office/drawing/2014/main" id="{9BD51456-4ED6-804C-0E37-528DE649B332}"/>
+              </a:ext>
+            </a:extLst>
+          </p:cNvPr>
+          <p:cNvSpPr>
+            <a:spLocks noGrp="1"/>
+          </p:cNvSpPr>
+          <p:nvPr>
+            <p:ph type="sldNum" sz="quarter" idx="12"/>
+          </p:nvPr>
+        </p:nvSpPr>
+        <p:spPr/>
+        <p:txBody>
+          <a:bodyPr/>
+          <a:lstStyle/>
+          <a:p>
+            <a:fld id="{34B7E4EF-A1BD-40F4-AB7B-04F084DD991D}" type="slidenum">
+              <a:rPr lang="en-US" smtClean="0"/>
+              <a:pPr/>
+              <a:t>12</a:t>
+            </a:fld>
+            <a:endParaRPr lang="en-US"/>
+          </a:p>
+        </p:txBody>
+      </p:sp>
+    </p:spTree>
+    <p:extLst>
+      <p:ext uri="{BB962C8B-B14F-4D97-AF65-F5344CB8AC3E}">
+        <p14:creationId xmlns:p14="http://schemas.microsoft.com/office/powerpoint/2010/main" val="1656270071"/>
       </p:ext>
     </p:extLst>
   </p:cSld>

--- a/תרגול 1.pptx
+++ b/תרגול 1.pptx
@@ -5,10 +5,10 @@
     <p:sldMasterId id="2147483788" r:id="rId1"/>
   </p:sldMasterIdLst>
   <p:notesMasterIdLst>
-    <p:notesMasterId r:id="rId14"/>
+    <p:notesMasterId r:id="rId17"/>
   </p:notesMasterIdLst>
   <p:handoutMasterIdLst>
-    <p:handoutMasterId r:id="rId15"/>
+    <p:handoutMasterId r:id="rId18"/>
   </p:handoutMasterIdLst>
   <p:sldIdLst>
     <p:sldId id="257" r:id="rId2"/>
@@ -19,10 +19,13 @@
     <p:sldId id="266" r:id="rId7"/>
     <p:sldId id="267" r:id="rId8"/>
     <p:sldId id="268" r:id="rId9"/>
-    <p:sldId id="269" r:id="rId10"/>
-    <p:sldId id="270" r:id="rId11"/>
-    <p:sldId id="271" r:id="rId12"/>
-    <p:sldId id="272" r:id="rId13"/>
+    <p:sldId id="275" r:id="rId10"/>
+    <p:sldId id="269" r:id="rId11"/>
+    <p:sldId id="270" r:id="rId12"/>
+    <p:sldId id="273" r:id="rId13"/>
+    <p:sldId id="274" r:id="rId14"/>
+    <p:sldId id="271" r:id="rId15"/>
+    <p:sldId id="272" r:id="rId16"/>
   </p:sldIdLst>
   <p:sldSz cx="12192000" cy="6858000"/>
   <p:notesSz cx="6858000" cy="9144000"/>
@@ -130,6 +133,14 @@
     </p:ext>
   </p:extLst>
 </p:presentation>
+</file>
+
+<file path=ppt/revisionInfo.xml><?xml version="1.0" encoding="utf-8"?>
+<p1510:revInfo xmlns:a="http://schemas.openxmlformats.org/drawingml/2006/main" xmlns:r="http://schemas.openxmlformats.org/officeDocument/2006/relationships" xmlns:p1510="http://schemas.microsoft.com/office/powerpoint/2015/10/main">
+  <p1510:revLst>
+    <p1510:client id="{04FE4138-A820-4DEA-A3C2-D30F42797C1A}" v="10" dt="2024-03-16T19:54:25.440"/>
+  </p1510:revLst>
+</p1510:revInfo>
 </file>
 
 <file path=ppt/changesInfos/changesInfo1.xml><?xml version="1.0" encoding="utf-8"?>
@@ -247,6 +258,266 @@
             <ac:spMk id="4" creationId="{79F6F5BA-B0FA-734E-925C-574BAA8800B8}"/>
           </ac:spMkLst>
         </pc:spChg>
+      </pc:sldChg>
+    </pc:docChg>
+  </pc:docChgLst>
+  <pc:docChgLst>
+    <pc:chgData name="משה עופר" userId="be54d6cb-761f-4aec-b214-5cfcb9fa6e02" providerId="ADAL" clId="{04FE4138-A820-4DEA-A3C2-D30F42797C1A}"/>
+    <pc:docChg chg="undo custSel addSld modSld">
+      <pc:chgData name="משה עופר" userId="be54d6cb-761f-4aec-b214-5cfcb9fa6e02" providerId="ADAL" clId="{04FE4138-A820-4DEA-A3C2-D30F42797C1A}" dt="2024-03-16T19:57:55.861" v="220" actId="20577"/>
+      <pc:docMkLst>
+        <pc:docMk/>
+      </pc:docMkLst>
+      <pc:sldChg chg="modSp mod">
+        <pc:chgData name="משה עופר" userId="be54d6cb-761f-4aec-b214-5cfcb9fa6e02" providerId="ADAL" clId="{04FE4138-A820-4DEA-A3C2-D30F42797C1A}" dt="2024-03-16T19:57:55.861" v="220" actId="20577"/>
+        <pc:sldMkLst>
+          <pc:docMk/>
+          <pc:sldMk cId="555736640" sldId="269"/>
+        </pc:sldMkLst>
+        <pc:spChg chg="mod">
+          <ac:chgData name="משה עופר" userId="be54d6cb-761f-4aec-b214-5cfcb9fa6e02" providerId="ADAL" clId="{04FE4138-A820-4DEA-A3C2-D30F42797C1A}" dt="2024-03-16T19:57:55.861" v="220" actId="20577"/>
+          <ac:spMkLst>
+            <pc:docMk/>
+            <pc:sldMk cId="555736640" sldId="269"/>
+            <ac:spMk id="3" creationId="{2C98C6DE-2FEB-CD22-EAB4-B22B1769E6E3}"/>
+          </ac:spMkLst>
+        </pc:spChg>
+      </pc:sldChg>
+      <pc:sldChg chg="delSp modSp mod">
+        <pc:chgData name="משה עופר" userId="be54d6cb-761f-4aec-b214-5cfcb9fa6e02" providerId="ADAL" clId="{04FE4138-A820-4DEA-A3C2-D30F42797C1A}" dt="2024-03-14T08:20:26.445" v="39" actId="1036"/>
+        <pc:sldMkLst>
+          <pc:docMk/>
+          <pc:sldMk cId="3350070873" sldId="270"/>
+        </pc:sldMkLst>
+        <pc:spChg chg="mod">
+          <ac:chgData name="משה עופר" userId="be54d6cb-761f-4aec-b214-5cfcb9fa6e02" providerId="ADAL" clId="{04FE4138-A820-4DEA-A3C2-D30F42797C1A}" dt="2024-03-14T08:20:20.752" v="13" actId="1076"/>
+          <ac:spMkLst>
+            <pc:docMk/>
+            <pc:sldMk cId="3350070873" sldId="270"/>
+            <ac:spMk id="5" creationId="{D2295257-9278-DDF5-A598-1C5FAE047A63}"/>
+          </ac:spMkLst>
+        </pc:spChg>
+        <pc:spChg chg="mod">
+          <ac:chgData name="משה עופר" userId="be54d6cb-761f-4aec-b214-5cfcb9fa6e02" providerId="ADAL" clId="{04FE4138-A820-4DEA-A3C2-D30F42797C1A}" dt="2024-03-14T08:20:26.445" v="39" actId="1036"/>
+          <ac:spMkLst>
+            <pc:docMk/>
+            <pc:sldMk cId="3350070873" sldId="270"/>
+            <ac:spMk id="7" creationId="{6A1737C0-7202-A403-5819-651E4A361067}"/>
+          </ac:spMkLst>
+        </pc:spChg>
+        <pc:spChg chg="del mod">
+          <ac:chgData name="משה עופר" userId="be54d6cb-761f-4aec-b214-5cfcb9fa6e02" providerId="ADAL" clId="{04FE4138-A820-4DEA-A3C2-D30F42797C1A}" dt="2024-03-14T08:20:03.982" v="10" actId="478"/>
+          <ac:spMkLst>
+            <pc:docMk/>
+            <pc:sldMk cId="3350070873" sldId="270"/>
+            <ac:spMk id="10" creationId="{D1BE9EF2-8D28-9D42-B6CA-E6EDAE44514A}"/>
+          </ac:spMkLst>
+        </pc:spChg>
+        <pc:spChg chg="del">
+          <ac:chgData name="משה עופר" userId="be54d6cb-761f-4aec-b214-5cfcb9fa6e02" providerId="ADAL" clId="{04FE4138-A820-4DEA-A3C2-D30F42797C1A}" dt="2024-03-14T08:20:08.552" v="11" actId="478"/>
+          <ac:spMkLst>
+            <pc:docMk/>
+            <pc:sldMk cId="3350070873" sldId="270"/>
+            <ac:spMk id="12" creationId="{ED7E58C2-BF80-2D01-84D9-4DE185C78195}"/>
+          </ac:spMkLst>
+        </pc:spChg>
+        <pc:spChg chg="del">
+          <ac:chgData name="משה עופר" userId="be54d6cb-761f-4aec-b214-5cfcb9fa6e02" providerId="ADAL" clId="{04FE4138-A820-4DEA-A3C2-D30F42797C1A}" dt="2024-03-14T08:20:10.371" v="12" actId="478"/>
+          <ac:spMkLst>
+            <pc:docMk/>
+            <pc:sldMk cId="3350070873" sldId="270"/>
+            <ac:spMk id="14" creationId="{66DD7CDE-F33E-F1E8-25A7-87E26F024CEA}"/>
+          </ac:spMkLst>
+        </pc:spChg>
+      </pc:sldChg>
+      <pc:sldChg chg="delSp modSp add mod">
+        <pc:chgData name="משה עופר" userId="be54d6cb-761f-4aec-b214-5cfcb9fa6e02" providerId="ADAL" clId="{04FE4138-A820-4DEA-A3C2-D30F42797C1A}" dt="2024-03-16T19:56:19.620" v="205" actId="1076"/>
+        <pc:sldMkLst>
+          <pc:docMk/>
+          <pc:sldMk cId="2287439076" sldId="273"/>
+        </pc:sldMkLst>
+        <pc:spChg chg="del">
+          <ac:chgData name="משה עופר" userId="be54d6cb-761f-4aec-b214-5cfcb9fa6e02" providerId="ADAL" clId="{04FE4138-A820-4DEA-A3C2-D30F42797C1A}" dt="2024-03-14T08:19:31.130" v="5" actId="478"/>
+          <ac:spMkLst>
+            <pc:docMk/>
+            <pc:sldMk cId="2287439076" sldId="273"/>
+            <ac:spMk id="5" creationId="{D2295257-9278-DDF5-A598-1C5FAE047A63}"/>
+          </ac:spMkLst>
+        </pc:spChg>
+        <pc:spChg chg="del mod">
+          <ac:chgData name="משה עופר" userId="be54d6cb-761f-4aec-b214-5cfcb9fa6e02" providerId="ADAL" clId="{04FE4138-A820-4DEA-A3C2-D30F42797C1A}" dt="2024-03-14T08:19:27.748" v="4" actId="478"/>
+          <ac:spMkLst>
+            <pc:docMk/>
+            <pc:sldMk cId="2287439076" sldId="273"/>
+            <ac:spMk id="7" creationId="{6A1737C0-7202-A403-5819-651E4A361067}"/>
+          </ac:spMkLst>
+        </pc:spChg>
+        <pc:spChg chg="mod">
+          <ac:chgData name="משה עופר" userId="be54d6cb-761f-4aec-b214-5cfcb9fa6e02" providerId="ADAL" clId="{04FE4138-A820-4DEA-A3C2-D30F42797C1A}" dt="2024-03-16T19:56:19.620" v="205" actId="1076"/>
+          <ac:spMkLst>
+            <pc:docMk/>
+            <pc:sldMk cId="2287439076" sldId="273"/>
+            <ac:spMk id="10" creationId="{D1BE9EF2-8D28-9D42-B6CA-E6EDAE44514A}"/>
+          </ac:spMkLst>
+        </pc:spChg>
+        <pc:spChg chg="mod">
+          <ac:chgData name="משה עופר" userId="be54d6cb-761f-4aec-b214-5cfcb9fa6e02" providerId="ADAL" clId="{04FE4138-A820-4DEA-A3C2-D30F42797C1A}" dt="2024-03-16T19:56:19.620" v="205" actId="1076"/>
+          <ac:spMkLst>
+            <pc:docMk/>
+            <pc:sldMk cId="2287439076" sldId="273"/>
+            <ac:spMk id="12" creationId="{ED7E58C2-BF80-2D01-84D9-4DE185C78195}"/>
+          </ac:spMkLst>
+        </pc:spChg>
+        <pc:spChg chg="del mod">
+          <ac:chgData name="משה עופר" userId="be54d6cb-761f-4aec-b214-5cfcb9fa6e02" providerId="ADAL" clId="{04FE4138-A820-4DEA-A3C2-D30F42797C1A}" dt="2024-03-16T19:55:45.874" v="170" actId="478"/>
+          <ac:spMkLst>
+            <pc:docMk/>
+            <pc:sldMk cId="2287439076" sldId="273"/>
+            <ac:spMk id="14" creationId="{66DD7CDE-F33E-F1E8-25A7-87E26F024CEA}"/>
+          </ac:spMkLst>
+        </pc:spChg>
+      </pc:sldChg>
+      <pc:sldChg chg="delSp modSp add mod">
+        <pc:chgData name="משה עופר" userId="be54d6cb-761f-4aec-b214-5cfcb9fa6e02" providerId="ADAL" clId="{04FE4138-A820-4DEA-A3C2-D30F42797C1A}" dt="2024-03-16T19:56:08.899" v="203" actId="1076"/>
+        <pc:sldMkLst>
+          <pc:docMk/>
+          <pc:sldMk cId="878081215" sldId="274"/>
+        </pc:sldMkLst>
+        <pc:spChg chg="del">
+          <ac:chgData name="משה עופר" userId="be54d6cb-761f-4aec-b214-5cfcb9fa6e02" providerId="ADAL" clId="{04FE4138-A820-4DEA-A3C2-D30F42797C1A}" dt="2024-03-16T19:56:04.234" v="202" actId="478"/>
+          <ac:spMkLst>
+            <pc:docMk/>
+            <pc:sldMk cId="878081215" sldId="274"/>
+            <ac:spMk id="10" creationId="{D1BE9EF2-8D28-9D42-B6CA-E6EDAE44514A}"/>
+          </ac:spMkLst>
+        </pc:spChg>
+        <pc:spChg chg="del">
+          <ac:chgData name="משה עופר" userId="be54d6cb-761f-4aec-b214-5cfcb9fa6e02" providerId="ADAL" clId="{04FE4138-A820-4DEA-A3C2-D30F42797C1A}" dt="2024-03-16T19:56:02.638" v="201" actId="478"/>
+          <ac:spMkLst>
+            <pc:docMk/>
+            <pc:sldMk cId="878081215" sldId="274"/>
+            <ac:spMk id="12" creationId="{ED7E58C2-BF80-2D01-84D9-4DE185C78195}"/>
+          </ac:spMkLst>
+        </pc:spChg>
+        <pc:spChg chg="mod">
+          <ac:chgData name="משה עופר" userId="be54d6cb-761f-4aec-b214-5cfcb9fa6e02" providerId="ADAL" clId="{04FE4138-A820-4DEA-A3C2-D30F42797C1A}" dt="2024-03-16T19:56:08.899" v="203" actId="1076"/>
+          <ac:spMkLst>
+            <pc:docMk/>
+            <pc:sldMk cId="878081215" sldId="274"/>
+            <ac:spMk id="14" creationId="{66DD7CDE-F33E-F1E8-25A7-87E26F024CEA}"/>
+          </ac:spMkLst>
+        </pc:spChg>
+      </pc:sldChg>
+      <pc:sldChg chg="addSp delSp modSp new mod setBg">
+        <pc:chgData name="משה עופר" userId="be54d6cb-761f-4aec-b214-5cfcb9fa6e02" providerId="ADAL" clId="{04FE4138-A820-4DEA-A3C2-D30F42797C1A}" dt="2024-03-16T19:55:10.710" v="165" actId="478"/>
+        <pc:sldMkLst>
+          <pc:docMk/>
+          <pc:sldMk cId="1295766901" sldId="275"/>
+        </pc:sldMkLst>
+        <pc:spChg chg="mod ord">
+          <ac:chgData name="משה עופר" userId="be54d6cb-761f-4aec-b214-5cfcb9fa6e02" providerId="ADAL" clId="{04FE4138-A820-4DEA-A3C2-D30F42797C1A}" dt="2024-03-16T19:54:30.725" v="153" actId="26606"/>
+          <ac:spMkLst>
+            <pc:docMk/>
+            <pc:sldMk cId="1295766901" sldId="275"/>
+            <ac:spMk id="2" creationId="{3AA9A1D1-C80F-700A-B20E-842F574844DD}"/>
+          </ac:spMkLst>
+        </pc:spChg>
+        <pc:spChg chg="add del mod">
+          <ac:chgData name="משה עופר" userId="be54d6cb-761f-4aec-b214-5cfcb9fa6e02" providerId="ADAL" clId="{04FE4138-A820-4DEA-A3C2-D30F42797C1A}" dt="2024-03-16T19:55:06.268" v="163" actId="26606"/>
+          <ac:spMkLst>
+            <pc:docMk/>
+            <pc:sldMk cId="1295766901" sldId="275"/>
+            <ac:spMk id="3" creationId="{B7E0454F-0790-FD8D-2A15-8E15D73B64C4}"/>
+          </ac:spMkLst>
+        </pc:spChg>
+        <pc:spChg chg="mod">
+          <ac:chgData name="משה עופר" userId="be54d6cb-761f-4aec-b214-5cfcb9fa6e02" providerId="ADAL" clId="{04FE4138-A820-4DEA-A3C2-D30F42797C1A}" dt="2024-03-16T19:54:30.725" v="153" actId="26606"/>
+          <ac:spMkLst>
+            <pc:docMk/>
+            <pc:sldMk cId="1295766901" sldId="275"/>
+            <ac:spMk id="4" creationId="{5E8C4209-4099-456E-2A9B-1C2F2606482B}"/>
+          </ac:spMkLst>
+        </pc:spChg>
+        <pc:spChg chg="add del mod ord">
+          <ac:chgData name="משה עופר" userId="be54d6cb-761f-4aec-b214-5cfcb9fa6e02" providerId="ADAL" clId="{04FE4138-A820-4DEA-A3C2-D30F42797C1A}" dt="2024-03-16T19:55:10.710" v="165" actId="478"/>
+          <ac:spMkLst>
+            <pc:docMk/>
+            <pc:sldMk cId="1295766901" sldId="275"/>
+            <ac:spMk id="7" creationId="{90C1BD45-8E04-EBD4-4685-B6C4AE4A2952}"/>
+          </ac:spMkLst>
+        </pc:spChg>
+        <pc:spChg chg="add">
+          <ac:chgData name="משה עופר" userId="be54d6cb-761f-4aec-b214-5cfcb9fa6e02" providerId="ADAL" clId="{04FE4138-A820-4DEA-A3C2-D30F42797C1A}" dt="2024-03-16T19:54:30.725" v="153" actId="26606"/>
+          <ac:spMkLst>
+            <pc:docMk/>
+            <pc:sldMk cId="1295766901" sldId="275"/>
+            <ac:spMk id="1031" creationId="{CAF2918A-1C5B-42DB-81F0-39DF7ED153D9}"/>
+          </ac:spMkLst>
+        </pc:spChg>
+        <pc:graphicFrameChg chg="add del">
+          <ac:chgData name="משה עופר" userId="be54d6cb-761f-4aec-b214-5cfcb9fa6e02" providerId="ADAL" clId="{04FE4138-A820-4DEA-A3C2-D30F42797C1A}" dt="2024-03-16T19:54:57.718" v="157" actId="26606"/>
+          <ac:graphicFrameMkLst>
+            <pc:docMk/>
+            <pc:sldMk cId="1295766901" sldId="275"/>
+            <ac:graphicFrameMk id="1037" creationId="{53341A6C-AFFB-85D8-C473-19C4814B763B}"/>
+          </ac:graphicFrameMkLst>
+        </pc:graphicFrameChg>
+        <pc:graphicFrameChg chg="add del">
+          <ac:chgData name="משה עופר" userId="be54d6cb-761f-4aec-b214-5cfcb9fa6e02" providerId="ADAL" clId="{04FE4138-A820-4DEA-A3C2-D30F42797C1A}" dt="2024-03-16T19:55:01.357" v="159" actId="26606"/>
+          <ac:graphicFrameMkLst>
+            <pc:docMk/>
+            <pc:sldMk cId="1295766901" sldId="275"/>
+            <ac:graphicFrameMk id="1039" creationId="{6AD90724-4092-F598-CD3A-424414D11FA2}"/>
+          </ac:graphicFrameMkLst>
+        </pc:graphicFrameChg>
+        <pc:graphicFrameChg chg="add del">
+          <ac:chgData name="משה עופר" userId="be54d6cb-761f-4aec-b214-5cfcb9fa6e02" providerId="ADAL" clId="{04FE4138-A820-4DEA-A3C2-D30F42797C1A}" dt="2024-03-16T19:55:04.359" v="161" actId="26606"/>
+          <ac:graphicFrameMkLst>
+            <pc:docMk/>
+            <pc:sldMk cId="1295766901" sldId="275"/>
+            <ac:graphicFrameMk id="1041" creationId="{54EF08C2-8250-DF84-78E1-038EE1D934D7}"/>
+          </ac:graphicFrameMkLst>
+        </pc:graphicFrameChg>
+        <pc:graphicFrameChg chg="add del">
+          <ac:chgData name="משה עופר" userId="be54d6cb-761f-4aec-b214-5cfcb9fa6e02" providerId="ADAL" clId="{04FE4138-A820-4DEA-A3C2-D30F42797C1A}" dt="2024-03-16T19:55:06.268" v="163" actId="26606"/>
+          <ac:graphicFrameMkLst>
+            <pc:docMk/>
+            <pc:sldMk cId="1295766901" sldId="275"/>
+            <ac:graphicFrameMk id="1043" creationId="{6C7ADB43-00DC-8CE8-A6BD-7382ACDEC9C8}"/>
+          </ac:graphicFrameMkLst>
+        </pc:graphicFrameChg>
+        <pc:picChg chg="add mod ord">
+          <ac:chgData name="משה עופר" userId="be54d6cb-761f-4aec-b214-5cfcb9fa6e02" providerId="ADAL" clId="{04FE4138-A820-4DEA-A3C2-D30F42797C1A}" dt="2024-03-16T19:54:30.725" v="153" actId="26606"/>
+          <ac:picMkLst>
+            <pc:docMk/>
+            <pc:sldMk cId="1295766901" sldId="275"/>
+            <ac:picMk id="6" creationId="{E9C6D1B9-6965-D1F1-B931-7FF867C5E8A1}"/>
+          </ac:picMkLst>
+        </pc:picChg>
+        <pc:picChg chg="add mod ord">
+          <ac:chgData name="משה עופר" userId="be54d6cb-761f-4aec-b214-5cfcb9fa6e02" providerId="ADAL" clId="{04FE4138-A820-4DEA-A3C2-D30F42797C1A}" dt="2024-03-16T19:54:30.725" v="153" actId="26606"/>
+          <ac:picMkLst>
+            <pc:docMk/>
+            <pc:sldMk cId="1295766901" sldId="275"/>
+            <ac:picMk id="1026" creationId="{53F502D6-CDAD-A4DD-99F0-0F855F88AC47}"/>
+          </ac:picMkLst>
+        </pc:picChg>
+        <pc:picChg chg="add">
+          <ac:chgData name="משה עופר" userId="be54d6cb-761f-4aec-b214-5cfcb9fa6e02" providerId="ADAL" clId="{04FE4138-A820-4DEA-A3C2-D30F42797C1A}" dt="2024-03-16T19:54:30.725" v="153" actId="26606"/>
+          <ac:picMkLst>
+            <pc:docMk/>
+            <pc:sldMk cId="1295766901" sldId="275"/>
+            <ac:picMk id="1033" creationId="{25F6D9BC-491D-426B-8C90-6B090419E142}"/>
+          </ac:picMkLst>
+        </pc:picChg>
+        <pc:picChg chg="add">
+          <ac:chgData name="משה עופר" userId="be54d6cb-761f-4aec-b214-5cfcb9fa6e02" providerId="ADAL" clId="{04FE4138-A820-4DEA-A3C2-D30F42797C1A}" dt="2024-03-16T19:54:30.725" v="153" actId="26606"/>
+          <ac:picMkLst>
+            <pc:docMk/>
+            <pc:sldMk cId="1295766901" sldId="275"/>
+            <ac:picMk id="1035" creationId="{B7F1914C-EC2D-465E-A932-04CD9F4E2979}"/>
+          </ac:picMkLst>
+        </pc:picChg>
       </pc:sldChg>
     </pc:docChg>
   </pc:docChgLst>
@@ -3456,7 +3727,7 @@
             <a:pPr algn="l" rtl="1"/>
             <a:fld id="{A19057D7-29C8-4098-AA5A-D5B5080A0273}" type="datetime1">
               <a:rPr lang="he-IL" smtClean="0"/>
-              <a:t>ב'/אדר ב/תשפ"ד</a:t>
+              <a:t>ו'/אדר ב/תשפ"ד</a:t>
             </a:fld>
             <a:endParaRPr lang="en-US" dirty="0"/>
           </a:p>
@@ -3631,7 +3902,7 @@
             <a:pPr rtl="1"/>
             <a:fld id="{487BAAEE-F7BD-4A16-8518-0FD93306B6A0}" type="datetime1">
               <a:rPr lang="he-IL" smtClean="0"/>
-              <a:t>ב'/אדר ב/תשפ"ד</a:t>
+              <a:t>ו'/אדר ב/תשפ"ד</a:t>
             </a:fld>
             <a:endParaRPr lang="en-US"/>
           </a:p>
@@ -10727,10 +10998,337 @@
       </p:grpSpPr>
       <p:sp>
         <p:nvSpPr>
+          <p:cNvPr id="2" name="Title 1">
+            <a:extLst>
+              <a:ext uri="{FF2B5EF4-FFF2-40B4-BE49-F238E27FC236}">
+                <a16:creationId xmlns:a16="http://schemas.microsoft.com/office/drawing/2014/main" id="{90728A61-CFF8-327A-C90A-08403A02FB88}"/>
+              </a:ext>
+            </a:extLst>
+          </p:cNvPr>
+          <p:cNvSpPr>
+            <a:spLocks noGrp="1"/>
+          </p:cNvSpPr>
+          <p:nvPr>
+            <p:ph type="title"/>
+          </p:nvPr>
+        </p:nvSpPr>
+        <p:spPr/>
+        <p:txBody>
+          <a:bodyPr/>
+          <a:lstStyle/>
+          <a:p>
+            <a:pPr algn="ctr"/>
+            <a:r>
+              <a:rPr lang="he-IL" dirty="0"/>
+              <a:t>תרגילים</a:t>
+            </a:r>
+          </a:p>
+        </p:txBody>
+      </p:sp>
+      <p:sp>
+        <p:nvSpPr>
+          <p:cNvPr id="3" name="Content Placeholder 2">
+            <a:extLst>
+              <a:ext uri="{FF2B5EF4-FFF2-40B4-BE49-F238E27FC236}">
+                <a16:creationId xmlns:a16="http://schemas.microsoft.com/office/drawing/2014/main" id="{2C98C6DE-2FEB-CD22-EAB4-B22B1769E6E3}"/>
+              </a:ext>
+            </a:extLst>
+          </p:cNvPr>
+          <p:cNvSpPr>
+            <a:spLocks noGrp="1"/>
+          </p:cNvSpPr>
+          <p:nvPr>
+            <p:ph idx="1"/>
+          </p:nvPr>
+        </p:nvSpPr>
+        <p:spPr/>
+        <p:txBody>
+          <a:bodyPr/>
+          <a:lstStyle/>
+          <a:p>
+            <a:pPr algn="r" rtl="1"/>
+            <a:r>
+              <a:rPr lang="he-IL" sz="1800" b="1" dirty="0">
+                <a:effectLst/>
+                <a:latin typeface="Times New Roman" panose="02020603050405020304" pitchFamily="18" charset="0"/>
+                <a:ea typeface="Times New Roman" panose="02020603050405020304" pitchFamily="18" charset="0"/>
+              </a:rPr>
+              <a:t>שאלה 1</a:t>
+            </a:r>
+            <a:endParaRPr lang="en-US" sz="1800" dirty="0">
+              <a:effectLst/>
+              <a:latin typeface="Times New Roman" panose="02020603050405020304" pitchFamily="18" charset="0"/>
+              <a:ea typeface="Times New Roman" panose="02020603050405020304" pitchFamily="18" charset="0"/>
+            </a:endParaRPr>
+          </a:p>
+          <a:p>
+            <a:pPr marL="0" indent="0" algn="r" rtl="1">
+              <a:buNone/>
+            </a:pPr>
+            <a:r>
+              <a:rPr lang="he-IL" sz="1800" dirty="0">
+                <a:effectLst/>
+                <a:latin typeface="Times New Roman" panose="02020603050405020304" pitchFamily="18" charset="0"/>
+                <a:ea typeface="Times New Roman" panose="02020603050405020304" pitchFamily="18" charset="0"/>
+              </a:rPr>
+              <a:t>כתוב תכנית ב-</a:t>
+            </a:r>
+            <a:r>
+              <a:rPr lang="en-US" sz="1800" dirty="0">
+                <a:effectLst/>
+                <a:latin typeface="Times New Roman" panose="02020603050405020304" pitchFamily="18" charset="0"/>
+                <a:ea typeface="Times New Roman" panose="02020603050405020304" pitchFamily="18" charset="0"/>
+              </a:rPr>
+              <a:t>JAVA</a:t>
+            </a:r>
+            <a:r>
+              <a:rPr lang="he-IL" sz="1800" dirty="0">
+                <a:effectLst/>
+                <a:latin typeface="Times New Roman" panose="02020603050405020304" pitchFamily="18" charset="0"/>
+                <a:ea typeface="Times New Roman" panose="02020603050405020304" pitchFamily="18" charset="0"/>
+              </a:rPr>
+              <a:t>  המבצעת הפעולות הבאות: </a:t>
+            </a:r>
+            <a:endParaRPr lang="en-US" sz="1800" dirty="0">
+              <a:effectLst/>
+              <a:latin typeface="Times New Roman" panose="02020603050405020304" pitchFamily="18" charset="0"/>
+              <a:ea typeface="Times New Roman" panose="02020603050405020304" pitchFamily="18" charset="0"/>
+            </a:endParaRPr>
+          </a:p>
+          <a:p>
+            <a:pPr marL="342900" lvl="0" indent="-342900" algn="r" rtl="1">
+              <a:buFont typeface="+mj-cs"/>
+              <a:buAutoNum type="hebrew2Minus"/>
+            </a:pPr>
+            <a:r>
+              <a:rPr lang="he-IL" sz="1800" dirty="0">
+                <a:effectLst/>
+                <a:latin typeface="Times New Roman" panose="02020603050405020304" pitchFamily="18" charset="0"/>
+                <a:ea typeface="Times New Roman" panose="02020603050405020304" pitchFamily="18" charset="0"/>
+              </a:rPr>
+              <a:t>קולטת שני מספרים שלמים. אחד למשתנה בשם </a:t>
+            </a:r>
+            <a:r>
+              <a:rPr lang="en-US" sz="1800" dirty="0">
+                <a:effectLst/>
+                <a:latin typeface="Times New Roman" panose="02020603050405020304" pitchFamily="18" charset="0"/>
+                <a:ea typeface="Times New Roman" panose="02020603050405020304" pitchFamily="18" charset="0"/>
+              </a:rPr>
+              <a:t>A</a:t>
+            </a:r>
+            <a:r>
+              <a:rPr lang="he-IL" sz="1800" dirty="0">
+                <a:effectLst/>
+                <a:latin typeface="Times New Roman" panose="02020603050405020304" pitchFamily="18" charset="0"/>
+                <a:ea typeface="Times New Roman" panose="02020603050405020304" pitchFamily="18" charset="0"/>
+              </a:rPr>
+              <a:t> ואחר למשתנה בשם </a:t>
+            </a:r>
+            <a:r>
+              <a:rPr lang="en-US" sz="1800" dirty="0">
+                <a:effectLst/>
+                <a:latin typeface="Times New Roman" panose="02020603050405020304" pitchFamily="18" charset="0"/>
+                <a:ea typeface="Times New Roman" panose="02020603050405020304" pitchFamily="18" charset="0"/>
+              </a:rPr>
+              <a:t>b</a:t>
+            </a:r>
+            <a:r>
+              <a:rPr lang="he-IL" sz="1800" dirty="0">
+                <a:effectLst/>
+                <a:latin typeface="Times New Roman" panose="02020603050405020304" pitchFamily="18" charset="0"/>
+                <a:ea typeface="Times New Roman" panose="02020603050405020304" pitchFamily="18" charset="0"/>
+              </a:rPr>
+              <a:t>.</a:t>
+            </a:r>
+            <a:endParaRPr lang="en-US" sz="1800" dirty="0">
+              <a:effectLst/>
+              <a:latin typeface="Times New Roman" panose="02020603050405020304" pitchFamily="18" charset="0"/>
+              <a:ea typeface="Times New Roman" panose="02020603050405020304" pitchFamily="18" charset="0"/>
+            </a:endParaRPr>
+          </a:p>
+          <a:p>
+            <a:pPr marL="342900" lvl="0" indent="-342900" algn="r" rtl="1">
+              <a:buFont typeface="+mj-cs"/>
+              <a:buAutoNum type="hebrew2Minus"/>
+            </a:pPr>
+            <a:r>
+              <a:rPr lang="he-IL" sz="1800" dirty="0">
+                <a:effectLst/>
+                <a:latin typeface="Times New Roman" panose="02020603050405020304" pitchFamily="18" charset="0"/>
+                <a:ea typeface="Times New Roman" panose="02020603050405020304" pitchFamily="18" charset="0"/>
+              </a:rPr>
+              <a:t>מדפיסה את תוכן התאים של </a:t>
+            </a:r>
+            <a:r>
+              <a:rPr lang="en-US" sz="1800" dirty="0">
+                <a:effectLst/>
+                <a:latin typeface="Times New Roman" panose="02020603050405020304" pitchFamily="18" charset="0"/>
+                <a:ea typeface="Times New Roman" panose="02020603050405020304" pitchFamily="18" charset="0"/>
+              </a:rPr>
+              <a:t>a</a:t>
+            </a:r>
+            <a:r>
+              <a:rPr lang="he-IL" sz="1800" dirty="0">
+                <a:effectLst/>
+                <a:latin typeface="Times New Roman" panose="02020603050405020304" pitchFamily="18" charset="0"/>
+                <a:ea typeface="Times New Roman" panose="02020603050405020304" pitchFamily="18" charset="0"/>
+              </a:rPr>
+              <a:t> ו- </a:t>
+            </a:r>
+            <a:r>
+              <a:rPr lang="en-US" sz="1800" dirty="0">
+                <a:effectLst/>
+                <a:latin typeface="Times New Roman" panose="02020603050405020304" pitchFamily="18" charset="0"/>
+                <a:ea typeface="Times New Roman" panose="02020603050405020304" pitchFamily="18" charset="0"/>
+              </a:rPr>
+              <a:t>b </a:t>
+            </a:r>
+            <a:r>
+              <a:rPr lang="he-IL" sz="1800" dirty="0">
+                <a:effectLst/>
+                <a:latin typeface="Times New Roman" panose="02020603050405020304" pitchFamily="18" charset="0"/>
+                <a:ea typeface="Times New Roman" panose="02020603050405020304" pitchFamily="18" charset="0"/>
+              </a:rPr>
+              <a:t> למסך.</a:t>
+            </a:r>
+            <a:endParaRPr lang="en-US" sz="1800" dirty="0">
+              <a:effectLst/>
+              <a:latin typeface="Times New Roman" panose="02020603050405020304" pitchFamily="18" charset="0"/>
+              <a:ea typeface="Times New Roman" panose="02020603050405020304" pitchFamily="18" charset="0"/>
+            </a:endParaRPr>
+          </a:p>
+          <a:p>
+            <a:pPr marL="342900" lvl="0" indent="-342900" algn="r" rtl="1">
+              <a:buFont typeface="+mj-cs"/>
+              <a:buAutoNum type="hebrew2Minus"/>
+            </a:pPr>
+            <a:r>
+              <a:rPr lang="he-IL" sz="1800" dirty="0">
+                <a:effectLst/>
+                <a:latin typeface="Times New Roman" panose="02020603050405020304" pitchFamily="18" charset="0"/>
+                <a:ea typeface="Times New Roman" panose="02020603050405020304" pitchFamily="18" charset="0"/>
+              </a:rPr>
+              <a:t>מחליפה את הערכים של התאים </a:t>
+            </a:r>
+            <a:r>
+              <a:rPr lang="en-US" sz="1800" dirty="0">
+                <a:effectLst/>
+                <a:latin typeface="Times New Roman" panose="02020603050405020304" pitchFamily="18" charset="0"/>
+                <a:ea typeface="Times New Roman" panose="02020603050405020304" pitchFamily="18" charset="0"/>
+              </a:rPr>
+              <a:t>a</a:t>
+            </a:r>
+            <a:r>
+              <a:rPr lang="he-IL" sz="1800" dirty="0">
+                <a:effectLst/>
+                <a:latin typeface="Times New Roman" panose="02020603050405020304" pitchFamily="18" charset="0"/>
+                <a:ea typeface="Times New Roman" panose="02020603050405020304" pitchFamily="18" charset="0"/>
+              </a:rPr>
+              <a:t> ו- </a:t>
+            </a:r>
+            <a:r>
+              <a:rPr lang="en-US" sz="1800" dirty="0">
+                <a:effectLst/>
+                <a:latin typeface="Times New Roman" panose="02020603050405020304" pitchFamily="18" charset="0"/>
+                <a:ea typeface="Times New Roman" panose="02020603050405020304" pitchFamily="18" charset="0"/>
+              </a:rPr>
+              <a:t>b</a:t>
+            </a:r>
+            <a:r>
+              <a:rPr lang="he-IL" sz="1800" dirty="0">
+                <a:effectLst/>
+                <a:latin typeface="Times New Roman" panose="02020603050405020304" pitchFamily="18" charset="0"/>
+                <a:ea typeface="Times New Roman" panose="02020603050405020304" pitchFamily="18" charset="0"/>
+              </a:rPr>
+              <a:t>. כלומר אם נקלטו </a:t>
+            </a:r>
+            <a:r>
+              <a:rPr lang="en-US" sz="1800" dirty="0">
+                <a:effectLst/>
+                <a:latin typeface="Times New Roman" panose="02020603050405020304" pitchFamily="18" charset="0"/>
+                <a:ea typeface="Times New Roman" panose="02020603050405020304" pitchFamily="18" charset="0"/>
+              </a:rPr>
+              <a:t>a=3, b=8</a:t>
+            </a:r>
+            <a:r>
+              <a:rPr lang="he-IL" sz="1800" dirty="0">
+                <a:effectLst/>
+                <a:latin typeface="Times New Roman" panose="02020603050405020304" pitchFamily="18" charset="0"/>
+                <a:ea typeface="Times New Roman" panose="02020603050405020304" pitchFamily="18" charset="0"/>
+              </a:rPr>
+              <a:t> ,אחרי ההחלפה צריך להיות </a:t>
+            </a:r>
+            <a:r>
+              <a:rPr lang="en-US" sz="1800" dirty="0">
+                <a:effectLst/>
+                <a:latin typeface="Times New Roman" panose="02020603050405020304" pitchFamily="18" charset="0"/>
+                <a:ea typeface="Times New Roman" panose="02020603050405020304" pitchFamily="18" charset="0"/>
+              </a:rPr>
+              <a:t>a=8, b=3</a:t>
+            </a:r>
+          </a:p>
+          <a:p>
+            <a:pPr marL="342900" lvl="0" indent="-342900" algn="r" rtl="1">
+              <a:buFont typeface="+mj-cs"/>
+              <a:buAutoNum type="hebrew2Minus"/>
+            </a:pPr>
+            <a:r>
+              <a:rPr lang="he-IL" sz="1800" dirty="0">
+                <a:effectLst/>
+                <a:latin typeface="Times New Roman" panose="02020603050405020304" pitchFamily="18" charset="0"/>
+                <a:ea typeface="Times New Roman" panose="02020603050405020304" pitchFamily="18" charset="0"/>
+              </a:rPr>
+              <a:t>מדפיסה את תוכן התאים של </a:t>
+            </a:r>
+            <a:r>
+              <a:rPr lang="en-US" sz="1800" dirty="0">
+                <a:effectLst/>
+                <a:latin typeface="Times New Roman" panose="02020603050405020304" pitchFamily="18" charset="0"/>
+                <a:ea typeface="Times New Roman" panose="02020603050405020304" pitchFamily="18" charset="0"/>
+              </a:rPr>
+              <a:t>a</a:t>
+            </a:r>
+            <a:r>
+              <a:rPr lang="he-IL" sz="1800" dirty="0">
+                <a:effectLst/>
+                <a:latin typeface="Times New Roman" panose="02020603050405020304" pitchFamily="18" charset="0"/>
+                <a:ea typeface="Times New Roman" panose="02020603050405020304" pitchFamily="18" charset="0"/>
+              </a:rPr>
+              <a:t> ו- </a:t>
+            </a:r>
+            <a:r>
+              <a:rPr lang="en-US" sz="1800" dirty="0">
+                <a:effectLst/>
+                <a:latin typeface="Times New Roman" panose="02020603050405020304" pitchFamily="18" charset="0"/>
+                <a:ea typeface="Times New Roman" panose="02020603050405020304" pitchFamily="18" charset="0"/>
+              </a:rPr>
+              <a:t>b </a:t>
+            </a:r>
+            <a:r>
+              <a:rPr lang="he-IL" sz="1800" dirty="0">
+                <a:effectLst/>
+                <a:latin typeface="Times New Roman" panose="02020603050405020304" pitchFamily="18" charset="0"/>
+                <a:ea typeface="Times New Roman" panose="02020603050405020304" pitchFamily="18" charset="0"/>
+              </a:rPr>
+              <a:t> למסך. (וע"י זה לבדוק שסעיף ג התבצע כמו שצריך).</a:t>
+            </a:r>
+            <a:endParaRPr lang="en-US" sz="1800" dirty="0">
+              <a:effectLst/>
+              <a:latin typeface="Times New Roman" panose="02020603050405020304" pitchFamily="18" charset="0"/>
+              <a:ea typeface="Times New Roman" panose="02020603050405020304" pitchFamily="18" charset="0"/>
+            </a:endParaRPr>
+          </a:p>
+          <a:p>
+            <a:endParaRPr lang="he-IL" dirty="0"/>
+          </a:p>
+        </p:txBody>
+      </p:sp>
+      <p:sp>
+        <p:nvSpPr>
           <p:cNvPr id="4" name="Slide Number Placeholder 3">
             <a:extLst>
               <a:ext uri="{FF2B5EF4-FFF2-40B4-BE49-F238E27FC236}">
-                <a16:creationId xmlns:a16="http://schemas.microsoft.com/office/drawing/2014/main" id="{308F1FDA-B83E-7ED4-371D-003C96C51AF5}"/>
+                <a16:creationId xmlns:a16="http://schemas.microsoft.com/office/drawing/2014/main" id="{560CA74C-B897-CB23-1555-BF09F73E8214}"/>
               </a:ext>
             </a:extLst>
           </p:cNvPr>
@@ -10756,472 +11354,10 @@
           </a:p>
         </p:txBody>
       </p:sp>
-      <p:sp>
-        <p:nvSpPr>
-          <p:cNvPr id="5" name="TextBox 4">
-            <a:extLst>
-              <a:ext uri="{FF2B5EF4-FFF2-40B4-BE49-F238E27FC236}">
-                <a16:creationId xmlns:a16="http://schemas.microsoft.com/office/drawing/2014/main" id="{D2295257-9278-DDF5-A598-1C5FAE047A63}"/>
-              </a:ext>
-            </a:extLst>
-          </p:cNvPr>
-          <p:cNvSpPr txBox="1"/>
-          <p:nvPr/>
-        </p:nvSpPr>
-        <p:spPr>
-          <a:xfrm>
-            <a:off x="2007853" y="842666"/>
-            <a:ext cx="8980344" cy="923330"/>
-          </a:xfrm>
-          <a:prstGeom prst="rect">
-            <a:avLst/>
-          </a:prstGeom>
-          <a:noFill/>
-        </p:spPr>
-        <p:txBody>
-          <a:bodyPr wrap="none" rtlCol="1">
-            <a:spAutoFit/>
-          </a:bodyPr>
-          <a:lstStyle/>
-          <a:p>
-            <a:pPr algn="r" rtl="1"/>
-            <a:r>
-              <a:rPr lang="he-IL" sz="1800" b="1" dirty="0">
-                <a:effectLst/>
-                <a:latin typeface="Times New Roman" panose="02020603050405020304" pitchFamily="18" charset="0"/>
-                <a:ea typeface="Times New Roman" panose="02020603050405020304" pitchFamily="18" charset="0"/>
-              </a:rPr>
-              <a:t>שאלה 2</a:t>
-            </a:r>
-            <a:endParaRPr lang="en-US" sz="1800" dirty="0">
-              <a:effectLst/>
-              <a:latin typeface="Times New Roman" panose="02020603050405020304" pitchFamily="18" charset="0"/>
-              <a:ea typeface="Times New Roman" panose="02020603050405020304" pitchFamily="18" charset="0"/>
-            </a:endParaRPr>
-          </a:p>
-          <a:p>
-            <a:pPr algn="r" rtl="1"/>
-            <a:r>
-              <a:rPr lang="he-IL" sz="1800" dirty="0">
-                <a:effectLst/>
-                <a:latin typeface="Times New Roman" panose="02020603050405020304" pitchFamily="18" charset="0"/>
-                <a:ea typeface="Times New Roman" panose="02020603050405020304" pitchFamily="18" charset="0"/>
-              </a:rPr>
-              <a:t>כתוב תוכנית הקולטת מן המשתמש שני מספרים שלמים. חשב והדפס את הממוצע שלהם  בשלמים.</a:t>
-            </a:r>
-            <a:endParaRPr lang="en-US" sz="1800" dirty="0">
-              <a:effectLst/>
-              <a:latin typeface="Times New Roman" panose="02020603050405020304" pitchFamily="18" charset="0"/>
-              <a:ea typeface="Times New Roman" panose="02020603050405020304" pitchFamily="18" charset="0"/>
-            </a:endParaRPr>
-          </a:p>
-          <a:p>
-            <a:endParaRPr lang="he-IL" dirty="0"/>
-          </a:p>
-        </p:txBody>
-      </p:sp>
-      <p:sp>
-        <p:nvSpPr>
-          <p:cNvPr id="7" name="TextBox 6">
-            <a:extLst>
-              <a:ext uri="{FF2B5EF4-FFF2-40B4-BE49-F238E27FC236}">
-                <a16:creationId xmlns:a16="http://schemas.microsoft.com/office/drawing/2014/main" id="{6A1737C0-7202-A403-5819-651E4A361067}"/>
-              </a:ext>
-            </a:extLst>
-          </p:cNvPr>
-          <p:cNvSpPr txBox="1"/>
-          <p:nvPr/>
-        </p:nvSpPr>
-        <p:spPr>
-          <a:xfrm>
-            <a:off x="4892197" y="1765996"/>
-            <a:ext cx="6096000" cy="923330"/>
-          </a:xfrm>
-          <a:prstGeom prst="rect">
-            <a:avLst/>
-          </a:prstGeom>
-          <a:noFill/>
-        </p:spPr>
-        <p:txBody>
-          <a:bodyPr wrap="square">
-            <a:spAutoFit/>
-          </a:bodyPr>
-          <a:lstStyle/>
-          <a:p>
-            <a:pPr algn="r" rtl="1"/>
-            <a:r>
-              <a:rPr lang="he-IL" sz="1800" b="1" dirty="0">
-                <a:effectLst/>
-                <a:latin typeface="Times New Roman" panose="02020603050405020304" pitchFamily="18" charset="0"/>
-                <a:ea typeface="Times New Roman" panose="02020603050405020304" pitchFamily="18" charset="0"/>
-              </a:rPr>
-              <a:t>שאלה 3</a:t>
-            </a:r>
-            <a:endParaRPr lang="en-US" sz="1800" dirty="0">
-              <a:effectLst/>
-              <a:latin typeface="Times New Roman" panose="02020603050405020304" pitchFamily="18" charset="0"/>
-              <a:ea typeface="Times New Roman" panose="02020603050405020304" pitchFamily="18" charset="0"/>
-            </a:endParaRPr>
-          </a:p>
-          <a:p>
-            <a:pPr algn="r" rtl="1"/>
-            <a:r>
-              <a:rPr lang="he-IL" sz="1800" dirty="0">
-                <a:effectLst/>
-                <a:latin typeface="Times New Roman" panose="02020603050405020304" pitchFamily="18" charset="0"/>
-                <a:ea typeface="Times New Roman" panose="02020603050405020304" pitchFamily="18" charset="0"/>
-              </a:rPr>
-              <a:t>כתוב תוכנית הקולטת שני מספרים ממשיים, חשב והדפס את הממוצע שלהם.</a:t>
-            </a:r>
-            <a:endParaRPr lang="en-US" sz="1800" dirty="0">
-              <a:effectLst/>
-              <a:latin typeface="Times New Roman" panose="02020603050405020304" pitchFamily="18" charset="0"/>
-              <a:ea typeface="Times New Roman" panose="02020603050405020304" pitchFamily="18" charset="0"/>
-            </a:endParaRPr>
-          </a:p>
-        </p:txBody>
-      </p:sp>
-      <p:sp>
-        <p:nvSpPr>
-          <p:cNvPr id="10" name="TextBox 9">
-            <a:extLst>
-              <a:ext uri="{FF2B5EF4-FFF2-40B4-BE49-F238E27FC236}">
-                <a16:creationId xmlns:a16="http://schemas.microsoft.com/office/drawing/2014/main" id="{D1BE9EF2-8D28-9D42-B6CA-E6EDAE44514A}"/>
-              </a:ext>
-            </a:extLst>
-          </p:cNvPr>
-          <p:cNvSpPr txBox="1"/>
-          <p:nvPr/>
-        </p:nvSpPr>
-        <p:spPr>
-          <a:xfrm>
-            <a:off x="4892197" y="2792696"/>
-            <a:ext cx="6096000" cy="1200329"/>
-          </a:xfrm>
-          <a:prstGeom prst="rect">
-            <a:avLst/>
-          </a:prstGeom>
-          <a:noFill/>
-        </p:spPr>
-        <p:txBody>
-          <a:bodyPr wrap="square">
-            <a:spAutoFit/>
-          </a:bodyPr>
-          <a:lstStyle/>
-          <a:p>
-            <a:pPr algn="r" rtl="1"/>
-            <a:r>
-              <a:rPr lang="he-IL" sz="1800" b="1" dirty="0">
-                <a:effectLst/>
-                <a:latin typeface="Times New Roman" panose="02020603050405020304" pitchFamily="18" charset="0"/>
-                <a:ea typeface="Times New Roman" panose="02020603050405020304" pitchFamily="18" charset="0"/>
-              </a:rPr>
-              <a:t>שאלה 4</a:t>
-            </a:r>
-            <a:endParaRPr lang="en-US" sz="1800" dirty="0">
-              <a:effectLst/>
-              <a:latin typeface="Times New Roman" panose="02020603050405020304" pitchFamily="18" charset="0"/>
-              <a:ea typeface="Times New Roman" panose="02020603050405020304" pitchFamily="18" charset="0"/>
-            </a:endParaRPr>
-          </a:p>
-          <a:p>
-            <a:pPr algn="r" rtl="1"/>
-            <a:r>
-              <a:rPr lang="he-IL" sz="1800" dirty="0">
-                <a:effectLst/>
-                <a:latin typeface="Times New Roman" panose="02020603050405020304" pitchFamily="18" charset="0"/>
-                <a:ea typeface="Times New Roman" panose="02020603050405020304" pitchFamily="18" charset="0"/>
-              </a:rPr>
-              <a:t>כתוב תוכנית ב-</a:t>
-            </a:r>
-            <a:r>
-              <a:rPr lang="en-US" sz="1800" dirty="0">
-                <a:effectLst/>
-                <a:latin typeface="Times New Roman" panose="02020603050405020304" pitchFamily="18" charset="0"/>
-                <a:ea typeface="Times New Roman" panose="02020603050405020304" pitchFamily="18" charset="0"/>
-              </a:rPr>
-              <a:t>JAVA</a:t>
-            </a:r>
-            <a:r>
-              <a:rPr lang="he-IL" sz="1800" dirty="0">
-                <a:effectLst/>
-                <a:latin typeface="Times New Roman" panose="02020603050405020304" pitchFamily="18" charset="0"/>
-                <a:ea typeface="Times New Roman" panose="02020603050405020304" pitchFamily="18" charset="0"/>
-              </a:rPr>
-              <a:t>  המבצעת הפעולות הבאות:</a:t>
-            </a:r>
-            <a:endParaRPr lang="en-US" sz="1800" dirty="0">
-              <a:effectLst/>
-              <a:latin typeface="Times New Roman" panose="02020603050405020304" pitchFamily="18" charset="0"/>
-              <a:ea typeface="Times New Roman" panose="02020603050405020304" pitchFamily="18" charset="0"/>
-            </a:endParaRPr>
-          </a:p>
-          <a:p>
-            <a:pPr marL="342900" lvl="0" indent="-342900" algn="r" rtl="1">
-              <a:buFont typeface="+mj-cs"/>
-              <a:buAutoNum type="hebrew2Minus"/>
-            </a:pPr>
-            <a:r>
-              <a:rPr lang="he-IL" sz="1800" dirty="0">
-                <a:effectLst/>
-                <a:latin typeface="Times New Roman" panose="02020603050405020304" pitchFamily="18" charset="0"/>
-                <a:ea typeface="Times New Roman" panose="02020603050405020304" pitchFamily="18" charset="0"/>
-              </a:rPr>
-              <a:t>קולטת שני מספרים שלמים  </a:t>
-            </a:r>
-            <a:r>
-              <a:rPr lang="en-US" sz="1800" dirty="0">
-                <a:effectLst/>
-                <a:latin typeface="Times New Roman" panose="02020603050405020304" pitchFamily="18" charset="0"/>
-                <a:ea typeface="Times New Roman" panose="02020603050405020304" pitchFamily="18" charset="0"/>
-              </a:rPr>
-              <a:t>x, y </a:t>
-            </a:r>
-          </a:p>
-          <a:p>
-            <a:pPr marL="342900" lvl="0" indent="-342900" algn="r" rtl="1">
-              <a:buFont typeface="+mj-cs"/>
-              <a:buAutoNum type="hebrew2Minus"/>
-            </a:pPr>
-            <a:r>
-              <a:rPr lang="he-IL" sz="1800" dirty="0">
-                <a:effectLst/>
-                <a:latin typeface="Times New Roman" panose="02020603050405020304" pitchFamily="18" charset="0"/>
-                <a:ea typeface="Times New Roman" panose="02020603050405020304" pitchFamily="18" charset="0"/>
-              </a:rPr>
-              <a:t>מחשבת את שאירית חלוקה  </a:t>
-            </a:r>
-            <a:r>
-              <a:rPr lang="en-US" sz="1800" dirty="0">
-                <a:effectLst/>
-                <a:latin typeface="Times New Roman" panose="02020603050405020304" pitchFamily="18" charset="0"/>
-                <a:ea typeface="Times New Roman" panose="02020603050405020304" pitchFamily="18" charset="0"/>
-              </a:rPr>
-              <a:t>x</a:t>
-            </a:r>
-            <a:r>
-              <a:rPr lang="he-IL" sz="1800" dirty="0">
-                <a:effectLst/>
-                <a:latin typeface="Times New Roman" panose="02020603050405020304" pitchFamily="18" charset="0"/>
-                <a:ea typeface="Times New Roman" panose="02020603050405020304" pitchFamily="18" charset="0"/>
-              </a:rPr>
-              <a:t> ב- </a:t>
-            </a:r>
-            <a:r>
-              <a:rPr lang="en-US" sz="1800" dirty="0">
-                <a:effectLst/>
-                <a:latin typeface="Times New Roman" panose="02020603050405020304" pitchFamily="18" charset="0"/>
-                <a:ea typeface="Times New Roman" panose="02020603050405020304" pitchFamily="18" charset="0"/>
-              </a:rPr>
-              <a:t>y</a:t>
-            </a:r>
-            <a:r>
-              <a:rPr lang="he-IL" sz="1800" dirty="0">
-                <a:effectLst/>
-                <a:latin typeface="Times New Roman" panose="02020603050405020304" pitchFamily="18" charset="0"/>
-                <a:ea typeface="Times New Roman" panose="02020603050405020304" pitchFamily="18" charset="0"/>
-              </a:rPr>
-              <a:t> ומדפיס אותה.</a:t>
-            </a:r>
-            <a:endParaRPr lang="en-US" sz="1800" dirty="0">
-              <a:effectLst/>
-              <a:latin typeface="Times New Roman" panose="02020603050405020304" pitchFamily="18" charset="0"/>
-              <a:ea typeface="Times New Roman" panose="02020603050405020304" pitchFamily="18" charset="0"/>
-            </a:endParaRPr>
-          </a:p>
-        </p:txBody>
-      </p:sp>
-      <p:sp>
-        <p:nvSpPr>
-          <p:cNvPr id="12" name="TextBox 11">
-            <a:extLst>
-              <a:ext uri="{FF2B5EF4-FFF2-40B4-BE49-F238E27FC236}">
-                <a16:creationId xmlns:a16="http://schemas.microsoft.com/office/drawing/2014/main" id="{ED7E58C2-BF80-2D01-84D9-4DE185C78195}"/>
-              </a:ext>
-            </a:extLst>
-          </p:cNvPr>
-          <p:cNvSpPr txBox="1"/>
-          <p:nvPr/>
-        </p:nvSpPr>
-        <p:spPr>
-          <a:xfrm>
-            <a:off x="2082800" y="4096395"/>
-            <a:ext cx="8905397" cy="646331"/>
-          </a:xfrm>
-          <a:prstGeom prst="rect">
-            <a:avLst/>
-          </a:prstGeom>
-          <a:noFill/>
-        </p:spPr>
-        <p:txBody>
-          <a:bodyPr wrap="square">
-            <a:spAutoFit/>
-          </a:bodyPr>
-          <a:lstStyle/>
-          <a:p>
-            <a:pPr algn="r" rtl="1"/>
-            <a:r>
-              <a:rPr lang="he-IL" sz="1800" b="1" dirty="0">
-                <a:effectLst/>
-                <a:latin typeface="Times New Roman" panose="02020603050405020304" pitchFamily="18" charset="0"/>
-                <a:ea typeface="Times New Roman" panose="02020603050405020304" pitchFamily="18" charset="0"/>
-              </a:rPr>
-              <a:t>שאלה 5</a:t>
-            </a:r>
-            <a:endParaRPr lang="en-US" sz="1800" dirty="0">
-              <a:effectLst/>
-              <a:latin typeface="Times New Roman" panose="02020603050405020304" pitchFamily="18" charset="0"/>
-              <a:ea typeface="Times New Roman" panose="02020603050405020304" pitchFamily="18" charset="0"/>
-            </a:endParaRPr>
-          </a:p>
-          <a:p>
-            <a:pPr algn="r" rtl="1"/>
-            <a:r>
-              <a:rPr lang="he-IL" sz="1800" dirty="0">
-                <a:effectLst/>
-                <a:latin typeface="Times New Roman" panose="02020603050405020304" pitchFamily="18" charset="0"/>
-                <a:ea typeface="Times New Roman" panose="02020603050405020304" pitchFamily="18" charset="0"/>
-              </a:rPr>
-              <a:t>כתוב תוכנית הקולטת מספר 4 ספרתי ומדפיסה כל איבר בנפרד. (2 שיטות)</a:t>
-            </a:r>
-            <a:endParaRPr lang="en-US" sz="1800" dirty="0">
-              <a:effectLst/>
-              <a:latin typeface="Times New Roman" panose="02020603050405020304" pitchFamily="18" charset="0"/>
-              <a:ea typeface="Times New Roman" panose="02020603050405020304" pitchFamily="18" charset="0"/>
-            </a:endParaRPr>
-          </a:p>
-        </p:txBody>
-      </p:sp>
-      <p:sp>
-        <p:nvSpPr>
-          <p:cNvPr id="14" name="TextBox 13">
-            <a:extLst>
-              <a:ext uri="{FF2B5EF4-FFF2-40B4-BE49-F238E27FC236}">
-                <a16:creationId xmlns:a16="http://schemas.microsoft.com/office/drawing/2014/main" id="{66DD7CDE-F33E-F1E8-25A7-87E26F024CEA}"/>
-              </a:ext>
-            </a:extLst>
-          </p:cNvPr>
-          <p:cNvSpPr txBox="1"/>
-          <p:nvPr/>
-        </p:nvSpPr>
-        <p:spPr>
-          <a:xfrm>
-            <a:off x="4892197" y="4846096"/>
-            <a:ext cx="6096000" cy="1477328"/>
-          </a:xfrm>
-          <a:prstGeom prst="rect">
-            <a:avLst/>
-          </a:prstGeom>
-          <a:noFill/>
-        </p:spPr>
-        <p:txBody>
-          <a:bodyPr wrap="square">
-            <a:spAutoFit/>
-          </a:bodyPr>
-          <a:lstStyle/>
-          <a:p>
-            <a:pPr algn="r" rtl="1"/>
-            <a:r>
-              <a:rPr lang="he-IL" sz="1800" b="1" dirty="0">
-                <a:effectLst/>
-                <a:latin typeface="Times New Roman" panose="02020603050405020304" pitchFamily="18" charset="0"/>
-                <a:ea typeface="Times New Roman" panose="02020603050405020304" pitchFamily="18" charset="0"/>
-              </a:rPr>
-              <a:t>שאלה 6</a:t>
-            </a:r>
-            <a:endParaRPr lang="en-US" sz="1800" dirty="0">
-              <a:effectLst/>
-              <a:latin typeface="Times New Roman" panose="02020603050405020304" pitchFamily="18" charset="0"/>
-              <a:ea typeface="Times New Roman" panose="02020603050405020304" pitchFamily="18" charset="0"/>
-            </a:endParaRPr>
-          </a:p>
-          <a:p>
-            <a:pPr algn="r" rtl="1"/>
-            <a:r>
-              <a:rPr lang="he-IL" sz="1800" dirty="0">
-                <a:effectLst/>
-                <a:latin typeface="Times New Roman" panose="02020603050405020304" pitchFamily="18" charset="0"/>
-                <a:ea typeface="Times New Roman" panose="02020603050405020304" pitchFamily="18" charset="0"/>
-              </a:rPr>
-              <a:t>כתוב תכנית הקולטת</a:t>
-            </a:r>
-            <a:r>
-              <a:rPr lang="ar-SA" sz="1800" dirty="0">
-                <a:effectLst/>
-                <a:latin typeface="Times New Roman" panose="02020603050405020304" pitchFamily="18" charset="0"/>
-                <a:ea typeface="Times New Roman" panose="02020603050405020304" pitchFamily="18" charset="0"/>
-              </a:rPr>
-              <a:t> מספר המייצג טמפרטורה במעלות צלזיוס, ומדפיסה את הטמפרטורה למעלות פרנהייט</a:t>
-            </a:r>
-            <a:r>
-              <a:rPr lang="en-US" sz="1800" dirty="0">
-                <a:effectLst/>
-                <a:latin typeface="Times New Roman" panose="02020603050405020304" pitchFamily="18" charset="0"/>
-                <a:ea typeface="Times New Roman" panose="02020603050405020304" pitchFamily="18" charset="0"/>
-              </a:rPr>
-              <a:t>.</a:t>
-            </a:r>
-          </a:p>
-          <a:p>
-            <a:pPr algn="r" rtl="1"/>
-            <a:r>
-              <a:rPr lang="he-IL" sz="1800" dirty="0">
-                <a:effectLst/>
-                <a:latin typeface="Times New Roman" panose="02020603050405020304" pitchFamily="18" charset="0"/>
-                <a:ea typeface="Times New Roman" panose="02020603050405020304" pitchFamily="18" charset="0"/>
-              </a:rPr>
-              <a:t>נוסחה:  </a:t>
-            </a:r>
-            <a:r>
-              <a:rPr lang="en-US" sz="1800" dirty="0">
-                <a:effectLst/>
-                <a:latin typeface="Times New Roman" panose="02020603050405020304" pitchFamily="18" charset="0"/>
-                <a:ea typeface="Times New Roman" panose="02020603050405020304" pitchFamily="18" charset="0"/>
-              </a:rPr>
-              <a:t>F = °C * 9/5 + 32</a:t>
-            </a:r>
-          </a:p>
-          <a:p>
-            <a:pPr algn="r" rtl="1"/>
-            <a:r>
-              <a:rPr lang="ar-SA" sz="1800" dirty="0">
-                <a:effectLst/>
-                <a:latin typeface="Times New Roman" panose="02020603050405020304" pitchFamily="18" charset="0"/>
-                <a:ea typeface="Times New Roman" panose="02020603050405020304" pitchFamily="18" charset="0"/>
-              </a:rPr>
-              <a:t>לדוגמה עבור הקלט 25 יודפס</a:t>
-            </a:r>
-            <a:r>
-              <a:rPr lang="en-US" sz="1800" dirty="0">
-                <a:effectLst/>
-                <a:latin typeface="Times New Roman" panose="02020603050405020304" pitchFamily="18" charset="0"/>
-                <a:ea typeface="Times New Roman" panose="02020603050405020304" pitchFamily="18" charset="0"/>
-              </a:rPr>
-              <a:t>: F</a:t>
-            </a:r>
-            <a:r>
-              <a:rPr lang="he-IL" sz="1800" dirty="0">
-                <a:effectLst/>
-                <a:latin typeface="Times New Roman" panose="02020603050405020304" pitchFamily="18" charset="0"/>
-                <a:ea typeface="Times New Roman" panose="02020603050405020304" pitchFamily="18" charset="0"/>
-              </a:rPr>
-              <a:t>77.0 ועבור הקלט 4- יודפס: </a:t>
-            </a:r>
-            <a:r>
-              <a:rPr lang="en-US" sz="1800" dirty="0">
-                <a:effectLst/>
-                <a:latin typeface="Times New Roman" panose="02020603050405020304" pitchFamily="18" charset="0"/>
-                <a:ea typeface="Times New Roman" panose="02020603050405020304" pitchFamily="18" charset="0"/>
-              </a:rPr>
-              <a:t>24.8F</a:t>
-            </a:r>
-          </a:p>
-        </p:txBody>
-      </p:sp>
     </p:spTree>
     <p:extLst>
       <p:ext uri="{BB962C8B-B14F-4D97-AF65-F5344CB8AC3E}">
-        <p14:creationId xmlns:p14="http://schemas.microsoft.com/office/powerpoint/2010/main" val="3350070873"/>
+        <p14:creationId xmlns:p14="http://schemas.microsoft.com/office/powerpoint/2010/main" val="555736640"/>
       </p:ext>
     </p:extLst>
   </p:cSld>
@@ -11250,10 +11386,10 @@
       </p:grpSpPr>
       <p:sp>
         <p:nvSpPr>
-          <p:cNvPr id="2" name="כותרת 1">
+          <p:cNvPr id="4" name="Slide Number Placeholder 3">
             <a:extLst>
               <a:ext uri="{FF2B5EF4-FFF2-40B4-BE49-F238E27FC236}">
-                <a16:creationId xmlns:a16="http://schemas.microsoft.com/office/drawing/2014/main" id="{20EE5E09-E08E-F543-D014-932EF7267DA2}"/>
+                <a16:creationId xmlns:a16="http://schemas.microsoft.com/office/drawing/2014/main" id="{308F1FDA-B83E-7ED4-371D-003C96C51AF5}"/>
               </a:ext>
             </a:extLst>
           </p:cNvPr>
@@ -11261,7 +11397,7 @@
             <a:spLocks noGrp="1"/>
           </p:cNvSpPr>
           <p:nvPr>
-            <p:ph type="title"/>
+            <p:ph type="sldNum" sz="quarter" idx="12"/>
           </p:nvPr>
         </p:nvSpPr>
         <p:spPr/>
@@ -11269,262 +11405,145 @@
           <a:bodyPr/>
           <a:lstStyle/>
           <a:p>
-            <a:r>
-              <a:rPr lang="en-US" dirty="0"/>
-              <a:t>Handy IntelliJ Shortcuts for Efficient Coding</a:t>
-            </a:r>
-          </a:p>
-        </p:txBody>
-      </p:sp>
-      <p:graphicFrame>
-        <p:nvGraphicFramePr>
-          <p:cNvPr id="7" name="מציין מיקום תוכן 2">
+            <a:pPr rtl="1"/>
+            <a:fld id="{34B7E4EF-A1BD-40F4-AB7B-04F084DD991D}" type="slidenum">
+              <a:rPr lang="en-US" smtClean="0"/>
+              <a:pPr rtl="1"/>
+              <a:t>11</a:t>
+            </a:fld>
+            <a:endParaRPr lang="en-US"/>
+          </a:p>
+        </p:txBody>
+      </p:sp>
+      <p:sp>
+        <p:nvSpPr>
+          <p:cNvPr id="5" name="TextBox 4">
             <a:extLst>
               <a:ext uri="{FF2B5EF4-FFF2-40B4-BE49-F238E27FC236}">
-                <a16:creationId xmlns:a16="http://schemas.microsoft.com/office/drawing/2014/main" id="{ED1AA047-2E83-E251-AE67-505C6D617702}"/>
+                <a16:creationId xmlns:a16="http://schemas.microsoft.com/office/drawing/2014/main" id="{D2295257-9278-DDF5-A598-1C5FAE047A63}"/>
               </a:ext>
             </a:extLst>
           </p:cNvPr>
-          <p:cNvGraphicFramePr>
-            <a:graphicFrameLocks noGrp="1"/>
-          </p:cNvGraphicFramePr>
-          <p:nvPr>
-            <p:ph sz="quarter" idx="13"/>
-          </p:nvPr>
-        </p:nvGraphicFramePr>
-        <p:xfrm>
-          <a:off x="913774" y="2367092"/>
-          <a:ext cx="5106026" cy="3424107"/>
-        </p:xfrm>
-        <a:graphic>
-          <a:graphicData uri="http://schemas.openxmlformats.org/drawingml/2006/diagram">
-            <dgm:relIds xmlns:dgm="http://schemas.openxmlformats.org/drawingml/2006/diagram" xmlns:r="http://schemas.openxmlformats.org/officeDocument/2006/relationships" r:dm="rId2" r:lo="rId3" r:qs="rId4" r:cs="rId5"/>
-          </a:graphicData>
-        </a:graphic>
-      </p:graphicFrame>
-      <p:sp>
-        <p:nvSpPr>
-          <p:cNvPr id="4" name="מציין מיקום תוכן 3">
+          <p:cNvSpPr txBox="1"/>
+          <p:nvPr/>
+        </p:nvSpPr>
+        <p:spPr>
+          <a:xfrm>
+            <a:off x="1987533" y="1696106"/>
+            <a:ext cx="8980344" cy="923330"/>
+          </a:xfrm>
+          <a:prstGeom prst="rect">
+            <a:avLst/>
+          </a:prstGeom>
+          <a:noFill/>
+        </p:spPr>
+        <p:txBody>
+          <a:bodyPr wrap="none" rtlCol="1">
+            <a:spAutoFit/>
+          </a:bodyPr>
+          <a:lstStyle/>
+          <a:p>
+            <a:pPr algn="r" rtl="1"/>
+            <a:r>
+              <a:rPr lang="he-IL" sz="1800" b="1" dirty="0">
+                <a:effectLst/>
+                <a:latin typeface="Times New Roman" panose="02020603050405020304" pitchFamily="18" charset="0"/>
+                <a:ea typeface="Times New Roman" panose="02020603050405020304" pitchFamily="18" charset="0"/>
+              </a:rPr>
+              <a:t>שאלה 2</a:t>
+            </a:r>
+            <a:endParaRPr lang="en-US" sz="1800" dirty="0">
+              <a:effectLst/>
+              <a:latin typeface="Times New Roman" panose="02020603050405020304" pitchFamily="18" charset="0"/>
+              <a:ea typeface="Times New Roman" panose="02020603050405020304" pitchFamily="18" charset="0"/>
+            </a:endParaRPr>
+          </a:p>
+          <a:p>
+            <a:pPr algn="r" rtl="1"/>
+            <a:r>
+              <a:rPr lang="he-IL" sz="1800" dirty="0">
+                <a:effectLst/>
+                <a:latin typeface="Times New Roman" panose="02020603050405020304" pitchFamily="18" charset="0"/>
+                <a:ea typeface="Times New Roman" panose="02020603050405020304" pitchFamily="18" charset="0"/>
+              </a:rPr>
+              <a:t>כתוב תוכנית הקולטת מן המשתמש שני מספרים שלמים. חשב והדפס את הממוצע שלהם  בשלמים.</a:t>
+            </a:r>
+            <a:endParaRPr lang="en-US" sz="1800" dirty="0">
+              <a:effectLst/>
+              <a:latin typeface="Times New Roman" panose="02020603050405020304" pitchFamily="18" charset="0"/>
+              <a:ea typeface="Times New Roman" panose="02020603050405020304" pitchFamily="18" charset="0"/>
+            </a:endParaRPr>
+          </a:p>
+          <a:p>
+            <a:endParaRPr lang="he-IL" dirty="0"/>
+          </a:p>
+        </p:txBody>
+      </p:sp>
+      <p:sp>
+        <p:nvSpPr>
+          <p:cNvPr id="7" name="TextBox 6">
             <a:extLst>
               <a:ext uri="{FF2B5EF4-FFF2-40B4-BE49-F238E27FC236}">
-                <a16:creationId xmlns:a16="http://schemas.microsoft.com/office/drawing/2014/main" id="{79F6F5BA-B0FA-734E-925C-574BAA8800B8}"/>
+                <a16:creationId xmlns:a16="http://schemas.microsoft.com/office/drawing/2014/main" id="{6A1737C0-7202-A403-5819-651E4A361067}"/>
               </a:ext>
             </a:extLst>
           </p:cNvPr>
-          <p:cNvSpPr>
-            <a:spLocks noGrp="1"/>
-          </p:cNvSpPr>
-          <p:nvPr>
-            <p:ph sz="quarter" idx="14"/>
-          </p:nvPr>
-        </p:nvSpPr>
-        <p:spPr/>
-        <p:txBody>
-          <a:bodyPr>
-            <a:normAutofit fontScale="85000" lnSpcReduction="10000"/>
+          <p:cNvSpPr txBox="1"/>
+          <p:nvPr/>
+        </p:nvSpPr>
+        <p:spPr>
+          <a:xfrm>
+            <a:off x="4871877" y="3818316"/>
+            <a:ext cx="6096000" cy="923330"/>
+          </a:xfrm>
+          <a:prstGeom prst="rect">
+            <a:avLst/>
+          </a:prstGeom>
+          <a:noFill/>
+        </p:spPr>
+        <p:txBody>
+          <a:bodyPr wrap="square">
+            <a:spAutoFit/>
           </a:bodyPr>
           <a:lstStyle/>
           <a:p>
-            <a:pPr algn="l" rtl="0"/>
-            <a:r>
-              <a:rPr lang="en-US" b="1" i="0" dirty="0">
-                <a:solidFill>
-                  <a:srgbClr val="0D0D0D"/>
-                </a:solidFill>
+            <a:pPr algn="r" rtl="1"/>
+            <a:r>
+              <a:rPr lang="he-IL" sz="1800" b="1" dirty="0">
                 <a:effectLst/>
-                <a:latin typeface="Söhne"/>
+                <a:latin typeface="Times New Roman" panose="02020603050405020304" pitchFamily="18" charset="0"/>
+                <a:ea typeface="Times New Roman" panose="02020603050405020304" pitchFamily="18" charset="0"/>
               </a:rPr>
-              <a:t>Ctrl + Shift + Up/Down</a:t>
-            </a:r>
-            <a:r>
-              <a:rPr lang="en-US" b="0" i="0" dirty="0">
-                <a:solidFill>
-                  <a:srgbClr val="0D0D0D"/>
-                </a:solidFill>
+              <a:t>שאלה 3</a:t>
+            </a:r>
+            <a:endParaRPr lang="en-US" sz="1800" dirty="0">
+              <a:effectLst/>
+              <a:latin typeface="Times New Roman" panose="02020603050405020304" pitchFamily="18" charset="0"/>
+              <a:ea typeface="Times New Roman" panose="02020603050405020304" pitchFamily="18" charset="0"/>
+            </a:endParaRPr>
+          </a:p>
+          <a:p>
+            <a:pPr algn="r" rtl="1"/>
+            <a:r>
+              <a:rPr lang="he-IL" sz="1800" dirty="0">
                 <a:effectLst/>
-                <a:latin typeface="Söhne"/>
+                <a:latin typeface="Times New Roman" panose="02020603050405020304" pitchFamily="18" charset="0"/>
+                <a:ea typeface="Times New Roman" panose="02020603050405020304" pitchFamily="18" charset="0"/>
               </a:rPr>
-              <a:t>: Move line(s) up/down.</a:t>
-            </a:r>
-          </a:p>
-          <a:p>
-            <a:pPr algn="l" rtl="0"/>
-            <a:r>
-              <a:rPr lang="en-US" b="1" i="0" dirty="0">
-                <a:solidFill>
-                  <a:srgbClr val="0D0D0D"/>
-                </a:solidFill>
-                <a:effectLst/>
-                <a:latin typeface="Söhne"/>
-              </a:rPr>
-              <a:t>Ctrl + D</a:t>
-            </a:r>
-            <a:r>
-              <a:rPr lang="en-US" b="0" i="0" dirty="0">
-                <a:solidFill>
-                  <a:srgbClr val="0D0D0D"/>
-                </a:solidFill>
-                <a:effectLst/>
-                <a:latin typeface="Söhne"/>
-              </a:rPr>
-              <a:t>: Duplicate current line or selection.</a:t>
-            </a:r>
-          </a:p>
-          <a:p>
-            <a:pPr algn="l" rtl="0"/>
-            <a:r>
-              <a:rPr lang="en-US" b="1" i="0" dirty="0">
-                <a:solidFill>
-                  <a:srgbClr val="0D0D0D"/>
-                </a:solidFill>
-                <a:effectLst/>
-                <a:latin typeface="Söhne"/>
-              </a:rPr>
-              <a:t>Alt + Enter</a:t>
-            </a:r>
-            <a:r>
-              <a:rPr lang="en-US" b="0" i="0" dirty="0">
-                <a:solidFill>
-                  <a:srgbClr val="0D0D0D"/>
-                </a:solidFill>
-                <a:effectLst/>
-                <a:latin typeface="Söhne"/>
-              </a:rPr>
-              <a:t>: Show intention actions, quick fixes.</a:t>
-            </a:r>
-          </a:p>
-          <a:p>
-            <a:pPr algn="l" rtl="0"/>
-            <a:r>
-              <a:rPr lang="en-US" b="1" i="0" dirty="0">
-                <a:solidFill>
-                  <a:srgbClr val="0D0D0D"/>
-                </a:solidFill>
-                <a:effectLst/>
-                <a:latin typeface="Söhne"/>
-              </a:rPr>
-              <a:t>Ctrl + Alt + O</a:t>
-            </a:r>
-            <a:r>
-              <a:rPr lang="en-US" b="0" i="0" dirty="0">
-                <a:solidFill>
-                  <a:srgbClr val="0D0D0D"/>
-                </a:solidFill>
-                <a:effectLst/>
-                <a:latin typeface="Söhne"/>
-              </a:rPr>
-              <a:t>: Optimize imports.</a:t>
-            </a:r>
-          </a:p>
-          <a:p>
-            <a:pPr algn="l" rtl="0"/>
-            <a:r>
-              <a:rPr lang="en-US" b="1" i="0" dirty="0">
-                <a:solidFill>
-                  <a:srgbClr val="0D0D0D"/>
-                </a:solidFill>
-                <a:effectLst/>
-                <a:latin typeface="Söhne"/>
-              </a:rPr>
-              <a:t>Ctrl + Shift + F7</a:t>
-            </a:r>
-            <a:r>
-              <a:rPr lang="en-US" b="0" i="0" dirty="0">
-                <a:solidFill>
-                  <a:srgbClr val="0D0D0D"/>
-                </a:solidFill>
-                <a:effectLst/>
-                <a:latin typeface="Söhne"/>
-              </a:rPr>
-              <a:t>: Highlight occurrences of the selected word.</a:t>
-            </a:r>
-          </a:p>
-          <a:p>
-            <a:pPr algn="l" rtl="0"/>
-            <a:r>
-              <a:rPr lang="en-US" b="1" i="0" dirty="0">
-                <a:solidFill>
-                  <a:srgbClr val="0D0D0D"/>
-                </a:solidFill>
-                <a:effectLst/>
-                <a:latin typeface="Söhne"/>
-              </a:rPr>
-              <a:t>Ctrl + Q</a:t>
-            </a:r>
-            <a:r>
-              <a:rPr lang="en-US" b="0" i="0" dirty="0">
-                <a:solidFill>
-                  <a:srgbClr val="0D0D0D"/>
-                </a:solidFill>
-                <a:effectLst/>
-                <a:latin typeface="Söhne"/>
-              </a:rPr>
-              <a:t>: Quick documentation lookup.</a:t>
-            </a:r>
-          </a:p>
-          <a:p>
-            <a:pPr algn="l" rtl="0"/>
-            <a:r>
-              <a:rPr lang="en-US" b="1" i="0" dirty="0">
-                <a:solidFill>
-                  <a:srgbClr val="0D0D0D"/>
-                </a:solidFill>
-                <a:effectLst/>
-                <a:latin typeface="Söhne"/>
-              </a:rPr>
-              <a:t>Ctrl + F12</a:t>
-            </a:r>
-            <a:r>
-              <a:rPr lang="en-US" b="0" i="0" dirty="0">
-                <a:solidFill>
-                  <a:srgbClr val="0D0D0D"/>
-                </a:solidFill>
-                <a:effectLst/>
-                <a:latin typeface="Söhne"/>
-              </a:rPr>
-              <a:t>: Show file structure.</a:t>
-            </a:r>
-          </a:p>
-          <a:p>
-            <a:pPr algn="l" rtl="0"/>
-            <a:endParaRPr lang="en-US" dirty="0"/>
-          </a:p>
-        </p:txBody>
-      </p:sp>
-      <p:sp>
-        <p:nvSpPr>
-          <p:cNvPr id="5" name="מציין מיקום של מספר שקופית 4">
-            <a:extLst>
-              <a:ext uri="{FF2B5EF4-FFF2-40B4-BE49-F238E27FC236}">
-                <a16:creationId xmlns:a16="http://schemas.microsoft.com/office/drawing/2014/main" id="{9BD51456-4ED6-804C-0E37-528DE649B332}"/>
-              </a:ext>
-            </a:extLst>
-          </p:cNvPr>
-          <p:cNvSpPr>
-            <a:spLocks noGrp="1"/>
-          </p:cNvSpPr>
-          <p:nvPr>
-            <p:ph type="sldNum" sz="quarter" idx="12"/>
-          </p:nvPr>
-        </p:nvSpPr>
-        <p:spPr/>
-        <p:txBody>
-          <a:bodyPr/>
-          <a:lstStyle/>
-          <a:p>
-            <a:fld id="{34B7E4EF-A1BD-40F4-AB7B-04F084DD991D}" type="slidenum">
-              <a:rPr lang="en-US" smtClean="0"/>
-              <a:pPr/>
-              <a:t>11</a:t>
-            </a:fld>
-            <a:endParaRPr lang="en-US"/>
+              <a:t>כתוב תוכנית הקולטת שני מספרים ממשיים, חשב והדפס את הממוצע שלהם.</a:t>
+            </a:r>
+            <a:endParaRPr lang="en-US" sz="1800" dirty="0">
+              <a:effectLst/>
+              <a:latin typeface="Times New Roman" panose="02020603050405020304" pitchFamily="18" charset="0"/>
+              <a:ea typeface="Times New Roman" panose="02020603050405020304" pitchFamily="18" charset="0"/>
+            </a:endParaRPr>
           </a:p>
         </p:txBody>
       </p:sp>
     </p:spTree>
     <p:extLst>
       <p:ext uri="{BB962C8B-B14F-4D97-AF65-F5344CB8AC3E}">
-        <p14:creationId xmlns:p14="http://schemas.microsoft.com/office/powerpoint/2010/main" val="224983684"/>
+        <p14:creationId xmlns:p14="http://schemas.microsoft.com/office/powerpoint/2010/main" val="3350070873"/>
       </p:ext>
     </p:extLst>
   </p:cSld>
@@ -11553,6 +11572,768 @@
       </p:grpSpPr>
       <p:sp>
         <p:nvSpPr>
+          <p:cNvPr id="4" name="Slide Number Placeholder 3">
+            <a:extLst>
+              <a:ext uri="{FF2B5EF4-FFF2-40B4-BE49-F238E27FC236}">
+                <a16:creationId xmlns:a16="http://schemas.microsoft.com/office/drawing/2014/main" id="{308F1FDA-B83E-7ED4-371D-003C96C51AF5}"/>
+              </a:ext>
+            </a:extLst>
+          </p:cNvPr>
+          <p:cNvSpPr>
+            <a:spLocks noGrp="1"/>
+          </p:cNvSpPr>
+          <p:nvPr>
+            <p:ph type="sldNum" sz="quarter" idx="12"/>
+          </p:nvPr>
+        </p:nvSpPr>
+        <p:spPr/>
+        <p:txBody>
+          <a:bodyPr/>
+          <a:lstStyle/>
+          <a:p>
+            <a:pPr rtl="1"/>
+            <a:fld id="{34B7E4EF-A1BD-40F4-AB7B-04F084DD991D}" type="slidenum">
+              <a:rPr lang="en-US" smtClean="0"/>
+              <a:pPr rtl="1"/>
+              <a:t>12</a:t>
+            </a:fld>
+            <a:endParaRPr lang="en-US"/>
+          </a:p>
+        </p:txBody>
+      </p:sp>
+      <p:sp>
+        <p:nvSpPr>
+          <p:cNvPr id="10" name="TextBox 9">
+            <a:extLst>
+              <a:ext uri="{FF2B5EF4-FFF2-40B4-BE49-F238E27FC236}">
+                <a16:creationId xmlns:a16="http://schemas.microsoft.com/office/drawing/2014/main" id="{D1BE9EF2-8D28-9D42-B6CA-E6EDAE44514A}"/>
+              </a:ext>
+            </a:extLst>
+          </p:cNvPr>
+          <p:cNvSpPr txBox="1"/>
+          <p:nvPr/>
+        </p:nvSpPr>
+        <p:spPr>
+          <a:xfrm>
+            <a:off x="3048000" y="2228671"/>
+            <a:ext cx="6096000" cy="1200329"/>
+          </a:xfrm>
+          <a:prstGeom prst="rect">
+            <a:avLst/>
+          </a:prstGeom>
+          <a:noFill/>
+        </p:spPr>
+        <p:txBody>
+          <a:bodyPr wrap="square">
+            <a:spAutoFit/>
+          </a:bodyPr>
+          <a:lstStyle/>
+          <a:p>
+            <a:pPr algn="r" rtl="1"/>
+            <a:r>
+              <a:rPr lang="he-IL" sz="1800" b="1" dirty="0">
+                <a:effectLst/>
+                <a:latin typeface="Times New Roman" panose="02020603050405020304" pitchFamily="18" charset="0"/>
+                <a:ea typeface="Times New Roman" panose="02020603050405020304" pitchFamily="18" charset="0"/>
+              </a:rPr>
+              <a:t>שאלה 4</a:t>
+            </a:r>
+            <a:endParaRPr lang="en-US" sz="1800" dirty="0">
+              <a:effectLst/>
+              <a:latin typeface="Times New Roman" panose="02020603050405020304" pitchFamily="18" charset="0"/>
+              <a:ea typeface="Times New Roman" panose="02020603050405020304" pitchFamily="18" charset="0"/>
+            </a:endParaRPr>
+          </a:p>
+          <a:p>
+            <a:pPr algn="r" rtl="1"/>
+            <a:r>
+              <a:rPr lang="he-IL" sz="1800" dirty="0">
+                <a:effectLst/>
+                <a:latin typeface="Times New Roman" panose="02020603050405020304" pitchFamily="18" charset="0"/>
+                <a:ea typeface="Times New Roman" panose="02020603050405020304" pitchFamily="18" charset="0"/>
+              </a:rPr>
+              <a:t>כתוב תוכנית ב-</a:t>
+            </a:r>
+            <a:r>
+              <a:rPr lang="en-US" sz="1800" dirty="0">
+                <a:effectLst/>
+                <a:latin typeface="Times New Roman" panose="02020603050405020304" pitchFamily="18" charset="0"/>
+                <a:ea typeface="Times New Roman" panose="02020603050405020304" pitchFamily="18" charset="0"/>
+              </a:rPr>
+              <a:t>JAVA</a:t>
+            </a:r>
+            <a:r>
+              <a:rPr lang="he-IL" sz="1800" dirty="0">
+                <a:effectLst/>
+                <a:latin typeface="Times New Roman" panose="02020603050405020304" pitchFamily="18" charset="0"/>
+                <a:ea typeface="Times New Roman" panose="02020603050405020304" pitchFamily="18" charset="0"/>
+              </a:rPr>
+              <a:t>  המבצעת הפעולות הבאות:</a:t>
+            </a:r>
+            <a:endParaRPr lang="en-US" sz="1800" dirty="0">
+              <a:effectLst/>
+              <a:latin typeface="Times New Roman" panose="02020603050405020304" pitchFamily="18" charset="0"/>
+              <a:ea typeface="Times New Roman" panose="02020603050405020304" pitchFamily="18" charset="0"/>
+            </a:endParaRPr>
+          </a:p>
+          <a:p>
+            <a:pPr marL="342900" lvl="0" indent="-342900" algn="r" rtl="1">
+              <a:buFont typeface="+mj-cs"/>
+              <a:buAutoNum type="hebrew2Minus"/>
+            </a:pPr>
+            <a:r>
+              <a:rPr lang="he-IL" sz="1800" dirty="0">
+                <a:effectLst/>
+                <a:latin typeface="Times New Roman" panose="02020603050405020304" pitchFamily="18" charset="0"/>
+                <a:ea typeface="Times New Roman" panose="02020603050405020304" pitchFamily="18" charset="0"/>
+              </a:rPr>
+              <a:t>קולטת שני מספרים שלמים  </a:t>
+            </a:r>
+            <a:r>
+              <a:rPr lang="en-US" sz="1800" dirty="0">
+                <a:effectLst/>
+                <a:latin typeface="Times New Roman" panose="02020603050405020304" pitchFamily="18" charset="0"/>
+                <a:ea typeface="Times New Roman" panose="02020603050405020304" pitchFamily="18" charset="0"/>
+              </a:rPr>
+              <a:t>x, y </a:t>
+            </a:r>
+          </a:p>
+          <a:p>
+            <a:pPr marL="342900" lvl="0" indent="-342900" algn="r" rtl="1">
+              <a:buFont typeface="+mj-cs"/>
+              <a:buAutoNum type="hebrew2Minus"/>
+            </a:pPr>
+            <a:r>
+              <a:rPr lang="he-IL" sz="1800" dirty="0">
+                <a:effectLst/>
+                <a:latin typeface="Times New Roman" panose="02020603050405020304" pitchFamily="18" charset="0"/>
+                <a:ea typeface="Times New Roman" panose="02020603050405020304" pitchFamily="18" charset="0"/>
+              </a:rPr>
+              <a:t>מחשבת את שאירית חלוקה  </a:t>
+            </a:r>
+            <a:r>
+              <a:rPr lang="en-US" sz="1800" dirty="0">
+                <a:effectLst/>
+                <a:latin typeface="Times New Roman" panose="02020603050405020304" pitchFamily="18" charset="0"/>
+                <a:ea typeface="Times New Roman" panose="02020603050405020304" pitchFamily="18" charset="0"/>
+              </a:rPr>
+              <a:t>x</a:t>
+            </a:r>
+            <a:r>
+              <a:rPr lang="he-IL" sz="1800" dirty="0">
+                <a:effectLst/>
+                <a:latin typeface="Times New Roman" panose="02020603050405020304" pitchFamily="18" charset="0"/>
+                <a:ea typeface="Times New Roman" panose="02020603050405020304" pitchFamily="18" charset="0"/>
+              </a:rPr>
+              <a:t> ב- </a:t>
+            </a:r>
+            <a:r>
+              <a:rPr lang="en-US" sz="1800" dirty="0">
+                <a:effectLst/>
+                <a:latin typeface="Times New Roman" panose="02020603050405020304" pitchFamily="18" charset="0"/>
+                <a:ea typeface="Times New Roman" panose="02020603050405020304" pitchFamily="18" charset="0"/>
+              </a:rPr>
+              <a:t>y</a:t>
+            </a:r>
+            <a:r>
+              <a:rPr lang="he-IL" sz="1800" dirty="0">
+                <a:effectLst/>
+                <a:latin typeface="Times New Roman" panose="02020603050405020304" pitchFamily="18" charset="0"/>
+                <a:ea typeface="Times New Roman" panose="02020603050405020304" pitchFamily="18" charset="0"/>
+              </a:rPr>
+              <a:t> ומדפיס אותה.</a:t>
+            </a:r>
+            <a:endParaRPr lang="en-US" sz="1800" dirty="0">
+              <a:effectLst/>
+              <a:latin typeface="Times New Roman" panose="02020603050405020304" pitchFamily="18" charset="0"/>
+              <a:ea typeface="Times New Roman" panose="02020603050405020304" pitchFamily="18" charset="0"/>
+            </a:endParaRPr>
+          </a:p>
+        </p:txBody>
+      </p:sp>
+      <p:sp>
+        <p:nvSpPr>
+          <p:cNvPr id="12" name="TextBox 11">
+            <a:extLst>
+              <a:ext uri="{FF2B5EF4-FFF2-40B4-BE49-F238E27FC236}">
+                <a16:creationId xmlns:a16="http://schemas.microsoft.com/office/drawing/2014/main" id="{ED7E58C2-BF80-2D01-84D9-4DE185C78195}"/>
+              </a:ext>
+            </a:extLst>
+          </p:cNvPr>
+          <p:cNvSpPr txBox="1"/>
+          <p:nvPr/>
+        </p:nvSpPr>
+        <p:spPr>
+          <a:xfrm>
+            <a:off x="2331563" y="3948930"/>
+            <a:ext cx="6812437" cy="646331"/>
+          </a:xfrm>
+          <a:prstGeom prst="rect">
+            <a:avLst/>
+          </a:prstGeom>
+          <a:noFill/>
+        </p:spPr>
+        <p:txBody>
+          <a:bodyPr wrap="square">
+            <a:spAutoFit/>
+          </a:bodyPr>
+          <a:lstStyle/>
+          <a:p>
+            <a:pPr algn="r" rtl="1"/>
+            <a:r>
+              <a:rPr lang="he-IL" sz="1800" b="1" dirty="0">
+                <a:effectLst/>
+                <a:latin typeface="Times New Roman" panose="02020603050405020304" pitchFamily="18" charset="0"/>
+                <a:ea typeface="Times New Roman" panose="02020603050405020304" pitchFamily="18" charset="0"/>
+              </a:rPr>
+              <a:t>שאלה 5</a:t>
+            </a:r>
+            <a:endParaRPr lang="en-US" sz="1800" dirty="0">
+              <a:effectLst/>
+              <a:latin typeface="Times New Roman" panose="02020603050405020304" pitchFamily="18" charset="0"/>
+              <a:ea typeface="Times New Roman" panose="02020603050405020304" pitchFamily="18" charset="0"/>
+            </a:endParaRPr>
+          </a:p>
+          <a:p>
+            <a:pPr algn="r" rtl="1"/>
+            <a:r>
+              <a:rPr lang="he-IL" sz="1800" dirty="0">
+                <a:effectLst/>
+                <a:latin typeface="Times New Roman" panose="02020603050405020304" pitchFamily="18" charset="0"/>
+                <a:ea typeface="Times New Roman" panose="02020603050405020304" pitchFamily="18" charset="0"/>
+              </a:rPr>
+              <a:t>כתוב תוכנית הקולטת מספר 4 ספרתי ומדפיסה כל איבר בנפרד. (2 שיטות)</a:t>
+            </a:r>
+            <a:endParaRPr lang="en-US" sz="1800" dirty="0">
+              <a:effectLst/>
+              <a:latin typeface="Times New Roman" panose="02020603050405020304" pitchFamily="18" charset="0"/>
+              <a:ea typeface="Times New Roman" panose="02020603050405020304" pitchFamily="18" charset="0"/>
+            </a:endParaRPr>
+          </a:p>
+        </p:txBody>
+      </p:sp>
+    </p:spTree>
+    <p:extLst>
+      <p:ext uri="{BB962C8B-B14F-4D97-AF65-F5344CB8AC3E}">
+        <p14:creationId xmlns:p14="http://schemas.microsoft.com/office/powerpoint/2010/main" val="2287439076"/>
+      </p:ext>
+    </p:extLst>
+  </p:cSld>
+  <p:clrMapOvr>
+    <a:masterClrMapping/>
+  </p:clrMapOvr>
+</p:sld>
+</file>
+
+<file path=ppt/slides/slide13.xml><?xml version="1.0" encoding="utf-8"?>
+<p:sld xmlns:a="http://schemas.openxmlformats.org/drawingml/2006/main" xmlns:r="http://schemas.openxmlformats.org/officeDocument/2006/relationships" xmlns:p="http://schemas.openxmlformats.org/presentationml/2006/main">
+  <p:cSld>
+    <p:spTree>
+      <p:nvGrpSpPr>
+        <p:cNvPr id="1" name=""/>
+        <p:cNvGrpSpPr/>
+        <p:nvPr/>
+      </p:nvGrpSpPr>
+      <p:grpSpPr>
+        <a:xfrm>
+          <a:off x="0" y="0"/>
+          <a:ext cx="0" cy="0"/>
+          <a:chOff x="0" y="0"/>
+          <a:chExt cx="0" cy="0"/>
+        </a:xfrm>
+      </p:grpSpPr>
+      <p:sp>
+        <p:nvSpPr>
+          <p:cNvPr id="4" name="Slide Number Placeholder 3">
+            <a:extLst>
+              <a:ext uri="{FF2B5EF4-FFF2-40B4-BE49-F238E27FC236}">
+                <a16:creationId xmlns:a16="http://schemas.microsoft.com/office/drawing/2014/main" id="{308F1FDA-B83E-7ED4-371D-003C96C51AF5}"/>
+              </a:ext>
+            </a:extLst>
+          </p:cNvPr>
+          <p:cNvSpPr>
+            <a:spLocks noGrp="1"/>
+          </p:cNvSpPr>
+          <p:nvPr>
+            <p:ph type="sldNum" sz="quarter" idx="12"/>
+          </p:nvPr>
+        </p:nvSpPr>
+        <p:spPr/>
+        <p:txBody>
+          <a:bodyPr/>
+          <a:lstStyle/>
+          <a:p>
+            <a:pPr rtl="1"/>
+            <a:fld id="{34B7E4EF-A1BD-40F4-AB7B-04F084DD991D}" type="slidenum">
+              <a:rPr lang="en-US" smtClean="0"/>
+              <a:pPr rtl="1"/>
+              <a:t>13</a:t>
+            </a:fld>
+            <a:endParaRPr lang="en-US"/>
+          </a:p>
+        </p:txBody>
+      </p:sp>
+      <p:sp>
+        <p:nvSpPr>
+          <p:cNvPr id="14" name="TextBox 13">
+            <a:extLst>
+              <a:ext uri="{FF2B5EF4-FFF2-40B4-BE49-F238E27FC236}">
+                <a16:creationId xmlns:a16="http://schemas.microsoft.com/office/drawing/2014/main" id="{66DD7CDE-F33E-F1E8-25A7-87E26F024CEA}"/>
+              </a:ext>
+            </a:extLst>
+          </p:cNvPr>
+          <p:cNvSpPr txBox="1"/>
+          <p:nvPr/>
+        </p:nvSpPr>
+        <p:spPr>
+          <a:xfrm>
+            <a:off x="3048000" y="2113056"/>
+            <a:ext cx="6096000" cy="1477328"/>
+          </a:xfrm>
+          <a:prstGeom prst="rect">
+            <a:avLst/>
+          </a:prstGeom>
+          <a:noFill/>
+        </p:spPr>
+        <p:txBody>
+          <a:bodyPr wrap="square">
+            <a:spAutoFit/>
+          </a:bodyPr>
+          <a:lstStyle/>
+          <a:p>
+            <a:pPr algn="r" rtl="1"/>
+            <a:r>
+              <a:rPr lang="he-IL" sz="1800" b="1" dirty="0">
+                <a:effectLst/>
+                <a:latin typeface="Times New Roman" panose="02020603050405020304" pitchFamily="18" charset="0"/>
+                <a:ea typeface="Times New Roman" panose="02020603050405020304" pitchFamily="18" charset="0"/>
+              </a:rPr>
+              <a:t>שאלה 6</a:t>
+            </a:r>
+            <a:endParaRPr lang="en-US" sz="1800" dirty="0">
+              <a:effectLst/>
+              <a:latin typeface="Times New Roman" panose="02020603050405020304" pitchFamily="18" charset="0"/>
+              <a:ea typeface="Times New Roman" panose="02020603050405020304" pitchFamily="18" charset="0"/>
+            </a:endParaRPr>
+          </a:p>
+          <a:p>
+            <a:pPr algn="r" rtl="1"/>
+            <a:r>
+              <a:rPr lang="he-IL" sz="1800" dirty="0">
+                <a:effectLst/>
+                <a:latin typeface="Times New Roman" panose="02020603050405020304" pitchFamily="18" charset="0"/>
+                <a:ea typeface="Times New Roman" panose="02020603050405020304" pitchFamily="18" charset="0"/>
+              </a:rPr>
+              <a:t>כתוב תכנית הקולטת</a:t>
+            </a:r>
+            <a:r>
+              <a:rPr lang="ar-SA" sz="1800" dirty="0">
+                <a:effectLst/>
+                <a:latin typeface="Times New Roman" panose="02020603050405020304" pitchFamily="18" charset="0"/>
+                <a:ea typeface="Times New Roman" panose="02020603050405020304" pitchFamily="18" charset="0"/>
+              </a:rPr>
+              <a:t> מספר המייצג טמפרטורה במעלות צלזיוס, ומדפיסה את הטמפרטורה למעלות פרנהייט</a:t>
+            </a:r>
+            <a:r>
+              <a:rPr lang="en-US" sz="1800" dirty="0">
+                <a:effectLst/>
+                <a:latin typeface="Times New Roman" panose="02020603050405020304" pitchFamily="18" charset="0"/>
+                <a:ea typeface="Times New Roman" panose="02020603050405020304" pitchFamily="18" charset="0"/>
+              </a:rPr>
+              <a:t>.</a:t>
+            </a:r>
+          </a:p>
+          <a:p>
+            <a:pPr algn="r" rtl="1"/>
+            <a:r>
+              <a:rPr lang="he-IL" sz="1800" dirty="0">
+                <a:effectLst/>
+                <a:latin typeface="Times New Roman" panose="02020603050405020304" pitchFamily="18" charset="0"/>
+                <a:ea typeface="Times New Roman" panose="02020603050405020304" pitchFamily="18" charset="0"/>
+              </a:rPr>
+              <a:t>נוסחה:  </a:t>
+            </a:r>
+            <a:r>
+              <a:rPr lang="en-US" sz="1800" dirty="0">
+                <a:effectLst/>
+                <a:latin typeface="Times New Roman" panose="02020603050405020304" pitchFamily="18" charset="0"/>
+                <a:ea typeface="Times New Roman" panose="02020603050405020304" pitchFamily="18" charset="0"/>
+              </a:rPr>
+              <a:t>F = °C * 9/5 + 32</a:t>
+            </a:r>
+          </a:p>
+          <a:p>
+            <a:pPr algn="r" rtl="1"/>
+            <a:r>
+              <a:rPr lang="ar-SA" sz="1800" dirty="0">
+                <a:effectLst/>
+                <a:latin typeface="Times New Roman" panose="02020603050405020304" pitchFamily="18" charset="0"/>
+                <a:ea typeface="Times New Roman" panose="02020603050405020304" pitchFamily="18" charset="0"/>
+              </a:rPr>
+              <a:t>לדוגמה עבור הקלט 25 יודפס</a:t>
+            </a:r>
+            <a:r>
+              <a:rPr lang="en-US" sz="1800" dirty="0">
+                <a:effectLst/>
+                <a:latin typeface="Times New Roman" panose="02020603050405020304" pitchFamily="18" charset="0"/>
+                <a:ea typeface="Times New Roman" panose="02020603050405020304" pitchFamily="18" charset="0"/>
+              </a:rPr>
+              <a:t>: F</a:t>
+            </a:r>
+            <a:r>
+              <a:rPr lang="he-IL" sz="1800" dirty="0">
+                <a:effectLst/>
+                <a:latin typeface="Times New Roman" panose="02020603050405020304" pitchFamily="18" charset="0"/>
+                <a:ea typeface="Times New Roman" panose="02020603050405020304" pitchFamily="18" charset="0"/>
+              </a:rPr>
+              <a:t>77.0 ועבור הקלט 4- יודפס: </a:t>
+            </a:r>
+            <a:r>
+              <a:rPr lang="en-US" sz="1800" dirty="0">
+                <a:effectLst/>
+                <a:latin typeface="Times New Roman" panose="02020603050405020304" pitchFamily="18" charset="0"/>
+                <a:ea typeface="Times New Roman" panose="02020603050405020304" pitchFamily="18" charset="0"/>
+              </a:rPr>
+              <a:t>24.8F</a:t>
+            </a:r>
+          </a:p>
+        </p:txBody>
+      </p:sp>
+    </p:spTree>
+    <p:extLst>
+      <p:ext uri="{BB962C8B-B14F-4D97-AF65-F5344CB8AC3E}">
+        <p14:creationId xmlns:p14="http://schemas.microsoft.com/office/powerpoint/2010/main" val="878081215"/>
+      </p:ext>
+    </p:extLst>
+  </p:cSld>
+  <p:clrMapOvr>
+    <a:masterClrMapping/>
+  </p:clrMapOvr>
+</p:sld>
+</file>
+
+<file path=ppt/slides/slide14.xml><?xml version="1.0" encoding="utf-8"?>
+<p:sld xmlns:a="http://schemas.openxmlformats.org/drawingml/2006/main" xmlns:r="http://schemas.openxmlformats.org/officeDocument/2006/relationships" xmlns:p="http://schemas.openxmlformats.org/presentationml/2006/main">
+  <p:cSld>
+    <p:spTree>
+      <p:nvGrpSpPr>
+        <p:cNvPr id="1" name=""/>
+        <p:cNvGrpSpPr/>
+        <p:nvPr/>
+      </p:nvGrpSpPr>
+      <p:grpSpPr>
+        <a:xfrm>
+          <a:off x="0" y="0"/>
+          <a:ext cx="0" cy="0"/>
+          <a:chOff x="0" y="0"/>
+          <a:chExt cx="0" cy="0"/>
+        </a:xfrm>
+      </p:grpSpPr>
+      <p:sp>
+        <p:nvSpPr>
+          <p:cNvPr id="2" name="כותרת 1">
+            <a:extLst>
+              <a:ext uri="{FF2B5EF4-FFF2-40B4-BE49-F238E27FC236}">
+                <a16:creationId xmlns:a16="http://schemas.microsoft.com/office/drawing/2014/main" id="{20EE5E09-E08E-F543-D014-932EF7267DA2}"/>
+              </a:ext>
+            </a:extLst>
+          </p:cNvPr>
+          <p:cNvSpPr>
+            <a:spLocks noGrp="1"/>
+          </p:cNvSpPr>
+          <p:nvPr>
+            <p:ph type="title"/>
+          </p:nvPr>
+        </p:nvSpPr>
+        <p:spPr/>
+        <p:txBody>
+          <a:bodyPr/>
+          <a:lstStyle/>
+          <a:p>
+            <a:r>
+              <a:rPr lang="en-US" dirty="0"/>
+              <a:t>Handy IntelliJ Shortcuts for Efficient Coding</a:t>
+            </a:r>
+          </a:p>
+        </p:txBody>
+      </p:sp>
+      <p:graphicFrame>
+        <p:nvGraphicFramePr>
+          <p:cNvPr id="7" name="מציין מיקום תוכן 2">
+            <a:extLst>
+              <a:ext uri="{FF2B5EF4-FFF2-40B4-BE49-F238E27FC236}">
+                <a16:creationId xmlns:a16="http://schemas.microsoft.com/office/drawing/2014/main" id="{ED1AA047-2E83-E251-AE67-505C6D617702}"/>
+              </a:ext>
+            </a:extLst>
+          </p:cNvPr>
+          <p:cNvGraphicFramePr>
+            <a:graphicFrameLocks noGrp="1"/>
+          </p:cNvGraphicFramePr>
+          <p:nvPr>
+            <p:ph sz="quarter" idx="13"/>
+          </p:nvPr>
+        </p:nvGraphicFramePr>
+        <p:xfrm>
+          <a:off x="913774" y="2367092"/>
+          <a:ext cx="5106026" cy="3424107"/>
+        </p:xfrm>
+        <a:graphic>
+          <a:graphicData uri="http://schemas.openxmlformats.org/drawingml/2006/diagram">
+            <dgm:relIds xmlns:dgm="http://schemas.openxmlformats.org/drawingml/2006/diagram" xmlns:r="http://schemas.openxmlformats.org/officeDocument/2006/relationships" r:dm="rId2" r:lo="rId3" r:qs="rId4" r:cs="rId5"/>
+          </a:graphicData>
+        </a:graphic>
+      </p:graphicFrame>
+      <p:sp>
+        <p:nvSpPr>
+          <p:cNvPr id="4" name="מציין מיקום תוכן 3">
+            <a:extLst>
+              <a:ext uri="{FF2B5EF4-FFF2-40B4-BE49-F238E27FC236}">
+                <a16:creationId xmlns:a16="http://schemas.microsoft.com/office/drawing/2014/main" id="{79F6F5BA-B0FA-734E-925C-574BAA8800B8}"/>
+              </a:ext>
+            </a:extLst>
+          </p:cNvPr>
+          <p:cNvSpPr>
+            <a:spLocks noGrp="1"/>
+          </p:cNvSpPr>
+          <p:nvPr>
+            <p:ph sz="quarter" idx="14"/>
+          </p:nvPr>
+        </p:nvSpPr>
+        <p:spPr/>
+        <p:txBody>
+          <a:bodyPr>
+            <a:normAutofit fontScale="85000" lnSpcReduction="10000"/>
+          </a:bodyPr>
+          <a:lstStyle/>
+          <a:p>
+            <a:pPr algn="l" rtl="0"/>
+            <a:r>
+              <a:rPr lang="en-US" b="1" i="0" dirty="0">
+                <a:solidFill>
+                  <a:srgbClr val="0D0D0D"/>
+                </a:solidFill>
+                <a:effectLst/>
+                <a:latin typeface="Söhne"/>
+              </a:rPr>
+              <a:t>Ctrl + Shift + Up/Down</a:t>
+            </a:r>
+            <a:r>
+              <a:rPr lang="en-US" b="0" i="0" dirty="0">
+                <a:solidFill>
+                  <a:srgbClr val="0D0D0D"/>
+                </a:solidFill>
+                <a:effectLst/>
+                <a:latin typeface="Söhne"/>
+              </a:rPr>
+              <a:t>: Move line(s) up/down.</a:t>
+            </a:r>
+          </a:p>
+          <a:p>
+            <a:pPr algn="l" rtl="0"/>
+            <a:r>
+              <a:rPr lang="en-US" b="1" i="0" dirty="0">
+                <a:solidFill>
+                  <a:srgbClr val="0D0D0D"/>
+                </a:solidFill>
+                <a:effectLst/>
+                <a:latin typeface="Söhne"/>
+              </a:rPr>
+              <a:t>Ctrl + D</a:t>
+            </a:r>
+            <a:r>
+              <a:rPr lang="en-US" b="0" i="0" dirty="0">
+                <a:solidFill>
+                  <a:srgbClr val="0D0D0D"/>
+                </a:solidFill>
+                <a:effectLst/>
+                <a:latin typeface="Söhne"/>
+              </a:rPr>
+              <a:t>: Duplicate current line or selection.</a:t>
+            </a:r>
+          </a:p>
+          <a:p>
+            <a:pPr algn="l" rtl="0"/>
+            <a:r>
+              <a:rPr lang="en-US" b="1" i="0" dirty="0">
+                <a:solidFill>
+                  <a:srgbClr val="0D0D0D"/>
+                </a:solidFill>
+                <a:effectLst/>
+                <a:latin typeface="Söhne"/>
+              </a:rPr>
+              <a:t>Alt + Enter</a:t>
+            </a:r>
+            <a:r>
+              <a:rPr lang="en-US" b="0" i="0" dirty="0">
+                <a:solidFill>
+                  <a:srgbClr val="0D0D0D"/>
+                </a:solidFill>
+                <a:effectLst/>
+                <a:latin typeface="Söhne"/>
+              </a:rPr>
+              <a:t>: Show intention actions, quick fixes.</a:t>
+            </a:r>
+          </a:p>
+          <a:p>
+            <a:pPr algn="l" rtl="0"/>
+            <a:r>
+              <a:rPr lang="en-US" b="1" i="0" dirty="0">
+                <a:solidFill>
+                  <a:srgbClr val="0D0D0D"/>
+                </a:solidFill>
+                <a:effectLst/>
+                <a:latin typeface="Söhne"/>
+              </a:rPr>
+              <a:t>Ctrl + Alt + O</a:t>
+            </a:r>
+            <a:r>
+              <a:rPr lang="en-US" b="0" i="0" dirty="0">
+                <a:solidFill>
+                  <a:srgbClr val="0D0D0D"/>
+                </a:solidFill>
+                <a:effectLst/>
+                <a:latin typeface="Söhne"/>
+              </a:rPr>
+              <a:t>: Optimize imports.</a:t>
+            </a:r>
+          </a:p>
+          <a:p>
+            <a:pPr algn="l" rtl="0"/>
+            <a:r>
+              <a:rPr lang="en-US" b="1" i="0" dirty="0">
+                <a:solidFill>
+                  <a:srgbClr val="0D0D0D"/>
+                </a:solidFill>
+                <a:effectLst/>
+                <a:latin typeface="Söhne"/>
+              </a:rPr>
+              <a:t>Ctrl + Shift + F7</a:t>
+            </a:r>
+            <a:r>
+              <a:rPr lang="en-US" b="0" i="0" dirty="0">
+                <a:solidFill>
+                  <a:srgbClr val="0D0D0D"/>
+                </a:solidFill>
+                <a:effectLst/>
+                <a:latin typeface="Söhne"/>
+              </a:rPr>
+              <a:t>: Highlight occurrences of the selected word.</a:t>
+            </a:r>
+          </a:p>
+          <a:p>
+            <a:pPr algn="l" rtl="0"/>
+            <a:r>
+              <a:rPr lang="en-US" b="1" i="0" dirty="0">
+                <a:solidFill>
+                  <a:srgbClr val="0D0D0D"/>
+                </a:solidFill>
+                <a:effectLst/>
+                <a:latin typeface="Söhne"/>
+              </a:rPr>
+              <a:t>Ctrl + Q</a:t>
+            </a:r>
+            <a:r>
+              <a:rPr lang="en-US" b="0" i="0" dirty="0">
+                <a:solidFill>
+                  <a:srgbClr val="0D0D0D"/>
+                </a:solidFill>
+                <a:effectLst/>
+                <a:latin typeface="Söhne"/>
+              </a:rPr>
+              <a:t>: Quick documentation lookup.</a:t>
+            </a:r>
+          </a:p>
+          <a:p>
+            <a:pPr algn="l" rtl="0"/>
+            <a:r>
+              <a:rPr lang="en-US" b="1" i="0" dirty="0">
+                <a:solidFill>
+                  <a:srgbClr val="0D0D0D"/>
+                </a:solidFill>
+                <a:effectLst/>
+                <a:latin typeface="Söhne"/>
+              </a:rPr>
+              <a:t>Ctrl + F12</a:t>
+            </a:r>
+            <a:r>
+              <a:rPr lang="en-US" b="0" i="0" dirty="0">
+                <a:solidFill>
+                  <a:srgbClr val="0D0D0D"/>
+                </a:solidFill>
+                <a:effectLst/>
+                <a:latin typeface="Söhne"/>
+              </a:rPr>
+              <a:t>: Show file structure.</a:t>
+            </a:r>
+          </a:p>
+          <a:p>
+            <a:pPr algn="l" rtl="0"/>
+            <a:endParaRPr lang="en-US" dirty="0"/>
+          </a:p>
+        </p:txBody>
+      </p:sp>
+      <p:sp>
+        <p:nvSpPr>
+          <p:cNvPr id="5" name="מציין מיקום של מספר שקופית 4">
+            <a:extLst>
+              <a:ext uri="{FF2B5EF4-FFF2-40B4-BE49-F238E27FC236}">
+                <a16:creationId xmlns:a16="http://schemas.microsoft.com/office/drawing/2014/main" id="{9BD51456-4ED6-804C-0E37-528DE649B332}"/>
+              </a:ext>
+            </a:extLst>
+          </p:cNvPr>
+          <p:cNvSpPr>
+            <a:spLocks noGrp="1"/>
+          </p:cNvSpPr>
+          <p:nvPr>
+            <p:ph type="sldNum" sz="quarter" idx="12"/>
+          </p:nvPr>
+        </p:nvSpPr>
+        <p:spPr/>
+        <p:txBody>
+          <a:bodyPr/>
+          <a:lstStyle/>
+          <a:p>
+            <a:fld id="{34B7E4EF-A1BD-40F4-AB7B-04F084DD991D}" type="slidenum">
+              <a:rPr lang="en-US" smtClean="0"/>
+              <a:pPr/>
+              <a:t>14</a:t>
+            </a:fld>
+            <a:endParaRPr lang="en-US"/>
+          </a:p>
+        </p:txBody>
+      </p:sp>
+    </p:spTree>
+    <p:extLst>
+      <p:ext uri="{BB962C8B-B14F-4D97-AF65-F5344CB8AC3E}">
+        <p14:creationId xmlns:p14="http://schemas.microsoft.com/office/powerpoint/2010/main" val="224983684"/>
+      </p:ext>
+    </p:extLst>
+  </p:cSld>
+  <p:clrMapOvr>
+    <a:masterClrMapping/>
+  </p:clrMapOvr>
+</p:sld>
+</file>
+
+<file path=ppt/slides/slide15.xml><?xml version="1.0" encoding="utf-8"?>
+<p:sld xmlns:a="http://schemas.openxmlformats.org/drawingml/2006/main" xmlns:r="http://schemas.openxmlformats.org/officeDocument/2006/relationships" xmlns:p="http://schemas.openxmlformats.org/presentationml/2006/main">
+  <p:cSld>
+    <p:spTree>
+      <p:nvGrpSpPr>
+        <p:cNvPr id="1" name=""/>
+        <p:cNvGrpSpPr/>
+        <p:nvPr/>
+      </p:nvGrpSpPr>
+      <p:grpSpPr>
+        <a:xfrm>
+          <a:off x="0" y="0"/>
+          <a:ext cx="0" cy="0"/>
+          <a:chOff x="0" y="0"/>
+          <a:chExt cx="0" cy="0"/>
+        </a:xfrm>
+      </p:grpSpPr>
+      <p:sp>
+        <p:nvSpPr>
           <p:cNvPr id="2" name="כותרת 1">
             <a:extLst>
               <a:ext uri="{FF2B5EF4-FFF2-40B4-BE49-F238E27FC236}">
@@ -11904,7 +12685,7 @@
             <a:fld id="{34B7E4EF-A1BD-40F4-AB7B-04F084DD991D}" type="slidenum">
               <a:rPr lang="en-US" smtClean="0"/>
               <a:pPr/>
-              <a:t>12</a:t>
+              <a:t>15</a:t>
             </a:fld>
             <a:endParaRPr lang="en-US"/>
           </a:p>
@@ -13093,6 +13874,28 @@
 <file path=ppt/slides/slide9.xml><?xml version="1.0" encoding="utf-8"?>
 <p:sld xmlns:a="http://schemas.openxmlformats.org/drawingml/2006/main" xmlns:r="http://schemas.openxmlformats.org/officeDocument/2006/relationships" xmlns:p="http://schemas.openxmlformats.org/presentationml/2006/main">
   <p:cSld>
+    <p:bg>
+      <p:bgPr>
+        <a:gradFill rotWithShape="1">
+          <a:gsLst>
+            <a:gs pos="0">
+              <a:schemeClr val="bg1">
+                <a:tint val="90000"/>
+                <a:lumMod val="110000"/>
+              </a:schemeClr>
+            </a:gs>
+            <a:gs pos="100000">
+              <a:schemeClr val="bg1">
+                <a:shade val="64000"/>
+                <a:lumMod val="88000"/>
+              </a:schemeClr>
+            </a:gs>
+          </a:gsLst>
+          <a:lin ang="5400000" scaled="0"/>
+        </a:gradFill>
+        <a:effectLst/>
+      </p:bgPr>
+    </p:bg>
     <p:spTree>
       <p:nvGrpSpPr>
         <p:cNvPr id="1" name=""/>
@@ -13107,342 +13910,407 @@
           <a:chExt cx="0" cy="0"/>
         </a:xfrm>
       </p:grpSpPr>
-      <p:sp>
-        <p:nvSpPr>
-          <p:cNvPr id="2" name="Title 1">
+      <p:sp useBgFill="1">
+        <p:nvSpPr>
+          <p:cNvPr id="1031" name="Rectangle 1030">
             <a:extLst>
               <a:ext uri="{FF2B5EF4-FFF2-40B4-BE49-F238E27FC236}">
-                <a16:creationId xmlns:a16="http://schemas.microsoft.com/office/drawing/2014/main" id="{90728A61-CFF8-327A-C90A-08403A02FB88}"/>
+                <a16:creationId xmlns:a16="http://schemas.microsoft.com/office/drawing/2014/main" id="{CAF2918A-1C5B-42DB-81F0-39DF7ED153D9}"/>
+              </a:ext>
+              <a:ext uri="{C183D7F6-B498-43B3-948B-1728B52AA6E4}">
+                <adec:decorative xmlns:adec="http://schemas.microsoft.com/office/drawing/2017/decorative" val="1"/>
               </a:ext>
             </a:extLst>
           </p:cNvPr>
           <p:cNvSpPr>
-            <a:spLocks noGrp="1"/>
-          </p:cNvSpPr>
-          <p:nvPr>
-            <p:ph type="title"/>
-          </p:nvPr>
-        </p:nvSpPr>
-        <p:spPr/>
-        <p:txBody>
-          <a:bodyPr/>
+            <a:spLocks noGrp="1" noRot="1" noChangeAspect="1" noMove="1" noResize="1" noEditPoints="1" noAdjustHandles="1" noChangeArrowheads="1" noChangeShapeType="1" noTextEdit="1"/>
+          </p:cNvSpPr>
+          <p:nvPr>
+            <p:extLst>
+              <p:ext uri="{386F3935-93C4-4BCD-93E2-E3B085C9AB24}">
+                <p16:designElem xmlns:p16="http://schemas.microsoft.com/office/powerpoint/2015/main" val="1"/>
+              </p:ext>
+            </p:extLst>
+          </p:nvPr>
+        </p:nvSpPr>
+        <p:spPr>
+          <a:xfrm>
+            <a:off x="0" y="0"/>
+            <a:ext cx="12192000" cy="6858000"/>
+          </a:xfrm>
+          <a:prstGeom prst="rect">
+            <a:avLst/>
+          </a:prstGeom>
+          <a:ln>
+            <a:noFill/>
+          </a:ln>
+        </p:spPr>
+        <p:style>
+          <a:lnRef idx="2">
+            <a:schemeClr val="accent1">
+              <a:shade val="50000"/>
+            </a:schemeClr>
+          </a:lnRef>
+          <a:fillRef idx="1">
+            <a:schemeClr val="accent1"/>
+          </a:fillRef>
+          <a:effectRef idx="0">
+            <a:schemeClr val="accent1"/>
+          </a:effectRef>
+          <a:fontRef idx="minor">
+            <a:schemeClr val="lt1"/>
+          </a:fontRef>
+        </p:style>
+        <p:txBody>
+          <a:bodyPr rtlCol="0" anchor="ctr"/>
           <a:lstStyle/>
           <a:p>
             <a:pPr algn="ctr"/>
-            <a:r>
-              <a:rPr lang="he-IL" dirty="0"/>
-              <a:t>תרגילים</a:t>
-            </a:r>
-          </a:p>
-        </p:txBody>
-      </p:sp>
-      <p:sp>
-        <p:nvSpPr>
-          <p:cNvPr id="3" name="Content Placeholder 2">
+            <a:endParaRPr lang="en-US"/>
+          </a:p>
+        </p:txBody>
+      </p:sp>
+      <p:pic>
+        <p:nvPicPr>
+          <p:cNvPr id="1033" name="Picture 2">
             <a:extLst>
               <a:ext uri="{FF2B5EF4-FFF2-40B4-BE49-F238E27FC236}">
-                <a16:creationId xmlns:a16="http://schemas.microsoft.com/office/drawing/2014/main" id="{2C98C6DE-2FEB-CD22-EAB4-B22B1769E6E3}"/>
+                <a16:creationId xmlns:a16="http://schemas.microsoft.com/office/drawing/2014/main" id="{25F6D9BC-491D-426B-8C90-6B090419E142}"/>
+              </a:ext>
+              <a:ext uri="{C183D7F6-B498-43B3-948B-1728B52AA6E4}">
+                <adec:decorative xmlns:adec="http://schemas.microsoft.com/office/drawing/2017/decorative" val="1"/>
               </a:ext>
             </a:extLst>
           </p:cNvPr>
-          <p:cNvSpPr>
-            <a:spLocks noGrp="1"/>
-          </p:cNvSpPr>
-          <p:nvPr>
-            <p:ph idx="1"/>
-          </p:nvPr>
-        </p:nvSpPr>
-        <p:spPr/>
-        <p:txBody>
-          <a:bodyPr/>
-          <a:lstStyle/>
-          <a:p>
-            <a:pPr algn="r" rtl="1"/>
-            <a:r>
-              <a:rPr lang="he-IL" sz="1800" b="1" dirty="0">
-                <a:effectLst/>
-                <a:latin typeface="Times New Roman" panose="02020603050405020304" pitchFamily="18" charset="0"/>
-                <a:ea typeface="Times New Roman" panose="02020603050405020304" pitchFamily="18" charset="0"/>
-              </a:rPr>
-              <a:t>שאלה 1</a:t>
-            </a:r>
-            <a:endParaRPr lang="en-US" sz="1800" dirty="0">
-              <a:effectLst/>
-              <a:latin typeface="Times New Roman" panose="02020603050405020304" pitchFamily="18" charset="0"/>
-              <a:ea typeface="Times New Roman" panose="02020603050405020304" pitchFamily="18" charset="0"/>
-            </a:endParaRPr>
-          </a:p>
-          <a:p>
-            <a:pPr marL="0" indent="0" algn="r" rtl="1">
-              <a:buNone/>
-            </a:pPr>
-            <a:r>
-              <a:rPr lang="he-IL" sz="1800" dirty="0">
-                <a:effectLst/>
-                <a:latin typeface="Times New Roman" panose="02020603050405020304" pitchFamily="18" charset="0"/>
-                <a:ea typeface="Times New Roman" panose="02020603050405020304" pitchFamily="18" charset="0"/>
-              </a:rPr>
-              <a:t>כתוב תכנית ב-</a:t>
-            </a:r>
-            <a:r>
-              <a:rPr lang="en-US" sz="1800" dirty="0">
-                <a:effectLst/>
-                <a:latin typeface="Times New Roman" panose="02020603050405020304" pitchFamily="18" charset="0"/>
-                <a:ea typeface="Times New Roman" panose="02020603050405020304" pitchFamily="18" charset="0"/>
-              </a:rPr>
-              <a:t>JAVA</a:t>
-            </a:r>
-            <a:r>
-              <a:rPr lang="he-IL" sz="1800" dirty="0">
-                <a:effectLst/>
-                <a:latin typeface="Times New Roman" panose="02020603050405020304" pitchFamily="18" charset="0"/>
-                <a:ea typeface="Times New Roman" panose="02020603050405020304" pitchFamily="18" charset="0"/>
-              </a:rPr>
-              <a:t>  המבצעת הפעולות הבאות: </a:t>
-            </a:r>
-            <a:endParaRPr lang="en-US" sz="1800" dirty="0">
-              <a:effectLst/>
-              <a:latin typeface="Times New Roman" panose="02020603050405020304" pitchFamily="18" charset="0"/>
-              <a:ea typeface="Times New Roman" panose="02020603050405020304" pitchFamily="18" charset="0"/>
-            </a:endParaRPr>
-          </a:p>
-          <a:p>
-            <a:pPr marL="342900" lvl="0" indent="-342900" algn="r" rtl="1">
-              <a:buFont typeface="+mj-cs"/>
-              <a:buAutoNum type="hebrew2Minus"/>
-            </a:pPr>
-            <a:r>
-              <a:rPr lang="he-IL" sz="1800" dirty="0">
-                <a:effectLst/>
-                <a:latin typeface="Times New Roman" panose="02020603050405020304" pitchFamily="18" charset="0"/>
-                <a:ea typeface="Times New Roman" panose="02020603050405020304" pitchFamily="18" charset="0"/>
-              </a:rPr>
-              <a:t>קולטת שני מספרים שלמים. אחד למשתנה בשם </a:t>
-            </a:r>
-            <a:r>
-              <a:rPr lang="en-US" sz="1800" dirty="0">
-                <a:effectLst/>
-                <a:latin typeface="Times New Roman" panose="02020603050405020304" pitchFamily="18" charset="0"/>
-                <a:ea typeface="Times New Roman" panose="02020603050405020304" pitchFamily="18" charset="0"/>
-              </a:rPr>
-              <a:t>a</a:t>
-            </a:r>
-            <a:r>
-              <a:rPr lang="he-IL" sz="1800" dirty="0">
-                <a:effectLst/>
-                <a:latin typeface="Times New Roman" panose="02020603050405020304" pitchFamily="18" charset="0"/>
-                <a:ea typeface="Times New Roman" panose="02020603050405020304" pitchFamily="18" charset="0"/>
-              </a:rPr>
-              <a:t> ואחר למשתנה בשם </a:t>
-            </a:r>
-            <a:r>
-              <a:rPr lang="en-US" sz="1800" dirty="0">
-                <a:effectLst/>
-                <a:latin typeface="Times New Roman" panose="02020603050405020304" pitchFamily="18" charset="0"/>
-                <a:ea typeface="Times New Roman" panose="02020603050405020304" pitchFamily="18" charset="0"/>
-              </a:rPr>
-              <a:t>b</a:t>
-            </a:r>
-            <a:r>
-              <a:rPr lang="he-IL" sz="1800" dirty="0">
-                <a:effectLst/>
-                <a:latin typeface="Times New Roman" panose="02020603050405020304" pitchFamily="18" charset="0"/>
-                <a:ea typeface="Times New Roman" panose="02020603050405020304" pitchFamily="18" charset="0"/>
-              </a:rPr>
-              <a:t>.</a:t>
-            </a:r>
-            <a:endParaRPr lang="en-US" sz="1800" dirty="0">
-              <a:effectLst/>
-              <a:latin typeface="Times New Roman" panose="02020603050405020304" pitchFamily="18" charset="0"/>
-              <a:ea typeface="Times New Roman" panose="02020603050405020304" pitchFamily="18" charset="0"/>
-            </a:endParaRPr>
-          </a:p>
-          <a:p>
-            <a:pPr marL="342900" lvl="0" indent="-342900" algn="r" rtl="1">
-              <a:buFont typeface="+mj-cs"/>
-              <a:buAutoNum type="hebrew2Minus"/>
-            </a:pPr>
-            <a:r>
-              <a:rPr lang="he-IL" sz="1800" dirty="0">
-                <a:effectLst/>
-                <a:latin typeface="Times New Roman" panose="02020603050405020304" pitchFamily="18" charset="0"/>
-                <a:ea typeface="Times New Roman" panose="02020603050405020304" pitchFamily="18" charset="0"/>
-              </a:rPr>
-              <a:t>מדפיסה את תוכן התאים של </a:t>
-            </a:r>
-            <a:r>
-              <a:rPr lang="en-US" sz="1800" dirty="0">
-                <a:effectLst/>
-                <a:latin typeface="Times New Roman" panose="02020603050405020304" pitchFamily="18" charset="0"/>
-                <a:ea typeface="Times New Roman" panose="02020603050405020304" pitchFamily="18" charset="0"/>
-              </a:rPr>
-              <a:t>a</a:t>
-            </a:r>
-            <a:r>
-              <a:rPr lang="he-IL" sz="1800" dirty="0">
-                <a:effectLst/>
-                <a:latin typeface="Times New Roman" panose="02020603050405020304" pitchFamily="18" charset="0"/>
-                <a:ea typeface="Times New Roman" panose="02020603050405020304" pitchFamily="18" charset="0"/>
-              </a:rPr>
-              <a:t> ו- </a:t>
-            </a:r>
-            <a:r>
-              <a:rPr lang="en-US" sz="1800" dirty="0">
-                <a:effectLst/>
-                <a:latin typeface="Times New Roman" panose="02020603050405020304" pitchFamily="18" charset="0"/>
-                <a:ea typeface="Times New Roman" panose="02020603050405020304" pitchFamily="18" charset="0"/>
-              </a:rPr>
-              <a:t>b </a:t>
-            </a:r>
-            <a:r>
-              <a:rPr lang="he-IL" sz="1800" dirty="0">
-                <a:effectLst/>
-                <a:latin typeface="Times New Roman" panose="02020603050405020304" pitchFamily="18" charset="0"/>
-                <a:ea typeface="Times New Roman" panose="02020603050405020304" pitchFamily="18" charset="0"/>
-              </a:rPr>
-              <a:t> למסך.</a:t>
-            </a:r>
-            <a:endParaRPr lang="en-US" sz="1800" dirty="0">
-              <a:effectLst/>
-              <a:latin typeface="Times New Roman" panose="02020603050405020304" pitchFamily="18" charset="0"/>
-              <a:ea typeface="Times New Roman" panose="02020603050405020304" pitchFamily="18" charset="0"/>
-            </a:endParaRPr>
-          </a:p>
-          <a:p>
-            <a:pPr marL="342900" lvl="0" indent="-342900" algn="r" rtl="1">
-              <a:buFont typeface="+mj-cs"/>
-              <a:buAutoNum type="hebrew2Minus"/>
-            </a:pPr>
-            <a:r>
-              <a:rPr lang="he-IL" sz="1800" dirty="0">
-                <a:effectLst/>
-                <a:latin typeface="Times New Roman" panose="02020603050405020304" pitchFamily="18" charset="0"/>
-                <a:ea typeface="Times New Roman" panose="02020603050405020304" pitchFamily="18" charset="0"/>
-              </a:rPr>
-              <a:t>מחליפה את הערכים של התאים </a:t>
-            </a:r>
-            <a:r>
-              <a:rPr lang="en-US" sz="1800" dirty="0">
-                <a:effectLst/>
-                <a:latin typeface="Times New Roman" panose="02020603050405020304" pitchFamily="18" charset="0"/>
-                <a:ea typeface="Times New Roman" panose="02020603050405020304" pitchFamily="18" charset="0"/>
-              </a:rPr>
-              <a:t>a</a:t>
-            </a:r>
-            <a:r>
-              <a:rPr lang="he-IL" sz="1800" dirty="0">
-                <a:effectLst/>
-                <a:latin typeface="Times New Roman" panose="02020603050405020304" pitchFamily="18" charset="0"/>
-                <a:ea typeface="Times New Roman" panose="02020603050405020304" pitchFamily="18" charset="0"/>
-              </a:rPr>
-              <a:t> ו- </a:t>
-            </a:r>
-            <a:r>
-              <a:rPr lang="en-US" sz="1800" dirty="0">
-                <a:effectLst/>
-                <a:latin typeface="Times New Roman" panose="02020603050405020304" pitchFamily="18" charset="0"/>
-                <a:ea typeface="Times New Roman" panose="02020603050405020304" pitchFamily="18" charset="0"/>
-              </a:rPr>
-              <a:t>b</a:t>
-            </a:r>
-            <a:r>
-              <a:rPr lang="he-IL" sz="1800" dirty="0">
-                <a:effectLst/>
-                <a:latin typeface="Times New Roman" panose="02020603050405020304" pitchFamily="18" charset="0"/>
-                <a:ea typeface="Times New Roman" panose="02020603050405020304" pitchFamily="18" charset="0"/>
-              </a:rPr>
-              <a:t>. כלומר אם נקלטו </a:t>
-            </a:r>
-            <a:r>
-              <a:rPr lang="en-US" sz="1800" dirty="0">
-                <a:effectLst/>
-                <a:latin typeface="Times New Roman" panose="02020603050405020304" pitchFamily="18" charset="0"/>
-                <a:ea typeface="Times New Roman" panose="02020603050405020304" pitchFamily="18" charset="0"/>
-              </a:rPr>
-              <a:t>a=3, b=8</a:t>
-            </a:r>
-            <a:r>
-              <a:rPr lang="he-IL" sz="1800" dirty="0">
-                <a:effectLst/>
-                <a:latin typeface="Times New Roman" panose="02020603050405020304" pitchFamily="18" charset="0"/>
-                <a:ea typeface="Times New Roman" panose="02020603050405020304" pitchFamily="18" charset="0"/>
-              </a:rPr>
-              <a:t> ,אחרי ההחלפה צריך להיות </a:t>
-            </a:r>
-            <a:r>
-              <a:rPr lang="en-US" sz="1800" dirty="0">
-                <a:effectLst/>
-                <a:latin typeface="Times New Roman" panose="02020603050405020304" pitchFamily="18" charset="0"/>
-                <a:ea typeface="Times New Roman" panose="02020603050405020304" pitchFamily="18" charset="0"/>
-              </a:rPr>
-              <a:t>a=8, b=3</a:t>
-            </a:r>
-          </a:p>
-          <a:p>
-            <a:pPr marL="342900" lvl="0" indent="-342900" algn="r" rtl="1">
-              <a:buFont typeface="+mj-cs"/>
-              <a:buAutoNum type="hebrew2Minus"/>
-            </a:pPr>
-            <a:r>
-              <a:rPr lang="he-IL" sz="1800" dirty="0">
-                <a:effectLst/>
-                <a:latin typeface="Times New Roman" panose="02020603050405020304" pitchFamily="18" charset="0"/>
-                <a:ea typeface="Times New Roman" panose="02020603050405020304" pitchFamily="18" charset="0"/>
-              </a:rPr>
-              <a:t>מדפיסה את תוכן התאים של </a:t>
-            </a:r>
-            <a:r>
-              <a:rPr lang="en-US" sz="1800" dirty="0">
-                <a:effectLst/>
-                <a:latin typeface="Times New Roman" panose="02020603050405020304" pitchFamily="18" charset="0"/>
-                <a:ea typeface="Times New Roman" panose="02020603050405020304" pitchFamily="18" charset="0"/>
-              </a:rPr>
-              <a:t>a</a:t>
-            </a:r>
-            <a:r>
-              <a:rPr lang="he-IL" sz="1800" dirty="0">
-                <a:effectLst/>
-                <a:latin typeface="Times New Roman" panose="02020603050405020304" pitchFamily="18" charset="0"/>
-                <a:ea typeface="Times New Roman" panose="02020603050405020304" pitchFamily="18" charset="0"/>
-              </a:rPr>
-              <a:t> ו- </a:t>
-            </a:r>
-            <a:r>
-              <a:rPr lang="en-US" sz="1800" dirty="0">
-                <a:effectLst/>
-                <a:latin typeface="Times New Roman" panose="02020603050405020304" pitchFamily="18" charset="0"/>
-                <a:ea typeface="Times New Roman" panose="02020603050405020304" pitchFamily="18" charset="0"/>
-              </a:rPr>
-              <a:t>b </a:t>
-            </a:r>
-            <a:r>
-              <a:rPr lang="he-IL" sz="1800" dirty="0">
-                <a:effectLst/>
-                <a:latin typeface="Times New Roman" panose="02020603050405020304" pitchFamily="18" charset="0"/>
-                <a:ea typeface="Times New Roman" panose="02020603050405020304" pitchFamily="18" charset="0"/>
-              </a:rPr>
-              <a:t> למסך. (וע"י לבדוק שסעיף ג התבצע כמו שצריך).</a:t>
-            </a:r>
-            <a:endParaRPr lang="en-US" sz="1800" dirty="0">
-              <a:effectLst/>
-              <a:latin typeface="Times New Roman" panose="02020603050405020304" pitchFamily="18" charset="0"/>
-              <a:ea typeface="Times New Roman" panose="02020603050405020304" pitchFamily="18" charset="0"/>
-            </a:endParaRPr>
-          </a:p>
-          <a:p>
-            <a:endParaRPr lang="he-IL" dirty="0"/>
-          </a:p>
-        </p:txBody>
-      </p:sp>
-      <p:sp>
-        <p:nvSpPr>
-          <p:cNvPr id="4" name="Slide Number Placeholder 3">
+          <p:cNvPicPr>
+            <a:picLocks noGrp="1" noRot="1" noChangeAspect="1" noMove="1" noResize="1" noEditPoints="1" noAdjustHandles="1" noChangeArrowheads="1" noChangeShapeType="1" noCrop="1"/>
+          </p:cNvPicPr>
+          <p:nvPr>
+            <p:extLst>
+              <p:ext uri="{386F3935-93C4-4BCD-93E2-E3B085C9AB24}">
+                <p16:designElem xmlns:p16="http://schemas.microsoft.com/office/powerpoint/2015/main" val="1"/>
+              </p:ext>
+            </p:extLst>
+          </p:nvPr>
+        </p:nvPicPr>
+        <p:blipFill>
+          <a:blip r:embed="rId2">
+            <a:alphaModFix amt="70000"/>
+            <a:extLst>
+              <a:ext uri="{28A0092B-C50C-407E-A947-70E740481C1C}">
+                <a14:useLocalDpi xmlns:a14="http://schemas.microsoft.com/office/drawing/2010/main" val="0"/>
+              </a:ext>
+            </a:extLst>
+          </a:blip>
+          <a:srcRect/>
+          <a:stretch>
+            <a:fillRect/>
+          </a:stretch>
+        </p:blipFill>
+        <p:spPr bwMode="auto">
+          <a:xfrm>
+            <a:off x="0" y="-1"/>
+            <a:ext cx="12192003" cy="6858001"/>
+          </a:xfrm>
+          <a:prstGeom prst="rect">
+            <a:avLst/>
+          </a:prstGeom>
+          <a:noFill/>
+          <a:extLst>
+            <a:ext uri="{909E8E84-426E-40DD-AFC4-6F175D3DCCD1}">
+              <a14:hiddenFill xmlns:a14="http://schemas.microsoft.com/office/drawing/2010/main">
+                <a:solidFill>
+                  <a:srgbClr val="FFFFFF"/>
+                </a:solidFill>
+              </a14:hiddenFill>
+            </a:ext>
+          </a:extLst>
+        </p:spPr>
+      </p:pic>
+      <p:pic>
+        <p:nvPicPr>
+          <p:cNvPr id="6" name="תמונה 5" descr="תמונה שמכילה שמיים, מטוס, תחבורה, בחוץ&#10;&#10;התיאור נוצר באופן אוטומטי">
             <a:extLst>
               <a:ext uri="{FF2B5EF4-FFF2-40B4-BE49-F238E27FC236}">
-                <a16:creationId xmlns:a16="http://schemas.microsoft.com/office/drawing/2014/main" id="{560CA74C-B897-CB23-1555-BF09F73E8214}"/>
+                <a16:creationId xmlns:a16="http://schemas.microsoft.com/office/drawing/2014/main" id="{E9C6D1B9-6965-D1F1-B931-7FF867C5E8A1}"/>
               </a:ext>
             </a:extLst>
           </p:cNvPr>
+          <p:cNvPicPr>
+            <a:picLocks noChangeAspect="1"/>
+          </p:cNvPicPr>
+          <p:nvPr/>
+        </p:nvPicPr>
+        <p:blipFill>
+          <a:blip r:embed="rId3">
+            <a:extLst>
+              <a:ext uri="{28A0092B-C50C-407E-A947-70E740481C1C}">
+                <a14:useLocalDpi xmlns:a14="http://schemas.microsoft.com/office/drawing/2010/main" val="0"/>
+              </a:ext>
+              <a:ext uri="{837473B0-CC2E-450A-ABE3-18F120FF3D39}">
+                <a1611:picAttrSrcUrl xmlns:a1611="http://schemas.microsoft.com/office/drawing/2016/11/main" r:id="rId4"/>
+              </a:ext>
+            </a:extLst>
+          </a:blip>
+          <a:stretch>
+            <a:fillRect/>
+          </a:stretch>
+        </p:blipFill>
+        <p:spPr>
+          <a:xfrm>
+            <a:off x="8121445" y="1020971"/>
+            <a:ext cx="3427091" cy="1927738"/>
+          </a:xfrm>
+          <a:prstGeom prst="roundRect">
+            <a:avLst>
+              <a:gd name="adj" fmla="val 5301"/>
+            </a:avLst>
+          </a:prstGeom>
+          <a:ln w="82550" cap="sq">
+            <a:solidFill>
+              <a:srgbClr val="EAEAEA"/>
+            </a:solidFill>
+            <a:miter lim="800000"/>
+          </a:ln>
+          <a:effectLst/>
+          <a:scene3d>
+            <a:camera prst="orthographicFront"/>
+            <a:lightRig rig="threePt" dir="t">
+              <a:rot lat="0" lon="0" rev="2700000"/>
+            </a:lightRig>
+          </a:scene3d>
+          <a:sp3d contourW="6350">
+            <a:bevelT h="38100"/>
+            <a:contourClr>
+              <a:srgbClr val="C0C0C0"/>
+            </a:contourClr>
+          </a:sp3d>
+        </p:spPr>
+      </p:pic>
+      <p:pic>
+        <p:nvPicPr>
+          <p:cNvPr id="1026" name="Picture 2" descr="Black box - Wikipedia">
+            <a:extLst>
+              <a:ext uri="{FF2B5EF4-FFF2-40B4-BE49-F238E27FC236}">
+                <a16:creationId xmlns:a16="http://schemas.microsoft.com/office/drawing/2014/main" id="{53F502D6-CDAD-A4DD-99F0-0F855F88AC47}"/>
+              </a:ext>
+            </a:extLst>
+          </p:cNvPr>
+          <p:cNvPicPr>
+            <a:picLocks noChangeAspect="1" noChangeArrowheads="1"/>
+          </p:cNvPicPr>
+          <p:nvPr/>
+        </p:nvPicPr>
+        <p:blipFill>
+          <a:blip r:embed="rId5">
+            <a:extLst>
+              <a:ext uri="{28A0092B-C50C-407E-A947-70E740481C1C}">
+                <a14:useLocalDpi xmlns:a14="http://schemas.microsoft.com/office/drawing/2010/main" val="0"/>
+              </a:ext>
+            </a:extLst>
+          </a:blip>
+          <a:stretch>
+            <a:fillRect/>
+          </a:stretch>
+        </p:blipFill>
+        <p:spPr bwMode="auto">
+          <a:xfrm>
+            <a:off x="8121445" y="4393718"/>
+            <a:ext cx="3427091" cy="976720"/>
+          </a:xfrm>
+          <a:prstGeom prst="roundRect">
+            <a:avLst>
+              <a:gd name="adj" fmla="val 5301"/>
+            </a:avLst>
+          </a:prstGeom>
+          <a:noFill/>
+          <a:ln w="82550" cap="sq">
+            <a:solidFill>
+              <a:srgbClr val="EAEAEA"/>
+            </a:solidFill>
+            <a:miter lim="800000"/>
+          </a:ln>
+          <a:effectLst/>
+          <a:scene3d>
+            <a:camera prst="orthographicFront"/>
+            <a:lightRig rig="threePt" dir="t">
+              <a:rot lat="0" lon="0" rev="2700000"/>
+            </a:lightRig>
+          </a:scene3d>
+          <a:sp3d contourW="6350">
+            <a:bevelT h="38100"/>
+            <a:contourClr>
+              <a:srgbClr val="C0C0C0"/>
+            </a:contourClr>
+          </a:sp3d>
+          <a:extLst>
+            <a:ext uri="{909E8E84-426E-40DD-AFC4-6F175D3DCCD1}">
+              <a14:hiddenFill xmlns:a14="http://schemas.microsoft.com/office/drawing/2010/main">
+                <a:solidFill>
+                  <a:srgbClr val="FFFFFF"/>
+                </a:solidFill>
+              </a14:hiddenFill>
+            </a:ext>
+          </a:extLst>
+        </p:spPr>
+      </p:pic>
+      <p:pic>
+        <p:nvPicPr>
+          <p:cNvPr id="1035" name="Picture 1034">
+            <a:extLst>
+              <a:ext uri="{FF2B5EF4-FFF2-40B4-BE49-F238E27FC236}">
+                <a16:creationId xmlns:a16="http://schemas.microsoft.com/office/drawing/2014/main" id="{B7F1914C-EC2D-465E-A932-04CD9F4E2979}"/>
+              </a:ext>
+              <a:ext uri="{C183D7F6-B498-43B3-948B-1728B52AA6E4}">
+                <adec:decorative xmlns:adec="http://schemas.microsoft.com/office/drawing/2017/decorative" val="1"/>
+              </a:ext>
+            </a:extLst>
+          </p:cNvPr>
+          <p:cNvPicPr>
+            <a:picLocks noGrp="1" noRot="1" noChangeAspect="1" noMove="1" noResize="1" noEditPoints="1" noAdjustHandles="1" noChangeArrowheads="1" noChangeShapeType="1" noCrop="1"/>
+          </p:cNvPicPr>
+          <p:nvPr>
+            <p:extLst>
+              <p:ext uri="{386F3935-93C4-4BCD-93E2-E3B085C9AB24}">
+                <p16:designElem xmlns:p16="http://schemas.microsoft.com/office/powerpoint/2015/main" val="1"/>
+              </p:ext>
+            </p:extLst>
+          </p:nvPr>
+        </p:nvPicPr>
+        <p:blipFill>
+          <a:blip r:embed="rId6">
+            <a:extLst>
+              <a:ext uri="{28A0092B-C50C-407E-A947-70E740481C1C}">
+                <a14:useLocalDpi xmlns:a14="http://schemas.microsoft.com/office/drawing/2010/main" val="0"/>
+              </a:ext>
+            </a:extLst>
+          </a:blip>
+          <a:stretch>
+            <a:fillRect/>
+          </a:stretch>
+        </p:blipFill>
+        <p:spPr>
+          <a:xfrm>
+            <a:off x="0" y="0"/>
+            <a:ext cx="12192000" cy="6858000"/>
+          </a:xfrm>
+          <a:prstGeom prst="rect">
+            <a:avLst/>
+          </a:prstGeom>
+        </p:spPr>
+      </p:pic>
+      <p:sp>
+        <p:nvSpPr>
+          <p:cNvPr id="2" name="כותרת 1">
+            <a:extLst>
+              <a:ext uri="{FF2B5EF4-FFF2-40B4-BE49-F238E27FC236}">
+                <a16:creationId xmlns:a16="http://schemas.microsoft.com/office/drawing/2014/main" id="{3AA9A1D1-C80F-700A-B20E-842F574844DD}"/>
+              </a:ext>
+            </a:extLst>
+          </p:cNvPr>
+          <p:cNvSpPr>
+            <a:spLocks noGrp="1"/>
+          </p:cNvSpPr>
+          <p:nvPr>
+            <p:ph type="title"/>
+          </p:nvPr>
+        </p:nvSpPr>
+        <p:spPr>
+          <a:xfrm>
+            <a:off x="913776" y="640831"/>
+            <a:ext cx="6564205" cy="1573863"/>
+          </a:xfrm>
+        </p:spPr>
+        <p:txBody>
+          <a:bodyPr>
+            <a:normAutofit/>
+          </a:bodyPr>
+          <a:lstStyle/>
+          <a:p>
+            <a:r>
+              <a:rPr lang="en-US" dirty="0"/>
+              <a:t>Black box</a:t>
+            </a:r>
+            <a:endParaRPr lang="en-US"/>
+          </a:p>
+        </p:txBody>
+      </p:sp>
+      <p:sp>
+        <p:nvSpPr>
+          <p:cNvPr id="3" name="מציין מיקום תוכן 2">
+            <a:extLst>
+              <a:ext uri="{FF2B5EF4-FFF2-40B4-BE49-F238E27FC236}">
+                <a16:creationId xmlns:a16="http://schemas.microsoft.com/office/drawing/2014/main" id="{B7E0454F-0790-FD8D-2A15-8E15D73B64C4}"/>
+              </a:ext>
+            </a:extLst>
+          </p:cNvPr>
+          <p:cNvSpPr>
+            <a:spLocks noGrp="1"/>
+          </p:cNvSpPr>
+          <p:nvPr>
+            <p:ph idx="1"/>
+          </p:nvPr>
+        </p:nvSpPr>
+        <p:spPr>
+          <a:xfrm>
+            <a:off x="913774" y="2367092"/>
+            <a:ext cx="6564207" cy="3881309"/>
+          </a:xfrm>
+        </p:spPr>
+        <p:txBody>
+          <a:bodyPr>
+            <a:normAutofit/>
+          </a:bodyPr>
+          <a:lstStyle/>
+          <a:p>
+            <a:r>
+              <a:rPr lang="he-IL" b="0" i="0" dirty="0">
+                <a:effectLst/>
+                <a:latin typeface="__tiempos_b6f14e"/>
+              </a:rPr>
+              <a:t>במהלך לימוד תכנות, לעתים קרובות נתקלים המתלמדים ברעיון ה - "</a:t>
+            </a:r>
+            <a:r>
+              <a:rPr lang="en-US" b="0" i="0" dirty="0">
+                <a:effectLst/>
+                <a:latin typeface="__tiempos_b6f14e"/>
+              </a:rPr>
+              <a:t>Black Box</a:t>
+            </a:r>
+            <a:r>
+              <a:rPr lang="he-IL" b="0" i="0" dirty="0">
+                <a:effectLst/>
+                <a:latin typeface="__tiempos_b6f14e"/>
+              </a:rPr>
+              <a:t>" מושג המתאר מערכת או אלגוריתם שאנו רואים את הקלט והפלט שלו, אך התהליך הפנימי המרכזי נותר "חור שחור" שחור ולא ברור כיצד הוא פועל.</a:t>
+            </a:r>
+          </a:p>
+          <a:p>
+            <a:r>
+              <a:rPr lang="he-IL" b="0" i="0" dirty="0">
+                <a:effectLst/>
+                <a:latin typeface="__tiempos_b6f14e"/>
+              </a:rPr>
+              <a:t>התפקיד שלנו כמתכנתים הוא להתמקד בקלט ובפלט - לספק את החומרים והמרכיבים הנכונים (הקלט) כדי לקבל את התוצאה הרצויה (הפלט), ולא להתעסק בפרטים המורכבים של התהליך הפנימי.</a:t>
+            </a:r>
+          </a:p>
+          <a:p>
+            <a:pPr marL="0" indent="0">
+              <a:buNone/>
+            </a:pPr>
+            <a:endParaRPr lang="en-US" dirty="0"/>
+          </a:p>
+        </p:txBody>
+      </p:sp>
+      <p:sp>
+        <p:nvSpPr>
+          <p:cNvPr id="4" name="מציין מיקום של מספר שקופית 3">
+            <a:extLst>
+              <a:ext uri="{FF2B5EF4-FFF2-40B4-BE49-F238E27FC236}">
+                <a16:creationId xmlns:a16="http://schemas.microsoft.com/office/drawing/2014/main" id="{5E8C4209-4099-456E-2A9B-1C2F2606482B}"/>
+              </a:ext>
+            </a:extLst>
+          </p:cNvPr>
           <p:cNvSpPr>
             <a:spLocks noGrp="1"/>
           </p:cNvSpPr>
@@ -13450,15 +14318,30 @@
             <p:ph type="sldNum" sz="quarter" idx="12"/>
           </p:nvPr>
         </p:nvSpPr>
-        <p:spPr/>
-        <p:txBody>
-          <a:bodyPr/>
+        <p:spPr>
+          <a:xfrm>
+            <a:off x="10514011" y="6265130"/>
+            <a:ext cx="764215" cy="365125"/>
+          </a:xfrm>
+        </p:spPr>
+        <p:txBody>
+          <a:bodyPr>
+            <a:normAutofit/>
+          </a:bodyPr>
           <a:lstStyle/>
           <a:p>
-            <a:pPr rtl="1"/>
+            <a:pPr rtl="1">
+              <a:spcAft>
+                <a:spcPts val="600"/>
+              </a:spcAft>
+            </a:pPr>
             <a:fld id="{34B7E4EF-A1BD-40F4-AB7B-04F084DD991D}" type="slidenum">
               <a:rPr lang="en-US" smtClean="0"/>
-              <a:pPr rtl="1"/>
+              <a:pPr rtl="1">
+                <a:spcAft>
+                  <a:spcPts val="600"/>
+                </a:spcAft>
+              </a:pPr>
               <a:t>9</a:t>
             </a:fld>
             <a:endParaRPr lang="en-US"/>
@@ -13468,7 +14351,7 @@
     </p:spTree>
     <p:extLst>
       <p:ext uri="{BB962C8B-B14F-4D97-AF65-F5344CB8AC3E}">
-        <p14:creationId xmlns:p14="http://schemas.microsoft.com/office/powerpoint/2010/main" val="555736640"/>
+        <p14:creationId xmlns:p14="http://schemas.microsoft.com/office/powerpoint/2010/main" val="1295766901"/>
       </p:ext>
     </p:extLst>
   </p:cSld>
